--- a/teamProject/득근득근_포트폴리오.pptx
+++ b/teamProject/득근득근_포트폴리오.pptx
@@ -5,18 +5,19 @@
     <p:sldMasterId id="2147483648" r:id="rId1"/>
   </p:sldMasterIdLst>
   <p:notesMasterIdLst>
-    <p:notesMasterId r:id="rId8"/>
+    <p:notesMasterId r:id="rId9"/>
   </p:notesMasterIdLst>
   <p:handoutMasterIdLst>
-    <p:handoutMasterId r:id="rId9"/>
+    <p:handoutMasterId r:id="rId10"/>
   </p:handoutMasterIdLst>
   <p:sldIdLst>
     <p:sldId id="256" r:id="rId2"/>
     <p:sldId id="276" r:id="rId3"/>
-    <p:sldId id="275" r:id="rId4"/>
-    <p:sldId id="277" r:id="rId5"/>
-    <p:sldId id="273" r:id="rId6"/>
-    <p:sldId id="274" r:id="rId7"/>
+    <p:sldId id="278" r:id="rId4"/>
+    <p:sldId id="275" r:id="rId5"/>
+    <p:sldId id="277" r:id="rId6"/>
+    <p:sldId id="273" r:id="rId7"/>
+    <p:sldId id="274" r:id="rId8"/>
   </p:sldIdLst>
   <p:sldSz cx="12192000" cy="6858000"/>
   <p:notesSz cx="6797675" cy="9926638"/>
@@ -126,6 +127,7 @@
         <p14:section name="document History." id="{FF903505-45CE-4FDE-900C-B7F30543DFE6}">
           <p14:sldIdLst>
             <p14:sldId id="276"/>
+            <p14:sldId id="278"/>
             <p14:sldId id="275"/>
             <p14:sldId id="277"/>
             <p14:sldId id="273"/>
@@ -362,7 +364,7 @@
           <a:p>
             <a:fld id="{98FBB39A-9110-43FD-8DF2-684D1523A0BC}" type="datetime1">
               <a:rPr lang="ko-KR" altLang="en-US" smtClean="0"/>
-              <a:t>2021-03-22</a:t>
+              <a:t>2021-03-23</a:t>
             </a:fld>
             <a:endParaRPr lang="ko-KR" altLang="en-US"/>
           </a:p>
@@ -24344,6 +24346,137 @@
 </file>
 
 <file path=ppt/slides/slide3.xml><?xml version="1.0" encoding="utf-8"?>
+<p:sld xmlns:a="http://schemas.openxmlformats.org/drawingml/2006/main" xmlns:r="http://schemas.openxmlformats.org/officeDocument/2006/relationships" xmlns:p="http://schemas.openxmlformats.org/presentationml/2006/main">
+  <p:cSld>
+    <p:spTree>
+      <p:nvGrpSpPr>
+        <p:cNvPr id="1" name=""/>
+        <p:cNvGrpSpPr/>
+        <p:nvPr/>
+      </p:nvGrpSpPr>
+      <p:grpSpPr>
+        <a:xfrm>
+          <a:off x="0" y="0"/>
+          <a:ext cx="0" cy="0"/>
+          <a:chOff x="0" y="0"/>
+          <a:chExt cx="0" cy="0"/>
+        </a:xfrm>
+      </p:grpSpPr>
+      <p:sp>
+        <p:nvSpPr>
+          <p:cNvPr id="2" name="제목 1">
+            <a:extLst>
+              <a:ext uri="{FF2B5EF4-FFF2-40B4-BE49-F238E27FC236}">
+                <a16:creationId xmlns:a16="http://schemas.microsoft.com/office/drawing/2014/main" id="{719F2D03-4DCC-42DA-95ED-B3FF360D7F63}"/>
+              </a:ext>
+            </a:extLst>
+          </p:cNvPr>
+          <p:cNvSpPr>
+            <a:spLocks noGrp="1"/>
+          </p:cNvSpPr>
+          <p:nvPr>
+            <p:ph type="title"/>
+          </p:nvPr>
+        </p:nvSpPr>
+        <p:spPr/>
+        <p:txBody>
+          <a:bodyPr/>
+          <a:lstStyle/>
+          <a:p>
+            <a:r>
+              <a:rPr lang="en-US" altLang="ko-KR" dirty="0"/>
+              <a:t>ERD</a:t>
+            </a:r>
+            <a:endParaRPr lang="ko-KR" altLang="en-US" dirty="0"/>
+          </a:p>
+        </p:txBody>
+      </p:sp>
+      <p:sp>
+        <p:nvSpPr>
+          <p:cNvPr id="139" name="TextBox 138">
+            <a:extLst>
+              <a:ext uri="{FF2B5EF4-FFF2-40B4-BE49-F238E27FC236}">
+                <a16:creationId xmlns:a16="http://schemas.microsoft.com/office/drawing/2014/main" id="{019DD9D0-C87E-43B8-8B11-2D13E82FE4B0}"/>
+              </a:ext>
+            </a:extLst>
+          </p:cNvPr>
+          <p:cNvSpPr txBox="1"/>
+          <p:nvPr/>
+        </p:nvSpPr>
+        <p:spPr>
+          <a:xfrm>
+            <a:off x="11780252" y="106980"/>
+            <a:ext cx="248786" cy="230832"/>
+          </a:xfrm>
+          <a:prstGeom prst="rect">
+            <a:avLst/>
+          </a:prstGeom>
+          <a:noFill/>
+        </p:spPr>
+        <p:txBody>
+          <a:bodyPr wrap="none" rtlCol="0">
+            <a:spAutoFit/>
+          </a:bodyPr>
+          <a:lstStyle/>
+          <a:p>
+            <a:fld id="{944918D1-1C8F-48E6-92D4-4089F97E8793}" type="slidenum">
+              <a:rPr lang="ko-KR" altLang="en-US" sz="900" smtClean="0"/>
+              <a:t>3</a:t>
+            </a:fld>
+            <a:endParaRPr lang="ko-KR" altLang="en-US" sz="900" dirty="0"/>
+          </a:p>
+        </p:txBody>
+      </p:sp>
+      <p:pic>
+        <p:nvPicPr>
+          <p:cNvPr id="4" name="그림 3">
+            <a:extLst>
+              <a:ext uri="{FF2B5EF4-FFF2-40B4-BE49-F238E27FC236}">
+                <a16:creationId xmlns:a16="http://schemas.microsoft.com/office/drawing/2014/main" id="{007AB3CC-1783-4B6A-A9FA-98365FBA38CE}"/>
+              </a:ext>
+            </a:extLst>
+          </p:cNvPr>
+          <p:cNvPicPr>
+            <a:picLocks noChangeAspect="1"/>
+          </p:cNvPicPr>
+          <p:nvPr/>
+        </p:nvPicPr>
+        <p:blipFill>
+          <a:blip r:embed="rId2">
+            <a:extLst>
+              <a:ext uri="{28A0092B-C50C-407E-A947-70E740481C1C}">
+                <a14:useLocalDpi xmlns:a14="http://schemas.microsoft.com/office/drawing/2010/main" val="0"/>
+              </a:ext>
+            </a:extLst>
+          </a:blip>
+          <a:stretch>
+            <a:fillRect/>
+          </a:stretch>
+        </p:blipFill>
+        <p:spPr>
+          <a:xfrm>
+            <a:off x="1471603" y="1340768"/>
+            <a:ext cx="9387406" cy="5213006"/>
+          </a:xfrm>
+          <a:prstGeom prst="rect">
+            <a:avLst/>
+          </a:prstGeom>
+        </p:spPr>
+      </p:pic>
+    </p:spTree>
+    <p:extLst>
+      <p:ext uri="{BB962C8B-B14F-4D97-AF65-F5344CB8AC3E}">
+        <p14:creationId xmlns:p14="http://schemas.microsoft.com/office/powerpoint/2010/main" val="153096051"/>
+      </p:ext>
+    </p:extLst>
+  </p:cSld>
+  <p:clrMapOvr>
+    <a:masterClrMapping/>
+  </p:clrMapOvr>
+</p:sld>
+</file>
+
+<file path=ppt/slides/slide4.xml><?xml version="1.0" encoding="utf-8"?>
 <p:sld xmlns:a="http://schemas.openxmlformats.org/drawingml/2006/main" xmlns:r="http://schemas.openxmlformats.org/officeDocument/2006/relationships" xmlns:p="http://schemas.openxmlformats.org/presentationml/2006/main">
   <p:cSld>
     <p:spTree>
@@ -28143,7 +28276,7 @@
           <a:p>
             <a:fld id="{944918D1-1C8F-48E6-92D4-4089F97E8793}" type="slidenum">
               <a:rPr lang="ko-KR" altLang="en-US" sz="900" smtClean="0"/>
-              <a:t>3</a:t>
+              <a:t>4</a:t>
             </a:fld>
             <a:endParaRPr lang="ko-KR" altLang="en-US" sz="900" dirty="0"/>
           </a:p>
@@ -28162,7 +28295,7 @@
 </p:sld>
 </file>
 
-<file path=ppt/slides/slide4.xml><?xml version="1.0" encoding="utf-8"?>
+<file path=ppt/slides/slide5.xml><?xml version="1.0" encoding="utf-8"?>
 <p:sld xmlns:a="http://schemas.openxmlformats.org/drawingml/2006/main" xmlns:r="http://schemas.openxmlformats.org/officeDocument/2006/relationships" xmlns:p="http://schemas.openxmlformats.org/presentationml/2006/main">
   <p:cSld>
     <p:spTree>
@@ -33530,7 +33663,7 @@
 </p:sld>
 </file>
 
-<file path=ppt/slides/slide5.xml><?xml version="1.0" encoding="utf-8"?>
+<file path=ppt/slides/slide6.xml><?xml version="1.0" encoding="utf-8"?>
 <p:sld xmlns:a="http://schemas.openxmlformats.org/drawingml/2006/main" xmlns:r="http://schemas.openxmlformats.org/officeDocument/2006/relationships" xmlns:p="http://schemas.openxmlformats.org/presentationml/2006/main">
   <p:cSld>
     <p:spTree>
@@ -33610,7 +33743,7 @@
 </p:sld>
 </file>
 
-<file path=ppt/slides/slide6.xml><?xml version="1.0" encoding="utf-8"?>
+<file path=ppt/slides/slide7.xml><?xml version="1.0" encoding="utf-8"?>
 <p:sld xmlns:a="http://schemas.openxmlformats.org/drawingml/2006/main" xmlns:r="http://schemas.openxmlformats.org/officeDocument/2006/relationships" xmlns:p="http://schemas.openxmlformats.org/presentationml/2006/main">
   <p:cSld>
     <p:spTree>
@@ -33699,7 +33832,7 @@
         </p:nvGraphicFramePr>
         <p:xfrm>
           <a:off x="8688288" y="476672"/>
-          <a:ext cx="3384376" cy="2773373"/>
+          <a:ext cx="3384376" cy="2736301"/>
         </p:xfrm>
         <a:graphic>
           <a:graphicData uri="http://schemas.openxmlformats.org/drawingml/2006/table">
@@ -35139,7 +35272,7 @@
           <a:p>
             <a:fld id="{944918D1-1C8F-48E6-92D4-4089F97E8793}" type="slidenum">
               <a:rPr lang="ko-KR" altLang="en-US" sz="900" smtClean="0"/>
-              <a:t>6</a:t>
+              <a:t>7</a:t>
             </a:fld>
             <a:endParaRPr lang="ko-KR" altLang="en-US" sz="900" dirty="0"/>
           </a:p>

--- a/teamProject/득근득근_포트폴리오.pptx
+++ b/teamProject/득근득근_포트폴리오.pptx
@@ -364,7 +364,7 @@
           <a:p>
             <a:fld id="{98FBB39A-9110-43FD-8DF2-684D1523A0BC}" type="datetime1">
               <a:rPr lang="ko-KR" altLang="en-US" smtClean="0"/>
-              <a:t>2021-03-28</a:t>
+              <a:t>2021-04-03</a:t>
             </a:fld>
             <a:endParaRPr lang="ko-KR" altLang="en-US"/>
           </a:p>
@@ -24536,7 +24536,7 @@
         </p:nvSpPr>
         <p:spPr>
           <a:xfrm>
-            <a:off x="2263506" y="1916872"/>
+            <a:off x="2747736" y="2029122"/>
             <a:ext cx="972000" cy="180000"/>
           </a:xfrm>
           <a:prstGeom prst="flowChartProcess">
@@ -24605,7 +24605,7 @@
         </p:nvSpPr>
         <p:spPr>
           <a:xfrm>
-            <a:off x="3669606" y="2422850"/>
+            <a:off x="4403920" y="1334155"/>
             <a:ext cx="972000" cy="180000"/>
           </a:xfrm>
           <a:prstGeom prst="flowChartProcess">
@@ -24674,7 +24674,7 @@
         </p:nvSpPr>
         <p:spPr>
           <a:xfrm>
-            <a:off x="4821734" y="2177074"/>
+            <a:off x="6201666" y="1085133"/>
             <a:ext cx="972000" cy="180000"/>
           </a:xfrm>
           <a:prstGeom prst="flowChartProcess">
@@ -24743,7 +24743,7 @@
         </p:nvSpPr>
         <p:spPr>
           <a:xfrm>
-            <a:off x="4821734" y="2422850"/>
+            <a:off x="6200888" y="1336792"/>
             <a:ext cx="972000" cy="180000"/>
           </a:xfrm>
           <a:prstGeom prst="flowChartProcess">
@@ -24812,7 +24812,7 @@
         </p:nvSpPr>
         <p:spPr>
           <a:xfrm>
-            <a:off x="4821734" y="2668626"/>
+            <a:off x="6200888" y="1592816"/>
             <a:ext cx="972000" cy="180000"/>
           </a:xfrm>
           <a:prstGeom prst="flowChartProcess">
@@ -24881,7 +24881,7 @@
         </p:nvSpPr>
         <p:spPr>
           <a:xfrm>
-            <a:off x="2263506" y="3537032"/>
+            <a:off x="2747736" y="3345164"/>
             <a:ext cx="972000" cy="180000"/>
           </a:xfrm>
           <a:prstGeom prst="flowChartProcess">
@@ -24950,7 +24950,7 @@
         </p:nvSpPr>
         <p:spPr>
           <a:xfrm>
-            <a:off x="3631658" y="1389243"/>
+            <a:off x="4403920" y="2592228"/>
             <a:ext cx="972000" cy="180000"/>
           </a:xfrm>
           <a:prstGeom prst="flowChartProcess">
@@ -25019,7 +25019,7 @@
         </p:nvSpPr>
         <p:spPr>
           <a:xfrm>
-            <a:off x="4819898" y="1137888"/>
+            <a:off x="6201666" y="2348121"/>
             <a:ext cx="972000" cy="180000"/>
           </a:xfrm>
           <a:prstGeom prst="flowChartProcess">
@@ -25088,7 +25088,7 @@
         </p:nvSpPr>
         <p:spPr>
           <a:xfrm>
-            <a:off x="4819898" y="1389243"/>
+            <a:off x="6201666" y="2593897"/>
             <a:ext cx="972000" cy="180000"/>
           </a:xfrm>
           <a:prstGeom prst="flowChartProcess">
@@ -25157,7 +25157,7 @@
         </p:nvSpPr>
         <p:spPr>
           <a:xfrm>
-            <a:off x="4819898" y="1635019"/>
+            <a:off x="6204120" y="2843263"/>
             <a:ext cx="972000" cy="180000"/>
           </a:xfrm>
           <a:prstGeom prst="flowChartProcess">
@@ -25226,7 +25226,7 @@
         </p:nvSpPr>
         <p:spPr>
           <a:xfrm>
-            <a:off x="3631657" y="1916872"/>
+            <a:off x="4403920" y="2199292"/>
             <a:ext cx="972000" cy="180000"/>
           </a:xfrm>
           <a:prstGeom prst="flowChartProcess">
@@ -25295,7 +25295,7 @@
         </p:nvSpPr>
         <p:spPr>
           <a:xfrm>
-            <a:off x="5035922" y="3771835"/>
+            <a:off x="6200888" y="3744738"/>
             <a:ext cx="972000" cy="180000"/>
           </a:xfrm>
           <a:prstGeom prst="flowChartProcess">
@@ -25364,7 +25364,7 @@
         </p:nvSpPr>
         <p:spPr>
           <a:xfrm>
-            <a:off x="5035922" y="4017611"/>
+            <a:off x="6200888" y="3990514"/>
             <a:ext cx="972000" cy="180000"/>
           </a:xfrm>
           <a:prstGeom prst="flowChartProcess">
@@ -25433,7 +25433,7 @@
         </p:nvSpPr>
         <p:spPr>
           <a:xfrm>
-            <a:off x="5035922" y="4263387"/>
+            <a:off x="6200888" y="4236290"/>
             <a:ext cx="972000" cy="180000"/>
           </a:xfrm>
           <a:prstGeom prst="flowChartProcess">
@@ -25502,7 +25502,7 @@
         </p:nvSpPr>
         <p:spPr>
           <a:xfrm>
-            <a:off x="5035922" y="4509160"/>
+            <a:off x="6200888" y="4482063"/>
             <a:ext cx="972000" cy="180000"/>
           </a:xfrm>
           <a:prstGeom prst="flowChartProcess">
@@ -25571,7 +25571,7 @@
         </p:nvSpPr>
         <p:spPr>
           <a:xfrm>
-            <a:off x="5035922" y="4848193"/>
+            <a:off x="6200887" y="5065142"/>
             <a:ext cx="972000" cy="180000"/>
           </a:xfrm>
           <a:prstGeom prst="flowChartProcess">
@@ -25615,22 +25615,13 @@
               </a:lnSpc>
             </a:pPr>
             <a:r>
-              <a:rPr lang="en-US" altLang="ko-KR" sz="700" dirty="0">
-                <a:solidFill>
-                  <a:schemeClr val="tx1"/>
-                </a:solidFill>
-                <a:latin typeface="+mn-ea"/>
-              </a:rPr>
-              <a:t>ID/PW </a:t>
-            </a:r>
-            <a:r>
               <a:rPr lang="ko-KR" altLang="en-US" sz="700" dirty="0">
                 <a:solidFill>
                   <a:schemeClr val="tx1"/>
                 </a:solidFill>
                 <a:latin typeface="+mn-ea"/>
               </a:rPr>
-              <a:t>입력</a:t>
+              <a:t>트레이너 로그인</a:t>
             </a:r>
           </a:p>
         </p:txBody>
@@ -25649,7 +25640,7 @@
         </p:nvSpPr>
         <p:spPr>
           <a:xfrm>
-            <a:off x="5035922" y="5093966"/>
+            <a:off x="6207237" y="5327797"/>
             <a:ext cx="972000" cy="180000"/>
           </a:xfrm>
           <a:prstGeom prst="flowChartProcess">
@@ -25718,7 +25709,7 @@
         </p:nvSpPr>
         <p:spPr>
           <a:xfrm>
-            <a:off x="5035922" y="5334351"/>
+            <a:off x="6200887" y="5586936"/>
             <a:ext cx="972000" cy="180000"/>
           </a:xfrm>
           <a:prstGeom prst="flowChartProcess">
@@ -25775,75 +25766,6 @@
       </p:sp>
       <p:sp>
         <p:nvSpPr>
-          <p:cNvPr id="278" name="순서도: 처리 277">
-            <a:extLst>
-              <a:ext uri="{FF2B5EF4-FFF2-40B4-BE49-F238E27FC236}">
-                <a16:creationId xmlns:a16="http://schemas.microsoft.com/office/drawing/2014/main" id="{6E6BF491-741A-43FB-8483-40F52571C75B}"/>
-              </a:ext>
-            </a:extLst>
-          </p:cNvPr>
-          <p:cNvSpPr/>
-          <p:nvPr/>
-        </p:nvSpPr>
-        <p:spPr>
-          <a:xfrm>
-            <a:off x="5035922" y="5683158"/>
-            <a:ext cx="972000" cy="180000"/>
-          </a:xfrm>
-          <a:prstGeom prst="flowChartProcess">
-            <a:avLst/>
-          </a:prstGeom>
-          <a:solidFill>
-            <a:schemeClr val="bg1"/>
-          </a:solidFill>
-          <a:ln>
-            <a:solidFill>
-              <a:schemeClr val="tx1">
-                <a:lumMod val="95000"/>
-                <a:lumOff val="5000"/>
-              </a:schemeClr>
-            </a:solidFill>
-          </a:ln>
-        </p:spPr>
-        <p:style>
-          <a:lnRef idx="2">
-            <a:schemeClr val="accent1">
-              <a:shade val="50000"/>
-            </a:schemeClr>
-          </a:lnRef>
-          <a:fillRef idx="1">
-            <a:schemeClr val="accent1"/>
-          </a:fillRef>
-          <a:effectRef idx="0">
-            <a:schemeClr val="accent1"/>
-          </a:effectRef>
-          <a:fontRef idx="minor">
-            <a:schemeClr val="lt1"/>
-          </a:fontRef>
-        </p:style>
-        <p:txBody>
-          <a:bodyPr rtlCol="0" anchor="ctr"/>
-          <a:lstStyle/>
-          <a:p>
-            <a:pPr algn="ctr">
-              <a:lnSpc>
-                <a:spcPct val="90000"/>
-              </a:lnSpc>
-            </a:pPr>
-            <a:r>
-              <a:rPr lang="ko-KR" altLang="en-US" sz="700" dirty="0">
-                <a:solidFill>
-                  <a:schemeClr val="tx1"/>
-                </a:solidFill>
-                <a:latin typeface="+mn-ea"/>
-              </a:rPr>
-              <a:t>정보 입력</a:t>
-            </a:r>
-          </a:p>
-        </p:txBody>
-      </p:sp>
-      <p:sp>
-        <p:nvSpPr>
           <p:cNvPr id="281" name="순서도: 처리 280">
             <a:extLst>
               <a:ext uri="{FF2B5EF4-FFF2-40B4-BE49-F238E27FC236}">
@@ -25856,7 +25778,7 @@
         </p:nvSpPr>
         <p:spPr>
           <a:xfrm>
-            <a:off x="5972026" y="2178804"/>
+            <a:off x="7932312" y="1080671"/>
             <a:ext cx="972000" cy="180000"/>
           </a:xfrm>
           <a:prstGeom prst="flowChartProcess">
@@ -25913,291 +25835,6 @@
       </p:sp>
       <p:sp>
         <p:nvSpPr>
-          <p:cNvPr id="290" name="순서도: 처리 289">
-            <a:extLst>
-              <a:ext uri="{FF2B5EF4-FFF2-40B4-BE49-F238E27FC236}">
-                <a16:creationId xmlns:a16="http://schemas.microsoft.com/office/drawing/2014/main" id="{24F7FA8C-9222-4F2E-917A-B339F8CD1D85}"/>
-              </a:ext>
-            </a:extLst>
-          </p:cNvPr>
-          <p:cNvSpPr/>
-          <p:nvPr/>
-        </p:nvSpPr>
-        <p:spPr>
-          <a:xfrm>
-            <a:off x="6008139" y="1635877"/>
-            <a:ext cx="972000" cy="180000"/>
-          </a:xfrm>
-          <a:prstGeom prst="flowChartProcess">
-            <a:avLst/>
-          </a:prstGeom>
-          <a:solidFill>
-            <a:schemeClr val="bg1"/>
-          </a:solidFill>
-          <a:ln>
-            <a:solidFill>
-              <a:schemeClr val="tx1">
-                <a:lumMod val="95000"/>
-                <a:lumOff val="5000"/>
-              </a:schemeClr>
-            </a:solidFill>
-          </a:ln>
-        </p:spPr>
-        <p:style>
-          <a:lnRef idx="2">
-            <a:schemeClr val="accent1">
-              <a:shade val="50000"/>
-            </a:schemeClr>
-          </a:lnRef>
-          <a:fillRef idx="1">
-            <a:schemeClr val="accent1"/>
-          </a:fillRef>
-          <a:effectRef idx="0">
-            <a:schemeClr val="accent1"/>
-          </a:effectRef>
-          <a:fontRef idx="minor">
-            <a:schemeClr val="lt1"/>
-          </a:fontRef>
-        </p:style>
-        <p:txBody>
-          <a:bodyPr rtlCol="0" anchor="ctr"/>
-          <a:lstStyle/>
-          <a:p>
-            <a:pPr algn="ctr">
-              <a:lnSpc>
-                <a:spcPct val="90000"/>
-              </a:lnSpc>
-            </a:pPr>
-            <a:r>
-              <a:rPr lang="en-US" altLang="ko-KR" sz="700" dirty="0">
-                <a:solidFill>
-                  <a:schemeClr val="tx1"/>
-                </a:solidFill>
-                <a:latin typeface="+mn-ea"/>
-              </a:rPr>
-              <a:t>ID/PW </a:t>
-            </a:r>
-            <a:r>
-              <a:rPr lang="ko-KR" altLang="en-US" sz="700" dirty="0">
-                <a:solidFill>
-                  <a:schemeClr val="tx1"/>
-                </a:solidFill>
-                <a:latin typeface="+mn-ea"/>
-              </a:rPr>
-              <a:t>입력</a:t>
-            </a:r>
-          </a:p>
-        </p:txBody>
-      </p:sp>
-      <p:sp>
-        <p:nvSpPr>
-          <p:cNvPr id="291" name="순서도: 처리 290">
-            <a:extLst>
-              <a:ext uri="{FF2B5EF4-FFF2-40B4-BE49-F238E27FC236}">
-                <a16:creationId xmlns:a16="http://schemas.microsoft.com/office/drawing/2014/main" id="{8A04048E-5AA4-4DC1-8789-716C12EB87CD}"/>
-              </a:ext>
-            </a:extLst>
-          </p:cNvPr>
-          <p:cNvSpPr/>
-          <p:nvPr/>
-        </p:nvSpPr>
-        <p:spPr>
-          <a:xfrm>
-            <a:off x="7196380" y="1635019"/>
-            <a:ext cx="972000" cy="180000"/>
-          </a:xfrm>
-          <a:prstGeom prst="flowChartProcess">
-            <a:avLst/>
-          </a:prstGeom>
-          <a:solidFill>
-            <a:schemeClr val="bg1"/>
-          </a:solidFill>
-          <a:ln>
-            <a:solidFill>
-              <a:schemeClr val="tx1">
-                <a:lumMod val="95000"/>
-                <a:lumOff val="5000"/>
-              </a:schemeClr>
-            </a:solidFill>
-          </a:ln>
-        </p:spPr>
-        <p:style>
-          <a:lnRef idx="2">
-            <a:schemeClr val="accent1">
-              <a:shade val="50000"/>
-            </a:schemeClr>
-          </a:lnRef>
-          <a:fillRef idx="1">
-            <a:schemeClr val="accent1"/>
-          </a:fillRef>
-          <a:effectRef idx="0">
-            <a:schemeClr val="accent1"/>
-          </a:effectRef>
-          <a:fontRef idx="minor">
-            <a:schemeClr val="lt1"/>
-          </a:fontRef>
-        </p:style>
-        <p:txBody>
-          <a:bodyPr rtlCol="0" anchor="ctr"/>
-          <a:lstStyle/>
-          <a:p>
-            <a:pPr algn="ctr">
-              <a:lnSpc>
-                <a:spcPct val="90000"/>
-              </a:lnSpc>
-            </a:pPr>
-            <a:r>
-              <a:rPr lang="ko-KR" altLang="en-US" sz="700" dirty="0">
-                <a:solidFill>
-                  <a:schemeClr val="tx1"/>
-                </a:solidFill>
-                <a:latin typeface="+mn-ea"/>
-              </a:rPr>
-              <a:t>유효성 검사</a:t>
-            </a:r>
-          </a:p>
-        </p:txBody>
-      </p:sp>
-      <p:sp>
-        <p:nvSpPr>
-          <p:cNvPr id="292" name="순서도: 처리 291">
-            <a:extLst>
-              <a:ext uri="{FF2B5EF4-FFF2-40B4-BE49-F238E27FC236}">
-                <a16:creationId xmlns:a16="http://schemas.microsoft.com/office/drawing/2014/main" id="{1BF33062-44E1-42B3-8811-C773F93EB83B}"/>
-              </a:ext>
-            </a:extLst>
-          </p:cNvPr>
-          <p:cNvSpPr/>
-          <p:nvPr/>
-        </p:nvSpPr>
-        <p:spPr>
-          <a:xfrm>
-            <a:off x="4819898" y="1916872"/>
-            <a:ext cx="972000" cy="180000"/>
-          </a:xfrm>
-          <a:prstGeom prst="flowChartProcess">
-            <a:avLst/>
-          </a:prstGeom>
-          <a:solidFill>
-            <a:schemeClr val="bg1"/>
-          </a:solidFill>
-          <a:ln>
-            <a:solidFill>
-              <a:schemeClr val="tx1">
-                <a:lumMod val="95000"/>
-                <a:lumOff val="5000"/>
-              </a:schemeClr>
-            </a:solidFill>
-          </a:ln>
-        </p:spPr>
-        <p:style>
-          <a:lnRef idx="2">
-            <a:schemeClr val="accent1">
-              <a:shade val="50000"/>
-            </a:schemeClr>
-          </a:lnRef>
-          <a:fillRef idx="1">
-            <a:schemeClr val="accent1"/>
-          </a:fillRef>
-          <a:effectRef idx="0">
-            <a:schemeClr val="accent1"/>
-          </a:effectRef>
-          <a:fontRef idx="minor">
-            <a:schemeClr val="lt1"/>
-          </a:fontRef>
-        </p:style>
-        <p:txBody>
-          <a:bodyPr rtlCol="0" anchor="ctr"/>
-          <a:lstStyle/>
-          <a:p>
-            <a:pPr algn="ctr">
-              <a:lnSpc>
-                <a:spcPct val="90000"/>
-              </a:lnSpc>
-            </a:pPr>
-            <a:r>
-              <a:rPr lang="ko-KR" altLang="en-US" sz="700" dirty="0">
-                <a:solidFill>
-                  <a:schemeClr val="tx1"/>
-                </a:solidFill>
-                <a:latin typeface="+mn-ea"/>
-              </a:rPr>
-              <a:t>정보 입력</a:t>
-            </a:r>
-          </a:p>
-        </p:txBody>
-      </p:sp>
-      <p:sp>
-        <p:nvSpPr>
-          <p:cNvPr id="293" name="순서도: 처리 292">
-            <a:extLst>
-              <a:ext uri="{FF2B5EF4-FFF2-40B4-BE49-F238E27FC236}">
-                <a16:creationId xmlns:a16="http://schemas.microsoft.com/office/drawing/2014/main" id="{F8EABA13-EC5E-4545-815F-623388B55886}"/>
-              </a:ext>
-            </a:extLst>
-          </p:cNvPr>
-          <p:cNvSpPr/>
-          <p:nvPr/>
-        </p:nvSpPr>
-        <p:spPr>
-          <a:xfrm>
-            <a:off x="6008139" y="1916872"/>
-            <a:ext cx="972000" cy="180000"/>
-          </a:xfrm>
-          <a:prstGeom prst="flowChartProcess">
-            <a:avLst/>
-          </a:prstGeom>
-          <a:solidFill>
-            <a:schemeClr val="bg1"/>
-          </a:solidFill>
-          <a:ln>
-            <a:solidFill>
-              <a:schemeClr val="tx1">
-                <a:lumMod val="95000"/>
-                <a:lumOff val="5000"/>
-              </a:schemeClr>
-            </a:solidFill>
-          </a:ln>
-        </p:spPr>
-        <p:style>
-          <a:lnRef idx="2">
-            <a:schemeClr val="accent1">
-              <a:shade val="50000"/>
-            </a:schemeClr>
-          </a:lnRef>
-          <a:fillRef idx="1">
-            <a:schemeClr val="accent1"/>
-          </a:fillRef>
-          <a:effectRef idx="0">
-            <a:schemeClr val="accent1"/>
-          </a:effectRef>
-          <a:fontRef idx="minor">
-            <a:schemeClr val="lt1"/>
-          </a:fontRef>
-        </p:style>
-        <p:txBody>
-          <a:bodyPr rtlCol="0" anchor="ctr"/>
-          <a:lstStyle/>
-          <a:p>
-            <a:pPr algn="ctr">
-              <a:lnSpc>
-                <a:spcPct val="90000"/>
-              </a:lnSpc>
-            </a:pPr>
-            <a:r>
-              <a:rPr lang="ko-KR" altLang="en-US" sz="700" dirty="0">
-                <a:solidFill>
-                  <a:schemeClr val="tx1"/>
-                </a:solidFill>
-                <a:latin typeface="+mn-ea"/>
-              </a:rPr>
-              <a:t>유효성 검사</a:t>
-            </a:r>
-          </a:p>
-        </p:txBody>
-      </p:sp>
-      <p:sp>
-        <p:nvSpPr>
           <p:cNvPr id="294" name="순서도: 처리 293">
             <a:extLst>
               <a:ext uri="{FF2B5EF4-FFF2-40B4-BE49-F238E27FC236}">
@@ -26210,7 +25847,7 @@
         </p:nvSpPr>
         <p:spPr>
           <a:xfrm>
-            <a:off x="3631647" y="4131145"/>
+            <a:off x="4403920" y="4107611"/>
             <a:ext cx="972000" cy="180000"/>
           </a:xfrm>
           <a:prstGeom prst="flowChartProcess">
@@ -26279,7 +25916,7 @@
         </p:nvSpPr>
         <p:spPr>
           <a:xfrm>
-            <a:off x="3631647" y="5093966"/>
+            <a:off x="4403919" y="5327797"/>
             <a:ext cx="972000" cy="180000"/>
           </a:xfrm>
           <a:prstGeom prst="flowChartProcess">
@@ -26329,7 +25966,7 @@
                 </a:solidFill>
                 <a:latin typeface="+mn-ea"/>
               </a:rPr>
-              <a:t>트레이너 로그인</a:t>
+              <a:t>로그인</a:t>
             </a:r>
           </a:p>
         </p:txBody>
@@ -26348,7 +25985,7 @@
         </p:nvSpPr>
         <p:spPr>
           <a:xfrm>
-            <a:off x="3631647" y="5683158"/>
+            <a:off x="4403920" y="4691301"/>
             <a:ext cx="972000" cy="180000"/>
           </a:xfrm>
           <a:prstGeom prst="flowChartProcess">
@@ -26417,7 +26054,7 @@
         </p:nvSpPr>
         <p:spPr>
           <a:xfrm>
-            <a:off x="2263506" y="5093966"/>
+            <a:off x="2747736" y="4691469"/>
             <a:ext cx="972000" cy="180000"/>
           </a:xfrm>
           <a:prstGeom prst="flowChartProcess">
@@ -26474,144 +26111,6 @@
       </p:sp>
       <p:sp>
         <p:nvSpPr>
-          <p:cNvPr id="298" name="순서도: 처리 297">
-            <a:extLst>
-              <a:ext uri="{FF2B5EF4-FFF2-40B4-BE49-F238E27FC236}">
-                <a16:creationId xmlns:a16="http://schemas.microsoft.com/office/drawing/2014/main" id="{372B2531-57F8-4886-8A00-D130B6035075}"/>
-              </a:ext>
-            </a:extLst>
-          </p:cNvPr>
-          <p:cNvSpPr/>
-          <p:nvPr/>
-        </p:nvSpPr>
-        <p:spPr>
-          <a:xfrm>
-            <a:off x="6404074" y="4848193"/>
-            <a:ext cx="972000" cy="180000"/>
-          </a:xfrm>
-          <a:prstGeom prst="flowChartProcess">
-            <a:avLst/>
-          </a:prstGeom>
-          <a:solidFill>
-            <a:schemeClr val="bg1"/>
-          </a:solidFill>
-          <a:ln>
-            <a:solidFill>
-              <a:schemeClr val="tx1">
-                <a:lumMod val="95000"/>
-                <a:lumOff val="5000"/>
-              </a:schemeClr>
-            </a:solidFill>
-          </a:ln>
-        </p:spPr>
-        <p:style>
-          <a:lnRef idx="2">
-            <a:schemeClr val="accent1">
-              <a:shade val="50000"/>
-            </a:schemeClr>
-          </a:lnRef>
-          <a:fillRef idx="1">
-            <a:schemeClr val="accent1"/>
-          </a:fillRef>
-          <a:effectRef idx="0">
-            <a:schemeClr val="accent1"/>
-          </a:effectRef>
-          <a:fontRef idx="minor">
-            <a:schemeClr val="lt1"/>
-          </a:fontRef>
-        </p:style>
-        <p:txBody>
-          <a:bodyPr rtlCol="0" anchor="ctr"/>
-          <a:lstStyle/>
-          <a:p>
-            <a:pPr algn="ctr">
-              <a:lnSpc>
-                <a:spcPct val="90000"/>
-              </a:lnSpc>
-            </a:pPr>
-            <a:r>
-              <a:rPr lang="ko-KR" altLang="en-US" sz="700" dirty="0">
-                <a:solidFill>
-                  <a:schemeClr val="tx1"/>
-                </a:solidFill>
-                <a:latin typeface="+mn-ea"/>
-              </a:rPr>
-              <a:t>유효성 검사</a:t>
-            </a:r>
-          </a:p>
-        </p:txBody>
-      </p:sp>
-      <p:sp>
-        <p:nvSpPr>
-          <p:cNvPr id="299" name="순서도: 처리 298">
-            <a:extLst>
-              <a:ext uri="{FF2B5EF4-FFF2-40B4-BE49-F238E27FC236}">
-                <a16:creationId xmlns:a16="http://schemas.microsoft.com/office/drawing/2014/main" id="{8FA2A585-8A7B-4DBD-9A25-2D8F5531B1AB}"/>
-              </a:ext>
-            </a:extLst>
-          </p:cNvPr>
-          <p:cNvSpPr/>
-          <p:nvPr/>
-        </p:nvSpPr>
-        <p:spPr>
-          <a:xfrm>
-            <a:off x="6404074" y="5685117"/>
-            <a:ext cx="972000" cy="180000"/>
-          </a:xfrm>
-          <a:prstGeom prst="flowChartProcess">
-            <a:avLst/>
-          </a:prstGeom>
-          <a:solidFill>
-            <a:schemeClr val="bg1"/>
-          </a:solidFill>
-          <a:ln>
-            <a:solidFill>
-              <a:schemeClr val="tx1">
-                <a:lumMod val="95000"/>
-                <a:lumOff val="5000"/>
-              </a:schemeClr>
-            </a:solidFill>
-          </a:ln>
-        </p:spPr>
-        <p:style>
-          <a:lnRef idx="2">
-            <a:schemeClr val="accent1">
-              <a:shade val="50000"/>
-            </a:schemeClr>
-          </a:lnRef>
-          <a:fillRef idx="1">
-            <a:schemeClr val="accent1"/>
-          </a:fillRef>
-          <a:effectRef idx="0">
-            <a:schemeClr val="accent1"/>
-          </a:effectRef>
-          <a:fontRef idx="minor">
-            <a:schemeClr val="lt1"/>
-          </a:fontRef>
-        </p:style>
-        <p:txBody>
-          <a:bodyPr rtlCol="0" anchor="ctr"/>
-          <a:lstStyle/>
-          <a:p>
-            <a:pPr algn="ctr">
-              <a:lnSpc>
-                <a:spcPct val="90000"/>
-              </a:lnSpc>
-            </a:pPr>
-            <a:r>
-              <a:rPr lang="ko-KR" altLang="en-US" sz="700" dirty="0">
-                <a:solidFill>
-                  <a:schemeClr val="tx1"/>
-                </a:solidFill>
-                <a:latin typeface="+mn-ea"/>
-              </a:rPr>
-              <a:t>유효성 검사</a:t>
-            </a:r>
-          </a:p>
-        </p:txBody>
-      </p:sp>
-      <p:sp>
-        <p:nvSpPr>
           <p:cNvPr id="300" name="순서도: 처리 299">
             <a:extLst>
               <a:ext uri="{FF2B5EF4-FFF2-40B4-BE49-F238E27FC236}">
@@ -26624,7 +26123,7 @@
         </p:nvSpPr>
         <p:spPr>
           <a:xfrm>
-            <a:off x="2263506" y="6129320"/>
+            <a:off x="2747736" y="5953938"/>
             <a:ext cx="972000" cy="180000"/>
           </a:xfrm>
           <a:prstGeom prst="flowChartProcess">
@@ -26693,7 +26192,7 @@
         </p:nvSpPr>
         <p:spPr>
           <a:xfrm>
-            <a:off x="3631647" y="6024513"/>
+            <a:off x="4403920" y="5846361"/>
             <a:ext cx="972000" cy="180000"/>
           </a:xfrm>
           <a:prstGeom prst="flowChartProcess">
@@ -26762,7 +26261,7 @@
         </p:nvSpPr>
         <p:spPr>
           <a:xfrm>
-            <a:off x="3631647" y="6270286"/>
+            <a:off x="4403920" y="6108693"/>
             <a:ext cx="972000" cy="180000"/>
           </a:xfrm>
           <a:prstGeom prst="flowChartProcess">
@@ -26837,7 +26336,7 @@
         </p:nvSpPr>
         <p:spPr>
           <a:xfrm>
-            <a:off x="2263506" y="6561368"/>
+            <a:off x="2747736" y="6396270"/>
             <a:ext cx="972000" cy="180000"/>
           </a:xfrm>
           <a:prstGeom prst="flowChartProcess">
@@ -26906,7 +26405,7 @@
         </p:nvSpPr>
         <p:spPr>
           <a:xfrm>
-            <a:off x="695400" y="3807819"/>
+            <a:off x="722787" y="3286030"/>
             <a:ext cx="972000" cy="288032"/>
           </a:xfrm>
           <a:prstGeom prst="ellipse">
@@ -26953,1348 +26452,12 @@
           </a:p>
         </p:txBody>
       </p:sp>
-      <p:cxnSp>
-        <p:nvCxnSpPr>
-          <p:cNvPr id="307" name="연결선: 꺾임 306">
+      <p:sp>
+        <p:nvSpPr>
+          <p:cNvPr id="100" name="순서도: 처리 99">
             <a:extLst>
               <a:ext uri="{FF2B5EF4-FFF2-40B4-BE49-F238E27FC236}">
-                <a16:creationId xmlns:a16="http://schemas.microsoft.com/office/drawing/2014/main" id="{489B9DF7-A8C6-4574-9C84-A431908BAAD0}"/>
-              </a:ext>
-            </a:extLst>
-          </p:cNvPr>
-          <p:cNvCxnSpPr>
-            <a:stCxn id="252" idx="1"/>
-            <a:endCxn id="297" idx="1"/>
-          </p:cNvCxnSpPr>
-          <p:nvPr/>
-        </p:nvCxnSpPr>
-        <p:spPr>
-          <a:xfrm rot="10800000" flipV="1">
-            <a:off x="2263506" y="2006872"/>
-            <a:ext cx="12700" cy="3177094"/>
-          </a:xfrm>
-          <a:prstGeom prst="bentConnector3">
-            <a:avLst>
-              <a:gd name="adj1" fmla="val 1800000"/>
-            </a:avLst>
-          </a:prstGeom>
-          <a:ln>
-            <a:headEnd type="triangle"/>
-            <a:tailEnd type="triangle"/>
-          </a:ln>
-        </p:spPr>
-        <p:style>
-          <a:lnRef idx="1">
-            <a:schemeClr val="dk1"/>
-          </a:lnRef>
-          <a:fillRef idx="0">
-            <a:schemeClr val="dk1"/>
-          </a:fillRef>
-          <a:effectRef idx="0">
-            <a:schemeClr val="dk1"/>
-          </a:effectRef>
-          <a:fontRef idx="minor">
-            <a:schemeClr val="tx1"/>
-          </a:fontRef>
-        </p:style>
-      </p:cxnSp>
-      <p:cxnSp>
-        <p:nvCxnSpPr>
-          <p:cNvPr id="310" name="연결선: 꺾임 309">
-            <a:extLst>
-              <a:ext uri="{FF2B5EF4-FFF2-40B4-BE49-F238E27FC236}">
-                <a16:creationId xmlns:a16="http://schemas.microsoft.com/office/drawing/2014/main" id="{10A9B43B-FAC9-4606-BA80-9C7063714F77}"/>
-              </a:ext>
-            </a:extLst>
-          </p:cNvPr>
-          <p:cNvCxnSpPr>
-            <a:cxnSpLocks/>
-            <a:stCxn id="297" idx="1"/>
-            <a:endCxn id="300" idx="1"/>
-          </p:cNvCxnSpPr>
-          <p:nvPr/>
-        </p:nvCxnSpPr>
-        <p:spPr>
-          <a:xfrm rot="10800000" flipV="1">
-            <a:off x="2263506" y="5183966"/>
-            <a:ext cx="12700" cy="1035354"/>
-          </a:xfrm>
-          <a:prstGeom prst="bentConnector3">
-            <a:avLst>
-              <a:gd name="adj1" fmla="val 1812378"/>
-            </a:avLst>
-          </a:prstGeom>
-          <a:ln>
-            <a:tailEnd type="triangle"/>
-          </a:ln>
-        </p:spPr>
-        <p:style>
-          <a:lnRef idx="1">
-            <a:schemeClr val="dk1"/>
-          </a:lnRef>
-          <a:fillRef idx="0">
-            <a:schemeClr val="dk1"/>
-          </a:fillRef>
-          <a:effectRef idx="0">
-            <a:schemeClr val="dk1"/>
-          </a:effectRef>
-          <a:fontRef idx="minor">
-            <a:schemeClr val="tx1"/>
-          </a:fontRef>
-        </p:style>
-      </p:cxnSp>
-      <p:cxnSp>
-        <p:nvCxnSpPr>
-          <p:cNvPr id="313" name="연결선: 꺾임 312">
-            <a:extLst>
-              <a:ext uri="{FF2B5EF4-FFF2-40B4-BE49-F238E27FC236}">
-                <a16:creationId xmlns:a16="http://schemas.microsoft.com/office/drawing/2014/main" id="{C7975307-D650-478D-B38A-F4D2934193AB}"/>
-              </a:ext>
-            </a:extLst>
-          </p:cNvPr>
-          <p:cNvCxnSpPr>
-            <a:cxnSpLocks/>
-            <a:stCxn id="300" idx="1"/>
-            <a:endCxn id="304" idx="1"/>
-          </p:cNvCxnSpPr>
-          <p:nvPr/>
-        </p:nvCxnSpPr>
-        <p:spPr>
-          <a:xfrm rot="10800000" flipV="1">
-            <a:off x="2263506" y="6219320"/>
-            <a:ext cx="12700" cy="432048"/>
-          </a:xfrm>
-          <a:prstGeom prst="bentConnector3">
-            <a:avLst>
-              <a:gd name="adj1" fmla="val 1818748"/>
-            </a:avLst>
-          </a:prstGeom>
-          <a:ln>
-            <a:tailEnd type="triangle"/>
-          </a:ln>
-        </p:spPr>
-        <p:style>
-          <a:lnRef idx="1">
-            <a:schemeClr val="dk1"/>
-          </a:lnRef>
-          <a:fillRef idx="0">
-            <a:schemeClr val="dk1"/>
-          </a:fillRef>
-          <a:effectRef idx="0">
-            <a:schemeClr val="dk1"/>
-          </a:effectRef>
-          <a:fontRef idx="minor">
-            <a:schemeClr val="tx1"/>
-          </a:fontRef>
-        </p:style>
-      </p:cxnSp>
-      <p:cxnSp>
-        <p:nvCxnSpPr>
-          <p:cNvPr id="330" name="연결선: 꺾임 329">
-            <a:extLst>
-              <a:ext uri="{FF2B5EF4-FFF2-40B4-BE49-F238E27FC236}">
-                <a16:creationId xmlns:a16="http://schemas.microsoft.com/office/drawing/2014/main" id="{AA49759F-FDFF-42F1-BBA9-62EC9A5E0471}"/>
-              </a:ext>
-            </a:extLst>
-          </p:cNvPr>
-          <p:cNvCxnSpPr>
-            <a:cxnSpLocks/>
-            <a:stCxn id="256" idx="1"/>
-            <a:endCxn id="257" idx="1"/>
-          </p:cNvCxnSpPr>
-          <p:nvPr/>
-        </p:nvCxnSpPr>
-        <p:spPr>
-          <a:xfrm rot="10800000" flipV="1">
-            <a:off x="4821734" y="2267074"/>
-            <a:ext cx="12700" cy="245776"/>
-          </a:xfrm>
-          <a:prstGeom prst="bentConnector3">
-            <a:avLst>
-              <a:gd name="adj1" fmla="val 1025000"/>
-            </a:avLst>
-          </a:prstGeom>
-          <a:ln>
-            <a:headEnd type="triangle"/>
-            <a:tailEnd type="triangle"/>
-          </a:ln>
-        </p:spPr>
-        <p:style>
-          <a:lnRef idx="1">
-            <a:schemeClr val="dk1"/>
-          </a:lnRef>
-          <a:fillRef idx="0">
-            <a:schemeClr val="dk1"/>
-          </a:fillRef>
-          <a:effectRef idx="0">
-            <a:schemeClr val="dk1"/>
-          </a:effectRef>
-          <a:fontRef idx="minor">
-            <a:schemeClr val="tx1"/>
-          </a:fontRef>
-        </p:style>
-      </p:cxnSp>
-      <p:cxnSp>
-        <p:nvCxnSpPr>
-          <p:cNvPr id="331" name="연결선: 꺾임 330">
-            <a:extLst>
-              <a:ext uri="{FF2B5EF4-FFF2-40B4-BE49-F238E27FC236}">
-                <a16:creationId xmlns:a16="http://schemas.microsoft.com/office/drawing/2014/main" id="{F56DC0DC-0361-4CF3-9710-C7EC001CF256}"/>
-              </a:ext>
-            </a:extLst>
-          </p:cNvPr>
-          <p:cNvCxnSpPr>
-            <a:cxnSpLocks/>
-            <a:stCxn id="256" idx="1"/>
-            <a:endCxn id="258" idx="1"/>
-          </p:cNvCxnSpPr>
-          <p:nvPr/>
-        </p:nvCxnSpPr>
-        <p:spPr>
-          <a:xfrm rot="10800000" flipV="1">
-            <a:off x="4821734" y="2267074"/>
-            <a:ext cx="12700" cy="491552"/>
-          </a:xfrm>
-          <a:prstGeom prst="bentConnector3">
-            <a:avLst>
-              <a:gd name="adj1" fmla="val 1025000"/>
-            </a:avLst>
-          </a:prstGeom>
-          <a:ln>
-            <a:tailEnd type="triangle"/>
-          </a:ln>
-        </p:spPr>
-        <p:style>
-          <a:lnRef idx="1">
-            <a:schemeClr val="dk1"/>
-          </a:lnRef>
-          <a:fillRef idx="0">
-            <a:schemeClr val="dk1"/>
-          </a:fillRef>
-          <a:effectRef idx="0">
-            <a:schemeClr val="dk1"/>
-          </a:effectRef>
-          <a:fontRef idx="minor">
-            <a:schemeClr val="tx1"/>
-          </a:fontRef>
-        </p:style>
-      </p:cxnSp>
-      <p:cxnSp>
-        <p:nvCxnSpPr>
-          <p:cNvPr id="343" name="직선 연결선 342">
-            <a:extLst>
-              <a:ext uri="{FF2B5EF4-FFF2-40B4-BE49-F238E27FC236}">
-                <a16:creationId xmlns:a16="http://schemas.microsoft.com/office/drawing/2014/main" id="{804495FC-8029-494D-9547-A9D2C3E39756}"/>
-              </a:ext>
-            </a:extLst>
-          </p:cNvPr>
-          <p:cNvCxnSpPr>
-            <a:stCxn id="255" idx="3"/>
-            <a:endCxn id="257" idx="1"/>
-          </p:cNvCxnSpPr>
-          <p:nvPr/>
-        </p:nvCxnSpPr>
-        <p:spPr>
-          <a:xfrm>
-            <a:off x="4641606" y="2512850"/>
-            <a:ext cx="180128" cy="0"/>
-          </a:xfrm>
-          <a:prstGeom prst="line">
-            <a:avLst/>
-          </a:prstGeom>
-        </p:spPr>
-        <p:style>
-          <a:lnRef idx="1">
-            <a:schemeClr val="dk1"/>
-          </a:lnRef>
-          <a:fillRef idx="0">
-            <a:schemeClr val="dk1"/>
-          </a:fillRef>
-          <a:effectRef idx="0">
-            <a:schemeClr val="dk1"/>
-          </a:effectRef>
-          <a:fontRef idx="minor">
-            <a:schemeClr val="tx1"/>
-          </a:fontRef>
-        </p:style>
-      </p:cxnSp>
-      <p:cxnSp>
-        <p:nvCxnSpPr>
-          <p:cNvPr id="345" name="직선 화살표 연결선 344">
-            <a:extLst>
-              <a:ext uri="{FF2B5EF4-FFF2-40B4-BE49-F238E27FC236}">
-                <a16:creationId xmlns:a16="http://schemas.microsoft.com/office/drawing/2014/main" id="{BB35825D-661B-489C-8392-E95095D2B657}"/>
-              </a:ext>
-            </a:extLst>
-          </p:cNvPr>
-          <p:cNvCxnSpPr>
-            <a:stCxn id="256" idx="3"/>
-            <a:endCxn id="281" idx="1"/>
-          </p:cNvCxnSpPr>
-          <p:nvPr/>
-        </p:nvCxnSpPr>
-        <p:spPr>
-          <a:xfrm>
-            <a:off x="5793734" y="2267074"/>
-            <a:ext cx="178292" cy="1730"/>
-          </a:xfrm>
-          <a:prstGeom prst="straightConnector1">
-            <a:avLst/>
-          </a:prstGeom>
-          <a:ln>
-            <a:tailEnd type="triangle"/>
-          </a:ln>
-        </p:spPr>
-        <p:style>
-          <a:lnRef idx="1">
-            <a:schemeClr val="dk1"/>
-          </a:lnRef>
-          <a:fillRef idx="0">
-            <a:schemeClr val="dk1"/>
-          </a:fillRef>
-          <a:effectRef idx="0">
-            <a:schemeClr val="dk1"/>
-          </a:effectRef>
-          <a:fontRef idx="minor">
-            <a:schemeClr val="tx1"/>
-          </a:fontRef>
-        </p:style>
-      </p:cxnSp>
-      <p:cxnSp>
-        <p:nvCxnSpPr>
-          <p:cNvPr id="473" name="연결선: 꺾임 472">
-            <a:extLst>
-              <a:ext uri="{FF2B5EF4-FFF2-40B4-BE49-F238E27FC236}">
-                <a16:creationId xmlns:a16="http://schemas.microsoft.com/office/drawing/2014/main" id="{2E48105E-9919-4F34-9CC9-8116BBBCF028}"/>
-              </a:ext>
-            </a:extLst>
-          </p:cNvPr>
-          <p:cNvCxnSpPr>
-            <a:cxnSpLocks/>
-            <a:stCxn id="267" idx="1"/>
-            <a:endCxn id="268" idx="1"/>
-          </p:cNvCxnSpPr>
-          <p:nvPr/>
-        </p:nvCxnSpPr>
-        <p:spPr>
-          <a:xfrm rot="10800000" flipV="1">
-            <a:off x="4819898" y="1479243"/>
-            <a:ext cx="12700" cy="245776"/>
-          </a:xfrm>
-          <a:prstGeom prst="bentConnector3">
-            <a:avLst>
-              <a:gd name="adj1" fmla="val 1100000"/>
-            </a:avLst>
-          </a:prstGeom>
-          <a:ln>
-            <a:tailEnd type="triangle"/>
-          </a:ln>
-        </p:spPr>
-        <p:style>
-          <a:lnRef idx="1">
-            <a:schemeClr val="dk1"/>
-          </a:lnRef>
-          <a:fillRef idx="0">
-            <a:schemeClr val="dk1"/>
-          </a:fillRef>
-          <a:effectRef idx="0">
-            <a:schemeClr val="dk1"/>
-          </a:effectRef>
-          <a:fontRef idx="minor">
-            <a:schemeClr val="tx1"/>
-          </a:fontRef>
-        </p:style>
-      </p:cxnSp>
-      <p:cxnSp>
-        <p:nvCxnSpPr>
-          <p:cNvPr id="484" name="연결선: 꺾임 483">
-            <a:extLst>
-              <a:ext uri="{FF2B5EF4-FFF2-40B4-BE49-F238E27FC236}">
-                <a16:creationId xmlns:a16="http://schemas.microsoft.com/office/drawing/2014/main" id="{5918F807-B7C7-4020-BFD8-02D9955BEAA8}"/>
-              </a:ext>
-            </a:extLst>
-          </p:cNvPr>
-          <p:cNvCxnSpPr>
-            <a:cxnSpLocks/>
-            <a:endCxn id="267" idx="1"/>
-          </p:cNvCxnSpPr>
-          <p:nvPr/>
-        </p:nvCxnSpPr>
-        <p:spPr>
-          <a:xfrm rot="10800000" flipV="1">
-            <a:off x="4819898" y="1233467"/>
-            <a:ext cx="12700" cy="245776"/>
-          </a:xfrm>
-          <a:prstGeom prst="bentConnector3">
-            <a:avLst>
-              <a:gd name="adj1" fmla="val 1098748"/>
-            </a:avLst>
-          </a:prstGeom>
-          <a:ln>
-            <a:headEnd type="triangle"/>
-            <a:tailEnd type="triangle"/>
-          </a:ln>
-        </p:spPr>
-        <p:style>
-          <a:lnRef idx="1">
-            <a:schemeClr val="dk1"/>
-          </a:lnRef>
-          <a:fillRef idx="0">
-            <a:schemeClr val="dk1"/>
-          </a:fillRef>
-          <a:effectRef idx="0">
-            <a:schemeClr val="dk1"/>
-          </a:effectRef>
-          <a:fontRef idx="minor">
-            <a:schemeClr val="tx1"/>
-          </a:fontRef>
-        </p:style>
-      </p:cxnSp>
-      <p:cxnSp>
-        <p:nvCxnSpPr>
-          <p:cNvPr id="490" name="직선 연결선 489">
-            <a:extLst>
-              <a:ext uri="{FF2B5EF4-FFF2-40B4-BE49-F238E27FC236}">
-                <a16:creationId xmlns:a16="http://schemas.microsoft.com/office/drawing/2014/main" id="{78A80ABF-7756-497C-BA32-DA36C441122D}"/>
-              </a:ext>
-            </a:extLst>
-          </p:cNvPr>
-          <p:cNvCxnSpPr>
-            <a:cxnSpLocks/>
-            <a:stCxn id="263" idx="3"/>
-          </p:cNvCxnSpPr>
-          <p:nvPr/>
-        </p:nvCxnSpPr>
-        <p:spPr>
-          <a:xfrm flipV="1">
-            <a:off x="4603658" y="1479156"/>
-            <a:ext cx="108120" cy="87"/>
-          </a:xfrm>
-          <a:prstGeom prst="line">
-            <a:avLst/>
-          </a:prstGeom>
-        </p:spPr>
-        <p:style>
-          <a:lnRef idx="1">
-            <a:schemeClr val="dk1"/>
-          </a:lnRef>
-          <a:fillRef idx="0">
-            <a:schemeClr val="dk1"/>
-          </a:fillRef>
-          <a:effectRef idx="0">
-            <a:schemeClr val="dk1"/>
-          </a:effectRef>
-          <a:fontRef idx="minor">
-            <a:schemeClr val="tx1"/>
-          </a:fontRef>
-        </p:style>
-      </p:cxnSp>
-      <p:cxnSp>
-        <p:nvCxnSpPr>
-          <p:cNvPr id="492" name="직선 화살표 연결선 491">
-            <a:extLst>
-              <a:ext uri="{FF2B5EF4-FFF2-40B4-BE49-F238E27FC236}">
-                <a16:creationId xmlns:a16="http://schemas.microsoft.com/office/drawing/2014/main" id="{D61398D5-C11C-460C-980E-7D467F2E8938}"/>
-              </a:ext>
-            </a:extLst>
-          </p:cNvPr>
-          <p:cNvCxnSpPr>
-            <a:cxnSpLocks/>
-            <a:stCxn id="269" idx="3"/>
-            <a:endCxn id="292" idx="1"/>
-          </p:cNvCxnSpPr>
-          <p:nvPr/>
-        </p:nvCxnSpPr>
-        <p:spPr>
-          <a:xfrm>
-            <a:off x="4603657" y="2006872"/>
-            <a:ext cx="216241" cy="0"/>
-          </a:xfrm>
-          <a:prstGeom prst="straightConnector1">
-            <a:avLst/>
-          </a:prstGeom>
-          <a:ln>
-            <a:tailEnd type="triangle"/>
-          </a:ln>
-        </p:spPr>
-        <p:style>
-          <a:lnRef idx="1">
-            <a:schemeClr val="dk1"/>
-          </a:lnRef>
-          <a:fillRef idx="0">
-            <a:schemeClr val="dk1"/>
-          </a:fillRef>
-          <a:effectRef idx="0">
-            <a:schemeClr val="dk1"/>
-          </a:effectRef>
-          <a:fontRef idx="minor">
-            <a:schemeClr val="tx1"/>
-          </a:fontRef>
-        </p:style>
-      </p:cxnSp>
-      <p:cxnSp>
-        <p:nvCxnSpPr>
-          <p:cNvPr id="495" name="직선 화살표 연결선 494">
-            <a:extLst>
-              <a:ext uri="{FF2B5EF4-FFF2-40B4-BE49-F238E27FC236}">
-                <a16:creationId xmlns:a16="http://schemas.microsoft.com/office/drawing/2014/main" id="{D50A72C9-153E-422E-81ED-3A536A9F40DC}"/>
-              </a:ext>
-            </a:extLst>
-          </p:cNvPr>
-          <p:cNvCxnSpPr>
-            <a:cxnSpLocks/>
-            <a:stCxn id="268" idx="3"/>
-            <a:endCxn id="290" idx="1"/>
-          </p:cNvCxnSpPr>
-          <p:nvPr/>
-        </p:nvCxnSpPr>
-        <p:spPr>
-          <a:xfrm>
-            <a:off x="5791898" y="1725019"/>
-            <a:ext cx="216241" cy="858"/>
-          </a:xfrm>
-          <a:prstGeom prst="straightConnector1">
-            <a:avLst/>
-          </a:prstGeom>
-          <a:ln>
-            <a:tailEnd type="triangle"/>
-          </a:ln>
-        </p:spPr>
-        <p:style>
-          <a:lnRef idx="1">
-            <a:schemeClr val="dk1"/>
-          </a:lnRef>
-          <a:fillRef idx="0">
-            <a:schemeClr val="dk1"/>
-          </a:fillRef>
-          <a:effectRef idx="0">
-            <a:schemeClr val="dk1"/>
-          </a:effectRef>
-          <a:fontRef idx="minor">
-            <a:schemeClr val="tx1"/>
-          </a:fontRef>
-        </p:style>
-      </p:cxnSp>
-      <p:cxnSp>
-        <p:nvCxnSpPr>
-          <p:cNvPr id="498" name="직선 화살표 연결선 497">
-            <a:extLst>
-              <a:ext uri="{FF2B5EF4-FFF2-40B4-BE49-F238E27FC236}">
-                <a16:creationId xmlns:a16="http://schemas.microsoft.com/office/drawing/2014/main" id="{F72C9206-E124-4A37-8183-BF47A8E971FF}"/>
-              </a:ext>
-            </a:extLst>
-          </p:cNvPr>
-          <p:cNvCxnSpPr>
-            <a:cxnSpLocks/>
-            <a:stCxn id="290" idx="3"/>
-            <a:endCxn id="291" idx="1"/>
-          </p:cNvCxnSpPr>
-          <p:nvPr/>
-        </p:nvCxnSpPr>
-        <p:spPr>
-          <a:xfrm flipV="1">
-            <a:off x="6980139" y="1725019"/>
-            <a:ext cx="216241" cy="858"/>
-          </a:xfrm>
-          <a:prstGeom prst="straightConnector1">
-            <a:avLst/>
-          </a:prstGeom>
-          <a:ln>
-            <a:tailEnd type="triangle"/>
-          </a:ln>
-        </p:spPr>
-        <p:style>
-          <a:lnRef idx="1">
-            <a:schemeClr val="dk1"/>
-          </a:lnRef>
-          <a:fillRef idx="0">
-            <a:schemeClr val="dk1"/>
-          </a:fillRef>
-          <a:effectRef idx="0">
-            <a:schemeClr val="dk1"/>
-          </a:effectRef>
-          <a:fontRef idx="minor">
-            <a:schemeClr val="tx1"/>
-          </a:fontRef>
-        </p:style>
-      </p:cxnSp>
-      <p:cxnSp>
-        <p:nvCxnSpPr>
-          <p:cNvPr id="501" name="직선 화살표 연결선 500">
-            <a:extLst>
-              <a:ext uri="{FF2B5EF4-FFF2-40B4-BE49-F238E27FC236}">
-                <a16:creationId xmlns:a16="http://schemas.microsoft.com/office/drawing/2014/main" id="{37D868DE-683B-44FD-AC12-CB393A2AE259}"/>
-              </a:ext>
-            </a:extLst>
-          </p:cNvPr>
-          <p:cNvCxnSpPr>
-            <a:cxnSpLocks/>
-            <a:stCxn id="292" idx="3"/>
-            <a:endCxn id="293" idx="1"/>
-          </p:cNvCxnSpPr>
-          <p:nvPr/>
-        </p:nvCxnSpPr>
-        <p:spPr>
-          <a:xfrm>
-            <a:off x="5791898" y="2006872"/>
-            <a:ext cx="216241" cy="0"/>
-          </a:xfrm>
-          <a:prstGeom prst="straightConnector1">
-            <a:avLst/>
-          </a:prstGeom>
-          <a:ln>
-            <a:tailEnd type="triangle"/>
-          </a:ln>
-        </p:spPr>
-        <p:style>
-          <a:lnRef idx="1">
-            <a:schemeClr val="dk1"/>
-          </a:lnRef>
-          <a:fillRef idx="0">
-            <a:schemeClr val="dk1"/>
-          </a:fillRef>
-          <a:effectRef idx="0">
-            <a:schemeClr val="dk1"/>
-          </a:effectRef>
-          <a:fontRef idx="minor">
-            <a:schemeClr val="tx1"/>
-          </a:fontRef>
-        </p:style>
-      </p:cxnSp>
-      <p:cxnSp>
-        <p:nvCxnSpPr>
-          <p:cNvPr id="504" name="직선 화살표 연결선 503">
-            <a:extLst>
-              <a:ext uri="{FF2B5EF4-FFF2-40B4-BE49-F238E27FC236}">
-                <a16:creationId xmlns:a16="http://schemas.microsoft.com/office/drawing/2014/main" id="{2C37112D-09AD-4221-B4BC-27966D1B35B7}"/>
-              </a:ext>
-            </a:extLst>
-          </p:cNvPr>
-          <p:cNvCxnSpPr>
-            <a:cxnSpLocks/>
-            <a:stCxn id="263" idx="2"/>
-            <a:endCxn id="269" idx="0"/>
-          </p:cNvCxnSpPr>
-          <p:nvPr/>
-        </p:nvCxnSpPr>
-        <p:spPr>
-          <a:xfrm flipH="1">
-            <a:off x="4117657" y="1569243"/>
-            <a:ext cx="1" cy="347629"/>
-          </a:xfrm>
-          <a:prstGeom prst="straightConnector1">
-            <a:avLst/>
-          </a:prstGeom>
-          <a:ln>
-            <a:tailEnd type="triangle"/>
-          </a:ln>
-        </p:spPr>
-        <p:style>
-          <a:lnRef idx="1">
-            <a:schemeClr val="dk1"/>
-          </a:lnRef>
-          <a:fillRef idx="0">
-            <a:schemeClr val="dk1"/>
-          </a:fillRef>
-          <a:effectRef idx="0">
-            <a:schemeClr val="dk1"/>
-          </a:effectRef>
-          <a:fontRef idx="minor">
-            <a:schemeClr val="tx1"/>
-          </a:fontRef>
-        </p:style>
-      </p:cxnSp>
-      <p:cxnSp>
-        <p:nvCxnSpPr>
-          <p:cNvPr id="511" name="연결선: 꺾임 510">
-            <a:extLst>
-              <a:ext uri="{FF2B5EF4-FFF2-40B4-BE49-F238E27FC236}">
-                <a16:creationId xmlns:a16="http://schemas.microsoft.com/office/drawing/2014/main" id="{83422A2E-DD2E-48F1-8CF5-6B9AFEDD41DF}"/>
-              </a:ext>
-            </a:extLst>
-          </p:cNvPr>
-          <p:cNvCxnSpPr>
-            <a:cxnSpLocks/>
-            <a:stCxn id="294" idx="1"/>
-            <a:endCxn id="295" idx="1"/>
-          </p:cNvCxnSpPr>
-          <p:nvPr/>
-        </p:nvCxnSpPr>
-        <p:spPr>
-          <a:xfrm rot="10800000" flipV="1">
-            <a:off x="3631647" y="4221144"/>
-            <a:ext cx="12700" cy="962821"/>
-          </a:xfrm>
-          <a:prstGeom prst="bentConnector3">
-            <a:avLst>
-              <a:gd name="adj1" fmla="val 1800000"/>
-            </a:avLst>
-          </a:prstGeom>
-          <a:ln>
-            <a:headEnd type="triangle"/>
-            <a:tailEnd type="triangle"/>
-          </a:ln>
-        </p:spPr>
-        <p:style>
-          <a:lnRef idx="1">
-            <a:schemeClr val="dk1"/>
-          </a:lnRef>
-          <a:fillRef idx="0">
-            <a:schemeClr val="dk1"/>
-          </a:fillRef>
-          <a:effectRef idx="0">
-            <a:schemeClr val="dk1"/>
-          </a:effectRef>
-          <a:fontRef idx="minor">
-            <a:schemeClr val="tx1"/>
-          </a:fontRef>
-        </p:style>
-      </p:cxnSp>
-      <p:cxnSp>
-        <p:nvCxnSpPr>
-          <p:cNvPr id="516" name="연결선: 꺾임 515">
-            <a:extLst>
-              <a:ext uri="{FF2B5EF4-FFF2-40B4-BE49-F238E27FC236}">
-                <a16:creationId xmlns:a16="http://schemas.microsoft.com/office/drawing/2014/main" id="{B0AFCD92-29FF-4FBA-A074-3E8B374A89C6}"/>
-              </a:ext>
-            </a:extLst>
-          </p:cNvPr>
-          <p:cNvCxnSpPr>
-            <a:cxnSpLocks/>
-            <a:stCxn id="295" idx="1"/>
-            <a:endCxn id="296" idx="1"/>
-          </p:cNvCxnSpPr>
-          <p:nvPr/>
-        </p:nvCxnSpPr>
-        <p:spPr>
-          <a:xfrm rot="10800000" flipV="1">
-            <a:off x="3631647" y="5183966"/>
-            <a:ext cx="12700" cy="589192"/>
-          </a:xfrm>
-          <a:prstGeom prst="bentConnector3">
-            <a:avLst>
-              <a:gd name="adj1" fmla="val 1800000"/>
-            </a:avLst>
-          </a:prstGeom>
-          <a:ln>
-            <a:tailEnd type="triangle"/>
-          </a:ln>
-        </p:spPr>
-        <p:style>
-          <a:lnRef idx="1">
-            <a:schemeClr val="dk1"/>
-          </a:lnRef>
-          <a:fillRef idx="0">
-            <a:schemeClr val="dk1"/>
-          </a:fillRef>
-          <a:effectRef idx="0">
-            <a:schemeClr val="dk1"/>
-          </a:effectRef>
-          <a:fontRef idx="minor">
-            <a:schemeClr val="tx1"/>
-          </a:fontRef>
-        </p:style>
-      </p:cxnSp>
-      <p:cxnSp>
-        <p:nvCxnSpPr>
-          <p:cNvPr id="524" name="연결선: 꺾임 523">
-            <a:extLst>
-              <a:ext uri="{FF2B5EF4-FFF2-40B4-BE49-F238E27FC236}">
-                <a16:creationId xmlns:a16="http://schemas.microsoft.com/office/drawing/2014/main" id="{782F20EE-EE68-4F00-9AFA-344FD3BBE229}"/>
-              </a:ext>
-            </a:extLst>
-          </p:cNvPr>
-          <p:cNvCxnSpPr>
-            <a:cxnSpLocks/>
-            <a:stCxn id="302" idx="1"/>
-            <a:endCxn id="303" idx="1"/>
-          </p:cNvCxnSpPr>
-          <p:nvPr/>
-        </p:nvCxnSpPr>
-        <p:spPr>
-          <a:xfrm rot="10800000" flipV="1">
-            <a:off x="3631647" y="6114512"/>
-            <a:ext cx="12700" cy="245773"/>
-          </a:xfrm>
-          <a:prstGeom prst="bentConnector3">
-            <a:avLst>
-              <a:gd name="adj1" fmla="val 1800000"/>
-            </a:avLst>
-          </a:prstGeom>
-          <a:ln>
-            <a:headEnd type="triangle"/>
-            <a:tailEnd type="triangle"/>
-          </a:ln>
-        </p:spPr>
-        <p:style>
-          <a:lnRef idx="1">
-            <a:schemeClr val="dk1"/>
-          </a:lnRef>
-          <a:fillRef idx="0">
-            <a:schemeClr val="dk1"/>
-          </a:fillRef>
-          <a:effectRef idx="0">
-            <a:schemeClr val="dk1"/>
-          </a:effectRef>
-          <a:fontRef idx="minor">
-            <a:schemeClr val="tx1"/>
-          </a:fontRef>
-        </p:style>
-      </p:cxnSp>
-      <p:cxnSp>
-        <p:nvCxnSpPr>
-          <p:cNvPr id="528" name="직선 연결선 527">
-            <a:extLst>
-              <a:ext uri="{FF2B5EF4-FFF2-40B4-BE49-F238E27FC236}">
-                <a16:creationId xmlns:a16="http://schemas.microsoft.com/office/drawing/2014/main" id="{78BE1193-81DC-418A-9CDA-AEAB789ACB5E}"/>
-              </a:ext>
-            </a:extLst>
-          </p:cNvPr>
-          <p:cNvCxnSpPr>
-            <a:cxnSpLocks/>
-            <a:stCxn id="300" idx="3"/>
-          </p:cNvCxnSpPr>
-          <p:nvPr/>
-        </p:nvCxnSpPr>
-        <p:spPr>
-          <a:xfrm>
-            <a:off x="3235506" y="6219320"/>
-            <a:ext cx="180128" cy="0"/>
-          </a:xfrm>
-          <a:prstGeom prst="line">
-            <a:avLst/>
-          </a:prstGeom>
-        </p:spPr>
-        <p:style>
-          <a:lnRef idx="1">
-            <a:schemeClr val="dk1"/>
-          </a:lnRef>
-          <a:fillRef idx="0">
-            <a:schemeClr val="dk1"/>
-          </a:fillRef>
-          <a:effectRef idx="0">
-            <a:schemeClr val="dk1"/>
-          </a:effectRef>
-          <a:fontRef idx="minor">
-            <a:schemeClr val="tx1"/>
-          </a:fontRef>
-        </p:style>
-      </p:cxnSp>
-      <p:cxnSp>
-        <p:nvCxnSpPr>
-          <p:cNvPr id="531" name="직선 연결선 530">
-            <a:extLst>
-              <a:ext uri="{FF2B5EF4-FFF2-40B4-BE49-F238E27FC236}">
-                <a16:creationId xmlns:a16="http://schemas.microsoft.com/office/drawing/2014/main" id="{A679343A-E853-4527-8634-573FB22EBDB3}"/>
-              </a:ext>
-            </a:extLst>
-          </p:cNvPr>
-          <p:cNvCxnSpPr>
-            <a:stCxn id="297" idx="3"/>
-          </p:cNvCxnSpPr>
-          <p:nvPr/>
-        </p:nvCxnSpPr>
-        <p:spPr>
-          <a:xfrm flipV="1">
-            <a:off x="3235506" y="5183965"/>
-            <a:ext cx="180128" cy="1"/>
-          </a:xfrm>
-          <a:prstGeom prst="line">
-            <a:avLst/>
-          </a:prstGeom>
-        </p:spPr>
-        <p:style>
-          <a:lnRef idx="1">
-            <a:schemeClr val="dk1"/>
-          </a:lnRef>
-          <a:fillRef idx="0">
-            <a:schemeClr val="dk1"/>
-          </a:fillRef>
-          <a:effectRef idx="0">
-            <a:schemeClr val="dk1"/>
-          </a:effectRef>
-          <a:fontRef idx="minor">
-            <a:schemeClr val="tx1"/>
-          </a:fontRef>
-        </p:style>
-      </p:cxnSp>
-      <p:cxnSp>
-        <p:nvCxnSpPr>
-          <p:cNvPr id="533" name="연결선: 꺾임 532">
-            <a:extLst>
-              <a:ext uri="{FF2B5EF4-FFF2-40B4-BE49-F238E27FC236}">
-                <a16:creationId xmlns:a16="http://schemas.microsoft.com/office/drawing/2014/main" id="{CBD1ECB7-E725-4784-A3E0-4C9E0F422326}"/>
-              </a:ext>
-            </a:extLst>
-          </p:cNvPr>
-          <p:cNvCxnSpPr>
-            <a:stCxn id="271" idx="1"/>
-            <a:endCxn id="272" idx="1"/>
-          </p:cNvCxnSpPr>
-          <p:nvPr/>
-        </p:nvCxnSpPr>
-        <p:spPr>
-          <a:xfrm rot="10800000" flipV="1">
-            <a:off x="5035922" y="3861835"/>
-            <a:ext cx="12700" cy="245776"/>
-          </a:xfrm>
-          <a:prstGeom prst="bentConnector3">
-            <a:avLst>
-              <a:gd name="adj1" fmla="val 1800000"/>
-            </a:avLst>
-          </a:prstGeom>
-          <a:ln>
-            <a:headEnd type="triangle"/>
-            <a:tailEnd type="triangle"/>
-          </a:ln>
-        </p:spPr>
-        <p:style>
-          <a:lnRef idx="1">
-            <a:schemeClr val="dk1"/>
-          </a:lnRef>
-          <a:fillRef idx="0">
-            <a:schemeClr val="dk1"/>
-          </a:fillRef>
-          <a:effectRef idx="0">
-            <a:schemeClr val="dk1"/>
-          </a:effectRef>
-          <a:fontRef idx="minor">
-            <a:schemeClr val="tx1"/>
-          </a:fontRef>
-        </p:style>
-      </p:cxnSp>
-      <p:cxnSp>
-        <p:nvCxnSpPr>
-          <p:cNvPr id="535" name="연결선: 꺾임 534">
-            <a:extLst>
-              <a:ext uri="{FF2B5EF4-FFF2-40B4-BE49-F238E27FC236}">
-                <a16:creationId xmlns:a16="http://schemas.microsoft.com/office/drawing/2014/main" id="{3BF4A5C6-628C-44B6-9D55-7B8B723AD0B3}"/>
-              </a:ext>
-            </a:extLst>
-          </p:cNvPr>
-          <p:cNvCxnSpPr>
-            <a:stCxn id="272" idx="1"/>
-            <a:endCxn id="273" idx="1"/>
-          </p:cNvCxnSpPr>
-          <p:nvPr/>
-        </p:nvCxnSpPr>
-        <p:spPr>
-          <a:xfrm rot="10800000" flipV="1">
-            <a:off x="5035922" y="4107611"/>
-            <a:ext cx="12700" cy="245776"/>
-          </a:xfrm>
-          <a:prstGeom prst="bentConnector3">
-            <a:avLst>
-              <a:gd name="adj1" fmla="val 1800000"/>
-            </a:avLst>
-          </a:prstGeom>
-          <a:ln>
-            <a:tailEnd type="triangle"/>
-          </a:ln>
-        </p:spPr>
-        <p:style>
-          <a:lnRef idx="1">
-            <a:schemeClr val="dk1"/>
-          </a:lnRef>
-          <a:fillRef idx="0">
-            <a:schemeClr val="dk1"/>
-          </a:fillRef>
-          <a:effectRef idx="0">
-            <a:schemeClr val="dk1"/>
-          </a:effectRef>
-          <a:fontRef idx="minor">
-            <a:schemeClr val="tx1"/>
-          </a:fontRef>
-        </p:style>
-      </p:cxnSp>
-      <p:cxnSp>
-        <p:nvCxnSpPr>
-          <p:cNvPr id="537" name="연결선: 꺾임 536">
-            <a:extLst>
-              <a:ext uri="{FF2B5EF4-FFF2-40B4-BE49-F238E27FC236}">
-                <a16:creationId xmlns:a16="http://schemas.microsoft.com/office/drawing/2014/main" id="{517A5D7C-E001-4689-9765-0E4A24457BEA}"/>
-              </a:ext>
-            </a:extLst>
-          </p:cNvPr>
-          <p:cNvCxnSpPr>
-            <a:stCxn id="273" idx="1"/>
-            <a:endCxn id="274" idx="1"/>
-          </p:cNvCxnSpPr>
-          <p:nvPr/>
-        </p:nvCxnSpPr>
-        <p:spPr>
-          <a:xfrm rot="10800000" flipV="1">
-            <a:off x="5035922" y="4353386"/>
-            <a:ext cx="12700" cy="245773"/>
-          </a:xfrm>
-          <a:prstGeom prst="bentConnector3">
-            <a:avLst>
-              <a:gd name="adj1" fmla="val 1800000"/>
-            </a:avLst>
-          </a:prstGeom>
-          <a:ln>
-            <a:tailEnd type="triangle"/>
-          </a:ln>
-        </p:spPr>
-        <p:style>
-          <a:lnRef idx="1">
-            <a:schemeClr val="dk1"/>
-          </a:lnRef>
-          <a:fillRef idx="0">
-            <a:schemeClr val="dk1"/>
-          </a:fillRef>
-          <a:effectRef idx="0">
-            <a:schemeClr val="dk1"/>
-          </a:effectRef>
-          <a:fontRef idx="minor">
-            <a:schemeClr val="tx1"/>
-          </a:fontRef>
-        </p:style>
-      </p:cxnSp>
-      <p:cxnSp>
-        <p:nvCxnSpPr>
-          <p:cNvPr id="539" name="직선 연결선 538">
-            <a:extLst>
-              <a:ext uri="{FF2B5EF4-FFF2-40B4-BE49-F238E27FC236}">
-                <a16:creationId xmlns:a16="http://schemas.microsoft.com/office/drawing/2014/main" id="{BD831FCD-7664-424D-A1C0-5CA0FEF6260A}"/>
-              </a:ext>
-            </a:extLst>
-          </p:cNvPr>
-          <p:cNvCxnSpPr>
-            <a:cxnSpLocks/>
-            <a:stCxn id="294" idx="3"/>
-          </p:cNvCxnSpPr>
-          <p:nvPr/>
-        </p:nvCxnSpPr>
-        <p:spPr>
-          <a:xfrm>
-            <a:off x="4603647" y="4221145"/>
-            <a:ext cx="216250" cy="0"/>
-          </a:xfrm>
-          <a:prstGeom prst="line">
-            <a:avLst/>
-          </a:prstGeom>
-        </p:spPr>
-        <p:style>
-          <a:lnRef idx="1">
-            <a:schemeClr val="dk1"/>
-          </a:lnRef>
-          <a:fillRef idx="0">
-            <a:schemeClr val="dk1"/>
-          </a:fillRef>
-          <a:effectRef idx="0">
-            <a:schemeClr val="dk1"/>
-          </a:effectRef>
-          <a:fontRef idx="minor">
-            <a:schemeClr val="tx1"/>
-          </a:fontRef>
-        </p:style>
-      </p:cxnSp>
-      <p:cxnSp>
-        <p:nvCxnSpPr>
-          <p:cNvPr id="542" name="연결선: 꺾임 541">
-            <a:extLst>
-              <a:ext uri="{FF2B5EF4-FFF2-40B4-BE49-F238E27FC236}">
-                <a16:creationId xmlns:a16="http://schemas.microsoft.com/office/drawing/2014/main" id="{1D6CB52F-5393-4156-B8D7-DC7D3AA2841E}"/>
-              </a:ext>
-            </a:extLst>
-          </p:cNvPr>
-          <p:cNvCxnSpPr>
-            <a:stCxn id="275" idx="1"/>
-            <a:endCxn id="276" idx="1"/>
-          </p:cNvCxnSpPr>
-          <p:nvPr/>
-        </p:nvCxnSpPr>
-        <p:spPr>
-          <a:xfrm rot="10800000" flipV="1">
-            <a:off x="5035922" y="4938192"/>
-            <a:ext cx="12700" cy="245773"/>
-          </a:xfrm>
-          <a:prstGeom prst="bentConnector3">
-            <a:avLst>
-              <a:gd name="adj1" fmla="val 1800000"/>
-            </a:avLst>
-          </a:prstGeom>
-          <a:ln>
-            <a:headEnd type="triangle"/>
-            <a:tailEnd type="triangle"/>
-          </a:ln>
-        </p:spPr>
-        <p:style>
-          <a:lnRef idx="1">
-            <a:schemeClr val="dk1"/>
-          </a:lnRef>
-          <a:fillRef idx="0">
-            <a:schemeClr val="dk1"/>
-          </a:fillRef>
-          <a:effectRef idx="0">
-            <a:schemeClr val="dk1"/>
-          </a:effectRef>
-          <a:fontRef idx="minor">
-            <a:schemeClr val="tx1"/>
-          </a:fontRef>
-        </p:style>
-      </p:cxnSp>
-      <p:cxnSp>
-        <p:nvCxnSpPr>
-          <p:cNvPr id="544" name="연결선: 꺾임 543">
-            <a:extLst>
-              <a:ext uri="{FF2B5EF4-FFF2-40B4-BE49-F238E27FC236}">
-                <a16:creationId xmlns:a16="http://schemas.microsoft.com/office/drawing/2014/main" id="{4AF62AFA-4150-4F94-9DC7-37E4FC11C102}"/>
-              </a:ext>
-            </a:extLst>
-          </p:cNvPr>
-          <p:cNvCxnSpPr>
-            <a:stCxn id="276" idx="1"/>
-            <a:endCxn id="277" idx="1"/>
-          </p:cNvCxnSpPr>
-          <p:nvPr/>
-        </p:nvCxnSpPr>
-        <p:spPr>
-          <a:xfrm rot="10800000" flipV="1">
-            <a:off x="5035922" y="5183965"/>
-            <a:ext cx="12700" cy="240385"/>
-          </a:xfrm>
-          <a:prstGeom prst="bentConnector3">
-            <a:avLst>
-              <a:gd name="adj1" fmla="val 1800000"/>
-            </a:avLst>
-          </a:prstGeom>
-          <a:ln>
-            <a:tailEnd type="triangle"/>
-          </a:ln>
-        </p:spPr>
-        <p:style>
-          <a:lnRef idx="1">
-            <a:schemeClr val="dk1"/>
-          </a:lnRef>
-          <a:fillRef idx="0">
-            <a:schemeClr val="dk1"/>
-          </a:fillRef>
-          <a:effectRef idx="0">
-            <a:schemeClr val="dk1"/>
-          </a:effectRef>
-          <a:fontRef idx="minor">
-            <a:schemeClr val="tx1"/>
-          </a:fontRef>
-        </p:style>
-      </p:cxnSp>
-      <p:cxnSp>
-        <p:nvCxnSpPr>
-          <p:cNvPr id="546" name="직선 연결선 545">
-            <a:extLst>
-              <a:ext uri="{FF2B5EF4-FFF2-40B4-BE49-F238E27FC236}">
-                <a16:creationId xmlns:a16="http://schemas.microsoft.com/office/drawing/2014/main" id="{F5622348-3BC2-485B-845B-E328CFF21A69}"/>
-              </a:ext>
-            </a:extLst>
-          </p:cNvPr>
-          <p:cNvCxnSpPr>
-            <a:stCxn id="295" idx="3"/>
-          </p:cNvCxnSpPr>
-          <p:nvPr/>
-        </p:nvCxnSpPr>
-        <p:spPr>
-          <a:xfrm flipV="1">
-            <a:off x="4603647" y="5183965"/>
-            <a:ext cx="222600" cy="1"/>
-          </a:xfrm>
-          <a:prstGeom prst="line">
-            <a:avLst/>
-          </a:prstGeom>
-        </p:spPr>
-        <p:style>
-          <a:lnRef idx="1">
-            <a:schemeClr val="dk1"/>
-          </a:lnRef>
-          <a:fillRef idx="0">
-            <a:schemeClr val="dk1"/>
-          </a:fillRef>
-          <a:effectRef idx="0">
-            <a:schemeClr val="dk1"/>
-          </a:effectRef>
-          <a:fontRef idx="minor">
-            <a:schemeClr val="tx1"/>
-          </a:fontRef>
-        </p:style>
-      </p:cxnSp>
-      <p:cxnSp>
-        <p:nvCxnSpPr>
-          <p:cNvPr id="547" name="직선 화살표 연결선 546">
-            <a:extLst>
-              <a:ext uri="{FF2B5EF4-FFF2-40B4-BE49-F238E27FC236}">
-                <a16:creationId xmlns:a16="http://schemas.microsoft.com/office/drawing/2014/main" id="{D80585E1-3561-40C7-AB11-24AD192ED7D6}"/>
-              </a:ext>
-            </a:extLst>
-          </p:cNvPr>
-          <p:cNvCxnSpPr>
-            <a:cxnSpLocks/>
-            <a:stCxn id="275" idx="3"/>
-            <a:endCxn id="298" idx="1"/>
-          </p:cNvCxnSpPr>
-          <p:nvPr/>
-        </p:nvCxnSpPr>
-        <p:spPr>
-          <a:xfrm>
-            <a:off x="6007922" y="4938193"/>
-            <a:ext cx="396152" cy="0"/>
-          </a:xfrm>
-          <a:prstGeom prst="straightConnector1">
-            <a:avLst/>
-          </a:prstGeom>
-          <a:ln>
-            <a:tailEnd type="triangle"/>
-          </a:ln>
-        </p:spPr>
-        <p:style>
-          <a:lnRef idx="1">
-            <a:schemeClr val="dk1"/>
-          </a:lnRef>
-          <a:fillRef idx="0">
-            <a:schemeClr val="dk1"/>
-          </a:fillRef>
-          <a:effectRef idx="0">
-            <a:schemeClr val="dk1"/>
-          </a:effectRef>
-          <a:fontRef idx="minor">
-            <a:schemeClr val="tx1"/>
-          </a:fontRef>
-        </p:style>
-      </p:cxnSp>
-      <p:cxnSp>
-        <p:nvCxnSpPr>
-          <p:cNvPr id="550" name="직선 화살표 연결선 549">
-            <a:extLst>
-              <a:ext uri="{FF2B5EF4-FFF2-40B4-BE49-F238E27FC236}">
-                <a16:creationId xmlns:a16="http://schemas.microsoft.com/office/drawing/2014/main" id="{888F1A35-ECE0-45FB-9270-68DB13058C7B}"/>
-              </a:ext>
-            </a:extLst>
-          </p:cNvPr>
-          <p:cNvCxnSpPr>
-            <a:cxnSpLocks/>
-            <a:stCxn id="295" idx="2"/>
-            <a:endCxn id="296" idx="0"/>
-          </p:cNvCxnSpPr>
-          <p:nvPr/>
-        </p:nvCxnSpPr>
-        <p:spPr>
-          <a:xfrm>
-            <a:off x="4117647" y="5273966"/>
-            <a:ext cx="0" cy="409192"/>
-          </a:xfrm>
-          <a:prstGeom prst="straightConnector1">
-            <a:avLst/>
-          </a:prstGeom>
-          <a:ln>
-            <a:tailEnd type="triangle"/>
-          </a:ln>
-        </p:spPr>
-        <p:style>
-          <a:lnRef idx="1">
-            <a:schemeClr val="dk1"/>
-          </a:lnRef>
-          <a:fillRef idx="0">
-            <a:schemeClr val="dk1"/>
-          </a:fillRef>
-          <a:effectRef idx="0">
-            <a:schemeClr val="dk1"/>
-          </a:effectRef>
-          <a:fontRef idx="minor">
-            <a:schemeClr val="tx1"/>
-          </a:fontRef>
-        </p:style>
-      </p:cxnSp>
-      <p:cxnSp>
-        <p:nvCxnSpPr>
-          <p:cNvPr id="553" name="직선 화살표 연결선 552">
-            <a:extLst>
-              <a:ext uri="{FF2B5EF4-FFF2-40B4-BE49-F238E27FC236}">
-                <a16:creationId xmlns:a16="http://schemas.microsoft.com/office/drawing/2014/main" id="{040D6D7C-65F7-482F-9154-6C04AEA01F29}"/>
-              </a:ext>
-            </a:extLst>
-          </p:cNvPr>
-          <p:cNvCxnSpPr>
-            <a:cxnSpLocks/>
-            <a:stCxn id="296" idx="3"/>
-            <a:endCxn id="278" idx="1"/>
-          </p:cNvCxnSpPr>
-          <p:nvPr/>
-        </p:nvCxnSpPr>
-        <p:spPr>
-          <a:xfrm>
-            <a:off x="4603647" y="5773158"/>
-            <a:ext cx="432275" cy="0"/>
-          </a:xfrm>
-          <a:prstGeom prst="straightConnector1">
-            <a:avLst/>
-          </a:prstGeom>
-          <a:ln>
-            <a:tailEnd type="triangle"/>
-          </a:ln>
-        </p:spPr>
-        <p:style>
-          <a:lnRef idx="1">
-            <a:schemeClr val="dk1"/>
-          </a:lnRef>
-          <a:fillRef idx="0">
-            <a:schemeClr val="dk1"/>
-          </a:fillRef>
-          <a:effectRef idx="0">
-            <a:schemeClr val="dk1"/>
-          </a:effectRef>
-          <a:fontRef idx="minor">
-            <a:schemeClr val="tx1"/>
-          </a:fontRef>
-        </p:style>
-      </p:cxnSp>
-      <p:cxnSp>
-        <p:nvCxnSpPr>
-          <p:cNvPr id="556" name="직선 화살표 연결선 555">
-            <a:extLst>
-              <a:ext uri="{FF2B5EF4-FFF2-40B4-BE49-F238E27FC236}">
-                <a16:creationId xmlns:a16="http://schemas.microsoft.com/office/drawing/2014/main" id="{087D7FFF-CB1A-429F-AE5F-D0595DFAD008}"/>
-              </a:ext>
-            </a:extLst>
-          </p:cNvPr>
-          <p:cNvCxnSpPr>
-            <a:cxnSpLocks/>
-            <a:stCxn id="278" idx="3"/>
-            <a:endCxn id="299" idx="1"/>
-          </p:cNvCxnSpPr>
-          <p:nvPr/>
-        </p:nvCxnSpPr>
-        <p:spPr>
-          <a:xfrm>
-            <a:off x="6007922" y="5773158"/>
-            <a:ext cx="396152" cy="1959"/>
-          </a:xfrm>
-          <a:prstGeom prst="straightConnector1">
-            <a:avLst/>
-          </a:prstGeom>
-          <a:ln>
-            <a:tailEnd type="triangle"/>
-          </a:ln>
-        </p:spPr>
-        <p:style>
-          <a:lnRef idx="1">
-            <a:schemeClr val="dk1"/>
-          </a:lnRef>
-          <a:fillRef idx="0">
-            <a:schemeClr val="dk1"/>
-          </a:fillRef>
-          <a:effectRef idx="0">
-            <a:schemeClr val="dk1"/>
-          </a:effectRef>
-          <a:fontRef idx="minor">
-            <a:schemeClr val="tx1"/>
-          </a:fontRef>
-        </p:style>
-      </p:cxnSp>
-      <p:sp>
-        <p:nvSpPr>
-          <p:cNvPr id="99" name="순서도: 처리 98">
-            <a:extLst>
-              <a:ext uri="{FF2B5EF4-FFF2-40B4-BE49-F238E27FC236}">
-                <a16:creationId xmlns:a16="http://schemas.microsoft.com/office/drawing/2014/main" id="{297BCE1B-6F77-43E7-8EB3-0177525BF033}"/>
+                <a16:creationId xmlns:a16="http://schemas.microsoft.com/office/drawing/2014/main" id="{8D7BF19A-538C-49DB-8397-B0642D73A07B}"/>
               </a:ext>
             </a:extLst>
           </p:cNvPr>
@@ -28303,7 +26466,7 @@
         </p:nvSpPr>
         <p:spPr>
           <a:xfrm>
-            <a:off x="2263506" y="3024912"/>
+            <a:off x="4403920" y="1868142"/>
             <a:ext cx="972000" cy="180000"/>
           </a:xfrm>
           <a:prstGeom prst="flowChartProcess">
@@ -28353,232 +26516,7 @@
                 </a:solidFill>
                 <a:latin typeface="+mn-ea"/>
               </a:rPr>
-              <a:t>운동하기</a:t>
-            </a:r>
-            <a:r>
-              <a:rPr lang="en-US" altLang="ko-KR" sz="700" dirty="0">
-                <a:solidFill>
-                  <a:schemeClr val="tx1"/>
-                </a:solidFill>
-                <a:latin typeface="+mn-ea"/>
-              </a:rPr>
-              <a:t>/</a:t>
-            </a:r>
-            <a:r>
-              <a:rPr lang="ko-KR" altLang="en-US" sz="700" dirty="0">
-                <a:solidFill>
-                  <a:schemeClr val="tx1"/>
-                </a:solidFill>
-                <a:latin typeface="+mn-ea"/>
-              </a:rPr>
-              <a:t>게시판</a:t>
-            </a:r>
-          </a:p>
-        </p:txBody>
-      </p:sp>
-      <p:sp>
-        <p:nvSpPr>
-          <p:cNvPr id="100" name="순서도: 처리 99">
-            <a:extLst>
-              <a:ext uri="{FF2B5EF4-FFF2-40B4-BE49-F238E27FC236}">
-                <a16:creationId xmlns:a16="http://schemas.microsoft.com/office/drawing/2014/main" id="{8D7BF19A-538C-49DB-8397-B0642D73A07B}"/>
-              </a:ext>
-            </a:extLst>
-          </p:cNvPr>
-          <p:cNvSpPr/>
-          <p:nvPr/>
-        </p:nvSpPr>
-        <p:spPr>
-          <a:xfrm>
-            <a:off x="3415634" y="2915722"/>
-            <a:ext cx="972000" cy="180000"/>
-          </a:xfrm>
-          <a:prstGeom prst="flowChartProcess">
-            <a:avLst/>
-          </a:prstGeom>
-          <a:solidFill>
-            <a:schemeClr val="bg1"/>
-          </a:solidFill>
-          <a:ln>
-            <a:solidFill>
-              <a:schemeClr val="tx1">
-                <a:lumMod val="95000"/>
-                <a:lumOff val="5000"/>
-              </a:schemeClr>
-            </a:solidFill>
-          </a:ln>
-        </p:spPr>
-        <p:style>
-          <a:lnRef idx="2">
-            <a:schemeClr val="accent1">
-              <a:shade val="50000"/>
-            </a:schemeClr>
-          </a:lnRef>
-          <a:fillRef idx="1">
-            <a:schemeClr val="accent1"/>
-          </a:fillRef>
-          <a:effectRef idx="0">
-            <a:schemeClr val="accent1"/>
-          </a:effectRef>
-          <a:fontRef idx="minor">
-            <a:schemeClr val="lt1"/>
-          </a:fontRef>
-        </p:style>
-        <p:txBody>
-          <a:bodyPr rtlCol="0" anchor="ctr"/>
-          <a:lstStyle/>
-          <a:p>
-            <a:pPr algn="ctr">
-              <a:lnSpc>
-                <a:spcPct val="90000"/>
-              </a:lnSpc>
-            </a:pPr>
-            <a:r>
-              <a:rPr lang="ko-KR" altLang="en-US" sz="700" dirty="0">
-                <a:solidFill>
-                  <a:schemeClr val="tx1"/>
-                </a:solidFill>
-                <a:latin typeface="+mn-ea"/>
-              </a:rPr>
-              <a:t>회원사진</a:t>
-            </a:r>
-          </a:p>
-        </p:txBody>
-      </p:sp>
-      <p:sp>
-        <p:nvSpPr>
-          <p:cNvPr id="101" name="순서도: 처리 100">
-            <a:extLst>
-              <a:ext uri="{FF2B5EF4-FFF2-40B4-BE49-F238E27FC236}">
-                <a16:creationId xmlns:a16="http://schemas.microsoft.com/office/drawing/2014/main" id="{C973CC9A-F932-4BE7-A30B-76C83398D087}"/>
-              </a:ext>
-            </a:extLst>
-          </p:cNvPr>
-          <p:cNvSpPr/>
-          <p:nvPr/>
-        </p:nvSpPr>
-        <p:spPr>
-          <a:xfrm>
-            <a:off x="3415634" y="3158086"/>
-            <a:ext cx="972000" cy="180000"/>
-          </a:xfrm>
-          <a:prstGeom prst="flowChartProcess">
-            <a:avLst/>
-          </a:prstGeom>
-          <a:solidFill>
-            <a:schemeClr val="bg1"/>
-          </a:solidFill>
-          <a:ln>
-            <a:solidFill>
-              <a:schemeClr val="tx1">
-                <a:lumMod val="95000"/>
-                <a:lumOff val="5000"/>
-              </a:schemeClr>
-            </a:solidFill>
-          </a:ln>
-        </p:spPr>
-        <p:style>
-          <a:lnRef idx="2">
-            <a:schemeClr val="accent1">
-              <a:shade val="50000"/>
-            </a:schemeClr>
-          </a:lnRef>
-          <a:fillRef idx="1">
-            <a:schemeClr val="accent1"/>
-          </a:fillRef>
-          <a:effectRef idx="0">
-            <a:schemeClr val="accent1"/>
-          </a:effectRef>
-          <a:fontRef idx="minor">
-            <a:schemeClr val="lt1"/>
-          </a:fontRef>
-        </p:style>
-        <p:txBody>
-          <a:bodyPr rtlCol="0" anchor="ctr"/>
-          <a:lstStyle/>
-          <a:p>
-            <a:pPr algn="ctr">
-              <a:lnSpc>
-                <a:spcPct val="90000"/>
-              </a:lnSpc>
-            </a:pPr>
-            <a:r>
-              <a:rPr lang="ko-KR" altLang="en-US" sz="700" dirty="0">
-                <a:solidFill>
-                  <a:schemeClr val="tx1"/>
-                </a:solidFill>
-                <a:latin typeface="+mn-ea"/>
-              </a:rPr>
-              <a:t>지역 검색</a:t>
-            </a:r>
-          </a:p>
-        </p:txBody>
-      </p:sp>
-      <p:sp>
-        <p:nvSpPr>
-          <p:cNvPr id="102" name="순서도: 처리 101">
-            <a:extLst>
-              <a:ext uri="{FF2B5EF4-FFF2-40B4-BE49-F238E27FC236}">
-                <a16:creationId xmlns:a16="http://schemas.microsoft.com/office/drawing/2014/main" id="{0F7E2EB8-6DD5-424D-B42A-B9E5175C20E3}"/>
-              </a:ext>
-            </a:extLst>
-          </p:cNvPr>
-          <p:cNvSpPr/>
-          <p:nvPr/>
-        </p:nvSpPr>
-        <p:spPr>
-          <a:xfrm>
-            <a:off x="4624392" y="3158086"/>
-            <a:ext cx="972000" cy="180000"/>
-          </a:xfrm>
-          <a:prstGeom prst="flowChartProcess">
-            <a:avLst/>
-          </a:prstGeom>
-          <a:solidFill>
-            <a:schemeClr val="bg1"/>
-          </a:solidFill>
-          <a:ln>
-            <a:solidFill>
-              <a:schemeClr val="tx1">
-                <a:lumMod val="95000"/>
-                <a:lumOff val="5000"/>
-              </a:schemeClr>
-            </a:solidFill>
-          </a:ln>
-        </p:spPr>
-        <p:style>
-          <a:lnRef idx="2">
-            <a:schemeClr val="accent1">
-              <a:shade val="50000"/>
-            </a:schemeClr>
-          </a:lnRef>
-          <a:fillRef idx="1">
-            <a:schemeClr val="accent1"/>
-          </a:fillRef>
-          <a:effectRef idx="0">
-            <a:schemeClr val="accent1"/>
-          </a:effectRef>
-          <a:fontRef idx="minor">
-            <a:schemeClr val="lt1"/>
-          </a:fontRef>
-        </p:style>
-        <p:txBody>
-          <a:bodyPr rtlCol="0" anchor="ctr"/>
-          <a:lstStyle/>
-          <a:p>
-            <a:pPr algn="ctr">
-              <a:lnSpc>
-                <a:spcPct val="90000"/>
-              </a:lnSpc>
-            </a:pPr>
-            <a:r>
-              <a:rPr lang="ko-KR" altLang="en-US" sz="700" dirty="0">
-                <a:solidFill>
-                  <a:schemeClr val="tx1"/>
-                </a:solidFill>
-                <a:latin typeface="+mn-ea"/>
-              </a:rPr>
-              <a:t>관심 분야</a:t>
+              <a:t>회원사진 게시판</a:t>
             </a:r>
           </a:p>
         </p:txBody>
@@ -28597,7 +26535,7 @@
         </p:nvSpPr>
         <p:spPr>
           <a:xfrm>
-            <a:off x="5833149" y="3157762"/>
+            <a:off x="4403920" y="3165164"/>
             <a:ext cx="972000" cy="180000"/>
           </a:xfrm>
           <a:prstGeom prst="flowChartProcess">
@@ -28666,7 +26604,7 @@
         </p:nvSpPr>
         <p:spPr>
           <a:xfrm>
-            <a:off x="7003592" y="3157762"/>
+            <a:off x="6201666" y="3167053"/>
             <a:ext cx="972000" cy="180000"/>
           </a:xfrm>
           <a:prstGeom prst="flowChartProcess">
@@ -28735,7 +26673,7 @@
         </p:nvSpPr>
         <p:spPr>
           <a:xfrm>
-            <a:off x="8328248" y="3282740"/>
+            <a:off x="7932312" y="3481887"/>
             <a:ext cx="972000" cy="180000"/>
           </a:xfrm>
           <a:prstGeom prst="flowChartProcess">
@@ -28804,7 +26742,7 @@
         </p:nvSpPr>
         <p:spPr>
           <a:xfrm>
-            <a:off x="8328248" y="3043606"/>
+            <a:off x="7932312" y="3165164"/>
             <a:ext cx="972000" cy="180000"/>
           </a:xfrm>
           <a:prstGeom prst="flowChartProcess">
@@ -28861,10 +26799,10 @@
       </p:sp>
       <p:sp>
         <p:nvSpPr>
-          <p:cNvPr id="107" name="순서도: 처리 106">
+          <p:cNvPr id="109" name="순서도: 처리 108">
             <a:extLst>
               <a:ext uri="{FF2B5EF4-FFF2-40B4-BE49-F238E27FC236}">
-                <a16:creationId xmlns:a16="http://schemas.microsoft.com/office/drawing/2014/main" id="{DFCC21E5-A04D-4B5B-A344-90CEDA6DC9D5}"/>
+                <a16:creationId xmlns:a16="http://schemas.microsoft.com/office/drawing/2014/main" id="{D78F8912-C7BF-484A-816E-897B28AFC83D}"/>
               </a:ext>
             </a:extLst>
           </p:cNvPr>
@@ -28873,7 +26811,214 @@
         </p:nvSpPr>
         <p:spPr>
           <a:xfrm>
-            <a:off x="9552384" y="2912119"/>
+            <a:off x="9660504" y="2852936"/>
+            <a:ext cx="972000" cy="180000"/>
+          </a:xfrm>
+          <a:prstGeom prst="flowChartProcess">
+            <a:avLst/>
+          </a:prstGeom>
+          <a:solidFill>
+            <a:schemeClr val="bg1"/>
+          </a:solidFill>
+          <a:ln>
+            <a:solidFill>
+              <a:schemeClr val="tx1">
+                <a:lumMod val="95000"/>
+                <a:lumOff val="5000"/>
+              </a:schemeClr>
+            </a:solidFill>
+          </a:ln>
+        </p:spPr>
+        <p:style>
+          <a:lnRef idx="2">
+            <a:schemeClr val="accent1">
+              <a:shade val="50000"/>
+            </a:schemeClr>
+          </a:lnRef>
+          <a:fillRef idx="1">
+            <a:schemeClr val="accent1"/>
+          </a:fillRef>
+          <a:effectRef idx="0">
+            <a:schemeClr val="accent1"/>
+          </a:effectRef>
+          <a:fontRef idx="minor">
+            <a:schemeClr val="lt1"/>
+          </a:fontRef>
+        </p:style>
+        <p:txBody>
+          <a:bodyPr rtlCol="0" anchor="ctr"/>
+          <a:lstStyle/>
+          <a:p>
+            <a:pPr algn="ctr">
+              <a:lnSpc>
+                <a:spcPct val="90000"/>
+              </a:lnSpc>
+            </a:pPr>
+            <a:r>
+              <a:rPr lang="ko-KR" altLang="en-US" sz="700" dirty="0">
+                <a:solidFill>
+                  <a:schemeClr val="tx1"/>
+                </a:solidFill>
+                <a:latin typeface="+mn-ea"/>
+              </a:rPr>
+              <a:t>포인트 충전</a:t>
+            </a:r>
+          </a:p>
+        </p:txBody>
+      </p:sp>
+      <p:sp>
+        <p:nvSpPr>
+          <p:cNvPr id="78" name="순서도: 처리 77">
+            <a:extLst>
+              <a:ext uri="{FF2B5EF4-FFF2-40B4-BE49-F238E27FC236}">
+                <a16:creationId xmlns:a16="http://schemas.microsoft.com/office/drawing/2014/main" id="{C5AE9A96-2075-4056-A21A-E2AFA5F1DC03}"/>
+              </a:ext>
+            </a:extLst>
+          </p:cNvPr>
+          <p:cNvSpPr/>
+          <p:nvPr/>
+        </p:nvSpPr>
+        <p:spPr>
+          <a:xfrm>
+            <a:off x="7932312" y="4482063"/>
+            <a:ext cx="972000" cy="180000"/>
+          </a:xfrm>
+          <a:prstGeom prst="flowChartProcess">
+            <a:avLst/>
+          </a:prstGeom>
+          <a:solidFill>
+            <a:schemeClr val="bg1"/>
+          </a:solidFill>
+          <a:ln>
+            <a:solidFill>
+              <a:schemeClr val="tx1">
+                <a:lumMod val="95000"/>
+                <a:lumOff val="5000"/>
+              </a:schemeClr>
+            </a:solidFill>
+          </a:ln>
+        </p:spPr>
+        <p:style>
+          <a:lnRef idx="2">
+            <a:schemeClr val="accent1">
+              <a:shade val="50000"/>
+            </a:schemeClr>
+          </a:lnRef>
+          <a:fillRef idx="1">
+            <a:schemeClr val="accent1"/>
+          </a:fillRef>
+          <a:effectRef idx="0">
+            <a:schemeClr val="accent1"/>
+          </a:effectRef>
+          <a:fontRef idx="minor">
+            <a:schemeClr val="lt1"/>
+          </a:fontRef>
+        </p:style>
+        <p:txBody>
+          <a:bodyPr rtlCol="0" anchor="ctr"/>
+          <a:lstStyle/>
+          <a:p>
+            <a:pPr algn="ctr">
+              <a:lnSpc>
+                <a:spcPct val="90000"/>
+              </a:lnSpc>
+            </a:pPr>
+            <a:r>
+              <a:rPr lang="ko-KR" altLang="en-US" sz="700" dirty="0">
+                <a:solidFill>
+                  <a:schemeClr val="tx1"/>
+                </a:solidFill>
+                <a:latin typeface="+mn-ea"/>
+              </a:rPr>
+              <a:t>게시글 작성</a:t>
+            </a:r>
+          </a:p>
+        </p:txBody>
+      </p:sp>
+      <p:sp>
+        <p:nvSpPr>
+          <p:cNvPr id="82" name="순서도: 처리 81">
+            <a:extLst>
+              <a:ext uri="{FF2B5EF4-FFF2-40B4-BE49-F238E27FC236}">
+                <a16:creationId xmlns:a16="http://schemas.microsoft.com/office/drawing/2014/main" id="{1536BEC8-9AA1-4AC0-A743-166F438A1314}"/>
+              </a:ext>
+            </a:extLst>
+          </p:cNvPr>
+          <p:cNvSpPr/>
+          <p:nvPr/>
+        </p:nvSpPr>
+        <p:spPr>
+          <a:xfrm>
+            <a:off x="2747736" y="2948524"/>
+            <a:ext cx="972000" cy="180000"/>
+          </a:xfrm>
+          <a:prstGeom prst="flowChartProcess">
+            <a:avLst/>
+          </a:prstGeom>
+          <a:solidFill>
+            <a:schemeClr val="bg1"/>
+          </a:solidFill>
+          <a:ln>
+            <a:solidFill>
+              <a:schemeClr val="tx1">
+                <a:lumMod val="95000"/>
+                <a:lumOff val="5000"/>
+              </a:schemeClr>
+            </a:solidFill>
+          </a:ln>
+        </p:spPr>
+        <p:style>
+          <a:lnRef idx="2">
+            <a:schemeClr val="accent1">
+              <a:shade val="50000"/>
+            </a:schemeClr>
+          </a:lnRef>
+          <a:fillRef idx="1">
+            <a:schemeClr val="accent1"/>
+          </a:fillRef>
+          <a:effectRef idx="0">
+            <a:schemeClr val="accent1"/>
+          </a:effectRef>
+          <a:fontRef idx="minor">
+            <a:schemeClr val="lt1"/>
+          </a:fontRef>
+        </p:style>
+        <p:txBody>
+          <a:bodyPr rtlCol="0" anchor="ctr"/>
+          <a:lstStyle/>
+          <a:p>
+            <a:pPr algn="ctr">
+              <a:lnSpc>
+                <a:spcPct val="90000"/>
+              </a:lnSpc>
+            </a:pPr>
+            <a:r>
+              <a:rPr lang="ko-KR" altLang="en-US" sz="700" dirty="0">
+                <a:solidFill>
+                  <a:schemeClr val="tx1"/>
+                </a:solidFill>
+                <a:latin typeface="+mn-ea"/>
+              </a:rPr>
+              <a:t>검색</a:t>
+            </a:r>
+          </a:p>
+        </p:txBody>
+      </p:sp>
+      <p:sp>
+        <p:nvSpPr>
+          <p:cNvPr id="86" name="순서도: 처리 85">
+            <a:extLst>
+              <a:ext uri="{FF2B5EF4-FFF2-40B4-BE49-F238E27FC236}">
+                <a16:creationId xmlns:a16="http://schemas.microsoft.com/office/drawing/2014/main" id="{E37142D5-057D-4993-9886-81001A8372C5}"/>
+              </a:ext>
+            </a:extLst>
+          </p:cNvPr>
+          <p:cNvSpPr/>
+          <p:nvPr/>
+        </p:nvSpPr>
+        <p:spPr>
+          <a:xfrm>
+            <a:off x="7932312" y="2852936"/>
             <a:ext cx="972000" cy="180000"/>
           </a:xfrm>
           <a:prstGeom prst="flowChartProcess">
@@ -28928,12 +27073,1350 @@
           </a:p>
         </p:txBody>
       </p:sp>
+      <p:cxnSp>
+        <p:nvCxnSpPr>
+          <p:cNvPr id="62" name="연결선: 꺾임 61">
+            <a:extLst>
+              <a:ext uri="{FF2B5EF4-FFF2-40B4-BE49-F238E27FC236}">
+                <a16:creationId xmlns:a16="http://schemas.microsoft.com/office/drawing/2014/main" id="{044D88AD-6BCB-4A28-810F-6901B7009068}"/>
+              </a:ext>
+            </a:extLst>
+          </p:cNvPr>
+          <p:cNvCxnSpPr>
+            <a:stCxn id="252" idx="1"/>
+            <a:endCxn id="82" idx="1"/>
+          </p:cNvCxnSpPr>
+          <p:nvPr/>
+        </p:nvCxnSpPr>
+        <p:spPr>
+          <a:xfrm rot="10800000" flipV="1">
+            <a:off x="2747736" y="2119122"/>
+            <a:ext cx="12700" cy="919402"/>
+          </a:xfrm>
+          <a:prstGeom prst="bentConnector3">
+            <a:avLst>
+              <a:gd name="adj1" fmla="val 4354016"/>
+            </a:avLst>
+          </a:prstGeom>
+          <a:ln>
+            <a:headEnd type="triangle"/>
+            <a:tailEnd type="triangle"/>
+          </a:ln>
+        </p:spPr>
+        <p:style>
+          <a:lnRef idx="1">
+            <a:schemeClr val="dk1"/>
+          </a:lnRef>
+          <a:fillRef idx="0">
+            <a:schemeClr val="dk1"/>
+          </a:fillRef>
+          <a:effectRef idx="0">
+            <a:schemeClr val="dk1"/>
+          </a:effectRef>
+          <a:fontRef idx="minor">
+            <a:schemeClr val="tx1"/>
+          </a:fontRef>
+        </p:style>
+      </p:cxnSp>
+      <p:cxnSp>
+        <p:nvCxnSpPr>
+          <p:cNvPr id="143" name="연결선: 꺾임 142">
+            <a:extLst>
+              <a:ext uri="{FF2B5EF4-FFF2-40B4-BE49-F238E27FC236}">
+                <a16:creationId xmlns:a16="http://schemas.microsoft.com/office/drawing/2014/main" id="{BA81126D-A376-4C68-9166-D386226DBA3F}"/>
+              </a:ext>
+            </a:extLst>
+          </p:cNvPr>
+          <p:cNvCxnSpPr>
+            <a:cxnSpLocks/>
+            <a:stCxn id="259" idx="1"/>
+            <a:endCxn id="297" idx="1"/>
+          </p:cNvCxnSpPr>
+          <p:nvPr/>
+        </p:nvCxnSpPr>
+        <p:spPr>
+          <a:xfrm rot="10800000" flipV="1">
+            <a:off x="2747736" y="3435163"/>
+            <a:ext cx="12700" cy="1346305"/>
+          </a:xfrm>
+          <a:prstGeom prst="bentConnector3">
+            <a:avLst>
+              <a:gd name="adj1" fmla="val 4350000"/>
+            </a:avLst>
+          </a:prstGeom>
+          <a:ln>
+            <a:headEnd type="none"/>
+            <a:tailEnd type="triangle"/>
+          </a:ln>
+        </p:spPr>
+        <p:style>
+          <a:lnRef idx="1">
+            <a:schemeClr val="dk1"/>
+          </a:lnRef>
+          <a:fillRef idx="0">
+            <a:schemeClr val="dk1"/>
+          </a:fillRef>
+          <a:effectRef idx="0">
+            <a:schemeClr val="dk1"/>
+          </a:effectRef>
+          <a:fontRef idx="minor">
+            <a:schemeClr val="tx1"/>
+          </a:fontRef>
+        </p:style>
+      </p:cxnSp>
+      <p:cxnSp>
+        <p:nvCxnSpPr>
+          <p:cNvPr id="147" name="연결선: 꺾임 146">
+            <a:extLst>
+              <a:ext uri="{FF2B5EF4-FFF2-40B4-BE49-F238E27FC236}">
+                <a16:creationId xmlns:a16="http://schemas.microsoft.com/office/drawing/2014/main" id="{406929F7-6F2D-4ECC-8EAA-8F73C14E016D}"/>
+              </a:ext>
+            </a:extLst>
+          </p:cNvPr>
+          <p:cNvCxnSpPr>
+            <a:cxnSpLocks/>
+            <a:stCxn id="82" idx="1"/>
+            <a:endCxn id="259" idx="1"/>
+          </p:cNvCxnSpPr>
+          <p:nvPr/>
+        </p:nvCxnSpPr>
+        <p:spPr>
+          <a:xfrm rot="10800000" flipV="1">
+            <a:off x="2747736" y="3038524"/>
+            <a:ext cx="12700" cy="396640"/>
+          </a:xfrm>
+          <a:prstGeom prst="bentConnector3">
+            <a:avLst>
+              <a:gd name="adj1" fmla="val 4350000"/>
+            </a:avLst>
+          </a:prstGeom>
+          <a:ln>
+            <a:headEnd type="none"/>
+            <a:tailEnd type="triangle"/>
+          </a:ln>
+        </p:spPr>
+        <p:style>
+          <a:lnRef idx="1">
+            <a:schemeClr val="dk1"/>
+          </a:lnRef>
+          <a:fillRef idx="0">
+            <a:schemeClr val="dk1"/>
+          </a:fillRef>
+          <a:effectRef idx="0">
+            <a:schemeClr val="dk1"/>
+          </a:effectRef>
+          <a:fontRef idx="minor">
+            <a:schemeClr val="tx1"/>
+          </a:fontRef>
+        </p:style>
+      </p:cxnSp>
+      <p:cxnSp>
+        <p:nvCxnSpPr>
+          <p:cNvPr id="151" name="연결선: 꺾임 150">
+            <a:extLst>
+              <a:ext uri="{FF2B5EF4-FFF2-40B4-BE49-F238E27FC236}">
+                <a16:creationId xmlns:a16="http://schemas.microsoft.com/office/drawing/2014/main" id="{67FA035E-8CE9-47B7-949E-362CF5869297}"/>
+              </a:ext>
+            </a:extLst>
+          </p:cNvPr>
+          <p:cNvCxnSpPr>
+            <a:cxnSpLocks/>
+            <a:stCxn id="297" idx="1"/>
+            <a:endCxn id="300" idx="1"/>
+          </p:cNvCxnSpPr>
+          <p:nvPr/>
+        </p:nvCxnSpPr>
+        <p:spPr>
+          <a:xfrm rot="10800000" flipV="1">
+            <a:off x="2747736" y="4781468"/>
+            <a:ext cx="12700" cy="1262469"/>
+          </a:xfrm>
+          <a:prstGeom prst="bentConnector3">
+            <a:avLst>
+              <a:gd name="adj1" fmla="val 4350000"/>
+            </a:avLst>
+          </a:prstGeom>
+          <a:ln>
+            <a:headEnd type="none"/>
+            <a:tailEnd type="triangle"/>
+          </a:ln>
+        </p:spPr>
+        <p:style>
+          <a:lnRef idx="1">
+            <a:schemeClr val="dk1"/>
+          </a:lnRef>
+          <a:fillRef idx="0">
+            <a:schemeClr val="dk1"/>
+          </a:fillRef>
+          <a:effectRef idx="0">
+            <a:schemeClr val="dk1"/>
+          </a:effectRef>
+          <a:fontRef idx="minor">
+            <a:schemeClr val="tx1"/>
+          </a:fontRef>
+        </p:style>
+      </p:cxnSp>
+      <p:cxnSp>
+        <p:nvCxnSpPr>
+          <p:cNvPr id="154" name="연결선: 꺾임 153">
+            <a:extLst>
+              <a:ext uri="{FF2B5EF4-FFF2-40B4-BE49-F238E27FC236}">
+                <a16:creationId xmlns:a16="http://schemas.microsoft.com/office/drawing/2014/main" id="{3F0006A8-6F21-4A8D-BC2E-EE867C586B5F}"/>
+              </a:ext>
+            </a:extLst>
+          </p:cNvPr>
+          <p:cNvCxnSpPr>
+            <a:cxnSpLocks/>
+            <a:stCxn id="300" idx="1"/>
+            <a:endCxn id="304" idx="1"/>
+          </p:cNvCxnSpPr>
+          <p:nvPr/>
+        </p:nvCxnSpPr>
+        <p:spPr>
+          <a:xfrm rot="10800000" flipV="1">
+            <a:off x="2747736" y="6043938"/>
+            <a:ext cx="12700" cy="442332"/>
+          </a:xfrm>
+          <a:prstGeom prst="bentConnector3">
+            <a:avLst>
+              <a:gd name="adj1" fmla="val 4350000"/>
+            </a:avLst>
+          </a:prstGeom>
+          <a:ln>
+            <a:headEnd type="none"/>
+            <a:tailEnd type="triangle"/>
+          </a:ln>
+        </p:spPr>
+        <p:style>
+          <a:lnRef idx="1">
+            <a:schemeClr val="dk1"/>
+          </a:lnRef>
+          <a:fillRef idx="0">
+            <a:schemeClr val="dk1"/>
+          </a:fillRef>
+          <a:effectRef idx="0">
+            <a:schemeClr val="dk1"/>
+          </a:effectRef>
+          <a:fontRef idx="minor">
+            <a:schemeClr val="tx1"/>
+          </a:fontRef>
+        </p:style>
+      </p:cxnSp>
+      <p:cxnSp>
+        <p:nvCxnSpPr>
+          <p:cNvPr id="161" name="연결선: 꺾임 160">
+            <a:extLst>
+              <a:ext uri="{FF2B5EF4-FFF2-40B4-BE49-F238E27FC236}">
+                <a16:creationId xmlns:a16="http://schemas.microsoft.com/office/drawing/2014/main" id="{2BC2E9B9-B429-4284-BC09-BB9866715830}"/>
+              </a:ext>
+            </a:extLst>
+          </p:cNvPr>
+          <p:cNvCxnSpPr>
+            <a:cxnSpLocks/>
+            <a:stCxn id="255" idx="1"/>
+            <a:endCxn id="100" idx="1"/>
+          </p:cNvCxnSpPr>
+          <p:nvPr/>
+        </p:nvCxnSpPr>
+        <p:spPr>
+          <a:xfrm rot="10800000" flipV="1">
+            <a:off x="4403920" y="1424154"/>
+            <a:ext cx="12700" cy="533987"/>
+          </a:xfrm>
+          <a:prstGeom prst="bentConnector3">
+            <a:avLst>
+              <a:gd name="adj1" fmla="val 3128157"/>
+            </a:avLst>
+          </a:prstGeom>
+          <a:ln>
+            <a:headEnd type="triangle"/>
+            <a:tailEnd type="triangle"/>
+          </a:ln>
+        </p:spPr>
+        <p:style>
+          <a:lnRef idx="1">
+            <a:schemeClr val="dk1"/>
+          </a:lnRef>
+          <a:fillRef idx="0">
+            <a:schemeClr val="dk1"/>
+          </a:fillRef>
+          <a:effectRef idx="0">
+            <a:schemeClr val="dk1"/>
+          </a:effectRef>
+          <a:fontRef idx="minor">
+            <a:schemeClr val="tx1"/>
+          </a:fontRef>
+        </p:style>
+      </p:cxnSp>
+      <p:cxnSp>
+        <p:nvCxnSpPr>
+          <p:cNvPr id="164" name="연결선: 꺾임 163">
+            <a:extLst>
+              <a:ext uri="{FF2B5EF4-FFF2-40B4-BE49-F238E27FC236}">
+                <a16:creationId xmlns:a16="http://schemas.microsoft.com/office/drawing/2014/main" id="{99B50AAE-A295-4F6F-B7BC-B2D59C51A073}"/>
+              </a:ext>
+            </a:extLst>
+          </p:cNvPr>
+          <p:cNvCxnSpPr>
+            <a:cxnSpLocks/>
+            <a:stCxn id="100" idx="1"/>
+            <a:endCxn id="269" idx="1"/>
+          </p:cNvCxnSpPr>
+          <p:nvPr/>
+        </p:nvCxnSpPr>
+        <p:spPr>
+          <a:xfrm rot="10800000" flipV="1">
+            <a:off x="4403920" y="1958142"/>
+            <a:ext cx="12700" cy="331150"/>
+          </a:xfrm>
+          <a:prstGeom prst="bentConnector3">
+            <a:avLst>
+              <a:gd name="adj1" fmla="val 3131252"/>
+            </a:avLst>
+          </a:prstGeom>
+          <a:ln>
+            <a:headEnd type="none"/>
+            <a:tailEnd type="triangle"/>
+          </a:ln>
+        </p:spPr>
+        <p:style>
+          <a:lnRef idx="1">
+            <a:schemeClr val="dk1"/>
+          </a:lnRef>
+          <a:fillRef idx="0">
+            <a:schemeClr val="dk1"/>
+          </a:fillRef>
+          <a:effectRef idx="0">
+            <a:schemeClr val="dk1"/>
+          </a:effectRef>
+          <a:fontRef idx="minor">
+            <a:schemeClr val="tx1"/>
+          </a:fontRef>
+        </p:style>
+      </p:cxnSp>
+      <p:cxnSp>
+        <p:nvCxnSpPr>
+          <p:cNvPr id="167" name="연결선: 꺾임 166">
+            <a:extLst>
+              <a:ext uri="{FF2B5EF4-FFF2-40B4-BE49-F238E27FC236}">
+                <a16:creationId xmlns:a16="http://schemas.microsoft.com/office/drawing/2014/main" id="{602E5F02-611D-4545-A7D2-46A49750B164}"/>
+              </a:ext>
+            </a:extLst>
+          </p:cNvPr>
+          <p:cNvCxnSpPr>
+            <a:cxnSpLocks/>
+            <a:stCxn id="269" idx="1"/>
+            <a:endCxn id="263" idx="1"/>
+          </p:cNvCxnSpPr>
+          <p:nvPr/>
+        </p:nvCxnSpPr>
+        <p:spPr>
+          <a:xfrm rot="10800000" flipV="1">
+            <a:off x="4403920" y="2289292"/>
+            <a:ext cx="12700" cy="392936"/>
+          </a:xfrm>
+          <a:prstGeom prst="bentConnector3">
+            <a:avLst>
+              <a:gd name="adj1" fmla="val 3131252"/>
+            </a:avLst>
+          </a:prstGeom>
+          <a:ln>
+            <a:headEnd type="none"/>
+            <a:tailEnd type="triangle"/>
+          </a:ln>
+        </p:spPr>
+        <p:style>
+          <a:lnRef idx="1">
+            <a:schemeClr val="dk1"/>
+          </a:lnRef>
+          <a:fillRef idx="0">
+            <a:schemeClr val="dk1"/>
+          </a:fillRef>
+          <a:effectRef idx="0">
+            <a:schemeClr val="dk1"/>
+          </a:effectRef>
+          <a:fontRef idx="minor">
+            <a:schemeClr val="tx1"/>
+          </a:fontRef>
+        </p:style>
+      </p:cxnSp>
+      <p:cxnSp>
+        <p:nvCxnSpPr>
+          <p:cNvPr id="174" name="연결선: 꺾임 173">
+            <a:extLst>
+              <a:ext uri="{FF2B5EF4-FFF2-40B4-BE49-F238E27FC236}">
+                <a16:creationId xmlns:a16="http://schemas.microsoft.com/office/drawing/2014/main" id="{0E2F7666-91E1-45F6-850D-EB89E704A019}"/>
+              </a:ext>
+            </a:extLst>
+          </p:cNvPr>
+          <p:cNvCxnSpPr>
+            <a:cxnSpLocks/>
+            <a:stCxn id="256" idx="1"/>
+            <a:endCxn id="257" idx="1"/>
+          </p:cNvCxnSpPr>
+          <p:nvPr/>
+        </p:nvCxnSpPr>
+        <p:spPr>
+          <a:xfrm rot="10800000" flipV="1">
+            <a:off x="6200888" y="1175132"/>
+            <a:ext cx="778" cy="251659"/>
+          </a:xfrm>
+          <a:prstGeom prst="bentConnector3">
+            <a:avLst>
+              <a:gd name="adj1" fmla="val 55927763"/>
+            </a:avLst>
+          </a:prstGeom>
+          <a:ln>
+            <a:headEnd type="triangle"/>
+            <a:tailEnd type="triangle"/>
+          </a:ln>
+        </p:spPr>
+        <p:style>
+          <a:lnRef idx="1">
+            <a:schemeClr val="dk1"/>
+          </a:lnRef>
+          <a:fillRef idx="0">
+            <a:schemeClr val="dk1"/>
+          </a:fillRef>
+          <a:effectRef idx="0">
+            <a:schemeClr val="dk1"/>
+          </a:effectRef>
+          <a:fontRef idx="minor">
+            <a:schemeClr val="tx1"/>
+          </a:fontRef>
+        </p:style>
+      </p:cxnSp>
+      <p:cxnSp>
+        <p:nvCxnSpPr>
+          <p:cNvPr id="177" name="연결선: 꺾임 176">
+            <a:extLst>
+              <a:ext uri="{FF2B5EF4-FFF2-40B4-BE49-F238E27FC236}">
+                <a16:creationId xmlns:a16="http://schemas.microsoft.com/office/drawing/2014/main" id="{614C961F-CA03-48BC-AB4A-F63E5B2D4471}"/>
+              </a:ext>
+            </a:extLst>
+          </p:cNvPr>
+          <p:cNvCxnSpPr>
+            <a:cxnSpLocks/>
+            <a:stCxn id="257" idx="1"/>
+            <a:endCxn id="258" idx="1"/>
+          </p:cNvCxnSpPr>
+          <p:nvPr/>
+        </p:nvCxnSpPr>
+        <p:spPr>
+          <a:xfrm rot="10800000" flipV="1">
+            <a:off x="6200888" y="1426792"/>
+            <a:ext cx="12700" cy="256024"/>
+          </a:xfrm>
+          <a:prstGeom prst="bentConnector3">
+            <a:avLst>
+              <a:gd name="adj1" fmla="val 3521252"/>
+            </a:avLst>
+          </a:prstGeom>
+          <a:ln>
+            <a:headEnd type="none"/>
+            <a:tailEnd type="triangle"/>
+          </a:ln>
+        </p:spPr>
+        <p:style>
+          <a:lnRef idx="1">
+            <a:schemeClr val="dk1"/>
+          </a:lnRef>
+          <a:fillRef idx="0">
+            <a:schemeClr val="dk1"/>
+          </a:fillRef>
+          <a:effectRef idx="0">
+            <a:schemeClr val="dk1"/>
+          </a:effectRef>
+          <a:fontRef idx="minor">
+            <a:schemeClr val="tx1"/>
+          </a:fontRef>
+        </p:style>
+      </p:cxnSp>
+      <p:cxnSp>
+        <p:nvCxnSpPr>
+          <p:cNvPr id="183" name="연결선: 꺾임 182">
+            <a:extLst>
+              <a:ext uri="{FF2B5EF4-FFF2-40B4-BE49-F238E27FC236}">
+                <a16:creationId xmlns:a16="http://schemas.microsoft.com/office/drawing/2014/main" id="{E0E6F118-D693-49D0-995A-9E55C3F9D156}"/>
+              </a:ext>
+            </a:extLst>
+          </p:cNvPr>
+          <p:cNvCxnSpPr>
+            <a:cxnSpLocks/>
+            <a:stCxn id="266" idx="1"/>
+            <a:endCxn id="267" idx="1"/>
+          </p:cNvCxnSpPr>
+          <p:nvPr/>
+        </p:nvCxnSpPr>
+        <p:spPr>
+          <a:xfrm rot="10800000" flipV="1">
+            <a:off x="6201666" y="2438121"/>
+            <a:ext cx="12700" cy="245776"/>
+          </a:xfrm>
+          <a:prstGeom prst="bentConnector3">
+            <a:avLst>
+              <a:gd name="adj1" fmla="val 3480000"/>
+            </a:avLst>
+          </a:prstGeom>
+          <a:ln>
+            <a:headEnd type="triangle"/>
+            <a:tailEnd type="triangle"/>
+          </a:ln>
+        </p:spPr>
+        <p:style>
+          <a:lnRef idx="1">
+            <a:schemeClr val="dk1"/>
+          </a:lnRef>
+          <a:fillRef idx="0">
+            <a:schemeClr val="dk1"/>
+          </a:fillRef>
+          <a:effectRef idx="0">
+            <a:schemeClr val="dk1"/>
+          </a:effectRef>
+          <a:fontRef idx="minor">
+            <a:schemeClr val="tx1"/>
+          </a:fontRef>
+        </p:style>
+      </p:cxnSp>
+      <p:cxnSp>
+        <p:nvCxnSpPr>
+          <p:cNvPr id="184" name="연결선: 꺾임 183">
+            <a:extLst>
+              <a:ext uri="{FF2B5EF4-FFF2-40B4-BE49-F238E27FC236}">
+                <a16:creationId xmlns:a16="http://schemas.microsoft.com/office/drawing/2014/main" id="{E4FD0B4E-6F66-4166-9F2E-25F6E061289B}"/>
+              </a:ext>
+            </a:extLst>
+          </p:cNvPr>
+          <p:cNvCxnSpPr>
+            <a:cxnSpLocks/>
+            <a:stCxn id="267" idx="1"/>
+            <a:endCxn id="268" idx="1"/>
+          </p:cNvCxnSpPr>
+          <p:nvPr/>
+        </p:nvCxnSpPr>
+        <p:spPr>
+          <a:xfrm rot="10800000" flipH="1" flipV="1">
+            <a:off x="6201666" y="2683897"/>
+            <a:ext cx="2454" cy="249366"/>
+          </a:xfrm>
+          <a:prstGeom prst="bentConnector3">
+            <a:avLst>
+              <a:gd name="adj1" fmla="val -17498737"/>
+            </a:avLst>
+          </a:prstGeom>
+          <a:ln>
+            <a:headEnd type="none"/>
+            <a:tailEnd type="triangle"/>
+          </a:ln>
+        </p:spPr>
+        <p:style>
+          <a:lnRef idx="1">
+            <a:schemeClr val="dk1"/>
+          </a:lnRef>
+          <a:fillRef idx="0">
+            <a:schemeClr val="dk1"/>
+          </a:fillRef>
+          <a:effectRef idx="0">
+            <a:schemeClr val="dk1"/>
+          </a:effectRef>
+          <a:fontRef idx="minor">
+            <a:schemeClr val="tx1"/>
+          </a:fontRef>
+        </p:style>
+      </p:cxnSp>
+      <p:cxnSp>
+        <p:nvCxnSpPr>
+          <p:cNvPr id="192" name="연결선: 꺾임 191">
+            <a:extLst>
+              <a:ext uri="{FF2B5EF4-FFF2-40B4-BE49-F238E27FC236}">
+                <a16:creationId xmlns:a16="http://schemas.microsoft.com/office/drawing/2014/main" id="{C82E5CE9-78B6-4BF4-8E9A-098D79892BB0}"/>
+              </a:ext>
+            </a:extLst>
+          </p:cNvPr>
+          <p:cNvCxnSpPr>
+            <a:cxnSpLocks/>
+            <a:stCxn id="86" idx="1"/>
+            <a:endCxn id="106" idx="1"/>
+          </p:cNvCxnSpPr>
+          <p:nvPr/>
+        </p:nvCxnSpPr>
+        <p:spPr>
+          <a:xfrm rot="10800000" flipV="1">
+            <a:off x="7932312" y="2942936"/>
+            <a:ext cx="12700" cy="312228"/>
+          </a:xfrm>
+          <a:prstGeom prst="bentConnector3">
+            <a:avLst>
+              <a:gd name="adj1" fmla="val 3200000"/>
+            </a:avLst>
+          </a:prstGeom>
+          <a:ln>
+            <a:headEnd type="triangle"/>
+            <a:tailEnd type="triangle"/>
+          </a:ln>
+        </p:spPr>
+        <p:style>
+          <a:lnRef idx="1">
+            <a:schemeClr val="dk1"/>
+          </a:lnRef>
+          <a:fillRef idx="0">
+            <a:schemeClr val="dk1"/>
+          </a:fillRef>
+          <a:effectRef idx="0">
+            <a:schemeClr val="dk1"/>
+          </a:effectRef>
+          <a:fontRef idx="minor">
+            <a:schemeClr val="tx1"/>
+          </a:fontRef>
+        </p:style>
+      </p:cxnSp>
+      <p:cxnSp>
+        <p:nvCxnSpPr>
+          <p:cNvPr id="193" name="연결선: 꺾임 192">
+            <a:extLst>
+              <a:ext uri="{FF2B5EF4-FFF2-40B4-BE49-F238E27FC236}">
+                <a16:creationId xmlns:a16="http://schemas.microsoft.com/office/drawing/2014/main" id="{ECD5B372-4F92-421F-9C75-7FA2854943F2}"/>
+              </a:ext>
+            </a:extLst>
+          </p:cNvPr>
+          <p:cNvCxnSpPr>
+            <a:cxnSpLocks/>
+            <a:stCxn id="106" idx="1"/>
+            <a:endCxn id="105" idx="1"/>
+          </p:cNvCxnSpPr>
+          <p:nvPr/>
+        </p:nvCxnSpPr>
+        <p:spPr>
+          <a:xfrm rot="10800000" flipV="1">
+            <a:off x="7932312" y="3255163"/>
+            <a:ext cx="12700" cy="316723"/>
+          </a:xfrm>
+          <a:prstGeom prst="bentConnector3">
+            <a:avLst>
+              <a:gd name="adj1" fmla="val 3187504"/>
+            </a:avLst>
+          </a:prstGeom>
+          <a:ln>
+            <a:headEnd type="none"/>
+            <a:tailEnd type="triangle"/>
+          </a:ln>
+        </p:spPr>
+        <p:style>
+          <a:lnRef idx="1">
+            <a:schemeClr val="dk1"/>
+          </a:lnRef>
+          <a:fillRef idx="0">
+            <a:schemeClr val="dk1"/>
+          </a:fillRef>
+          <a:effectRef idx="0">
+            <a:schemeClr val="dk1"/>
+          </a:effectRef>
+          <a:fontRef idx="minor">
+            <a:schemeClr val="tx1"/>
+          </a:fontRef>
+        </p:style>
+      </p:cxnSp>
+      <p:cxnSp>
+        <p:nvCxnSpPr>
+          <p:cNvPr id="203" name="연결선: 꺾임 202">
+            <a:extLst>
+              <a:ext uri="{FF2B5EF4-FFF2-40B4-BE49-F238E27FC236}">
+                <a16:creationId xmlns:a16="http://schemas.microsoft.com/office/drawing/2014/main" id="{F1270872-7F95-4749-AE8C-F33D50069402}"/>
+              </a:ext>
+            </a:extLst>
+          </p:cNvPr>
+          <p:cNvCxnSpPr>
+            <a:cxnSpLocks/>
+            <a:stCxn id="272" idx="1"/>
+            <a:endCxn id="271" idx="1"/>
+          </p:cNvCxnSpPr>
+          <p:nvPr/>
+        </p:nvCxnSpPr>
+        <p:spPr>
+          <a:xfrm rot="10800000">
+            <a:off x="6200888" y="3834738"/>
+            <a:ext cx="12700" cy="245776"/>
+          </a:xfrm>
+          <a:prstGeom prst="bentConnector3">
+            <a:avLst>
+              <a:gd name="adj1" fmla="val 3420000"/>
+            </a:avLst>
+          </a:prstGeom>
+          <a:ln>
+            <a:headEnd type="triangle"/>
+            <a:tailEnd type="triangle"/>
+          </a:ln>
+        </p:spPr>
+        <p:style>
+          <a:lnRef idx="1">
+            <a:schemeClr val="dk1"/>
+          </a:lnRef>
+          <a:fillRef idx="0">
+            <a:schemeClr val="dk1"/>
+          </a:fillRef>
+          <a:effectRef idx="0">
+            <a:schemeClr val="dk1"/>
+          </a:effectRef>
+          <a:fontRef idx="minor">
+            <a:schemeClr val="tx1"/>
+          </a:fontRef>
+        </p:style>
+      </p:cxnSp>
+      <p:cxnSp>
+        <p:nvCxnSpPr>
+          <p:cNvPr id="204" name="연결선: 꺾임 203">
+            <a:extLst>
+              <a:ext uri="{FF2B5EF4-FFF2-40B4-BE49-F238E27FC236}">
+                <a16:creationId xmlns:a16="http://schemas.microsoft.com/office/drawing/2014/main" id="{03CC2C4E-7BF8-40B7-B4D8-5F289D5FF74E}"/>
+              </a:ext>
+            </a:extLst>
+          </p:cNvPr>
+          <p:cNvCxnSpPr>
+            <a:cxnSpLocks/>
+            <a:stCxn id="272" idx="1"/>
+            <a:endCxn id="273" idx="1"/>
+          </p:cNvCxnSpPr>
+          <p:nvPr/>
+        </p:nvCxnSpPr>
+        <p:spPr>
+          <a:xfrm rot="10800000" flipV="1">
+            <a:off x="6200888" y="4080514"/>
+            <a:ext cx="12700" cy="245776"/>
+          </a:xfrm>
+          <a:prstGeom prst="bentConnector3">
+            <a:avLst>
+              <a:gd name="adj1" fmla="val 3420000"/>
+            </a:avLst>
+          </a:prstGeom>
+          <a:ln>
+            <a:headEnd type="none"/>
+            <a:tailEnd type="triangle"/>
+          </a:ln>
+        </p:spPr>
+        <p:style>
+          <a:lnRef idx="1">
+            <a:schemeClr val="dk1"/>
+          </a:lnRef>
+          <a:fillRef idx="0">
+            <a:schemeClr val="dk1"/>
+          </a:fillRef>
+          <a:effectRef idx="0">
+            <a:schemeClr val="dk1"/>
+          </a:effectRef>
+          <a:fontRef idx="minor">
+            <a:schemeClr val="tx1"/>
+          </a:fontRef>
+        </p:style>
+      </p:cxnSp>
+      <p:cxnSp>
+        <p:nvCxnSpPr>
+          <p:cNvPr id="226" name="연결선: 꺾임 225">
+            <a:extLst>
+              <a:ext uri="{FF2B5EF4-FFF2-40B4-BE49-F238E27FC236}">
+                <a16:creationId xmlns:a16="http://schemas.microsoft.com/office/drawing/2014/main" id="{0457E765-95F0-4DB4-A5CE-51703A702F29}"/>
+              </a:ext>
+            </a:extLst>
+          </p:cNvPr>
+          <p:cNvCxnSpPr>
+            <a:cxnSpLocks/>
+            <a:stCxn id="273" idx="1"/>
+            <a:endCxn id="274" idx="1"/>
+          </p:cNvCxnSpPr>
+          <p:nvPr/>
+        </p:nvCxnSpPr>
+        <p:spPr>
+          <a:xfrm rot="10800000" flipV="1">
+            <a:off x="6200888" y="4326289"/>
+            <a:ext cx="12700" cy="245773"/>
+          </a:xfrm>
+          <a:prstGeom prst="bentConnector3">
+            <a:avLst>
+              <a:gd name="adj1" fmla="val 3420000"/>
+            </a:avLst>
+          </a:prstGeom>
+          <a:ln>
+            <a:headEnd type="none"/>
+            <a:tailEnd type="triangle"/>
+          </a:ln>
+        </p:spPr>
+        <p:style>
+          <a:lnRef idx="1">
+            <a:schemeClr val="dk1"/>
+          </a:lnRef>
+          <a:fillRef idx="0">
+            <a:schemeClr val="dk1"/>
+          </a:fillRef>
+          <a:effectRef idx="0">
+            <a:schemeClr val="dk1"/>
+          </a:effectRef>
+          <a:fontRef idx="minor">
+            <a:schemeClr val="tx1"/>
+          </a:fontRef>
+        </p:style>
+      </p:cxnSp>
+      <p:cxnSp>
+        <p:nvCxnSpPr>
+          <p:cNvPr id="232" name="연결선: 꺾임 231">
+            <a:extLst>
+              <a:ext uri="{FF2B5EF4-FFF2-40B4-BE49-F238E27FC236}">
+                <a16:creationId xmlns:a16="http://schemas.microsoft.com/office/drawing/2014/main" id="{B81999C2-3ABC-498E-BB77-6EA7E898DDD1}"/>
+              </a:ext>
+            </a:extLst>
+          </p:cNvPr>
+          <p:cNvCxnSpPr>
+            <a:cxnSpLocks/>
+            <a:stCxn id="275" idx="1"/>
+            <a:endCxn id="276" idx="1"/>
+          </p:cNvCxnSpPr>
+          <p:nvPr/>
+        </p:nvCxnSpPr>
+        <p:spPr>
+          <a:xfrm rot="10800000" flipH="1" flipV="1">
+            <a:off x="6200887" y="5155141"/>
+            <a:ext cx="6350" cy="262655"/>
+          </a:xfrm>
+          <a:prstGeom prst="bentConnector3">
+            <a:avLst>
+              <a:gd name="adj1" fmla="val -6675732"/>
+            </a:avLst>
+          </a:prstGeom>
+          <a:ln>
+            <a:headEnd type="triangle"/>
+            <a:tailEnd type="triangle"/>
+          </a:ln>
+        </p:spPr>
+        <p:style>
+          <a:lnRef idx="1">
+            <a:schemeClr val="dk1"/>
+          </a:lnRef>
+          <a:fillRef idx="0">
+            <a:schemeClr val="dk1"/>
+          </a:fillRef>
+          <a:effectRef idx="0">
+            <a:schemeClr val="dk1"/>
+          </a:effectRef>
+          <a:fontRef idx="minor">
+            <a:schemeClr val="tx1"/>
+          </a:fontRef>
+        </p:style>
+      </p:cxnSp>
+      <p:cxnSp>
+        <p:nvCxnSpPr>
+          <p:cNvPr id="236" name="연결선: 꺾임 235">
+            <a:extLst>
+              <a:ext uri="{FF2B5EF4-FFF2-40B4-BE49-F238E27FC236}">
+                <a16:creationId xmlns:a16="http://schemas.microsoft.com/office/drawing/2014/main" id="{8451F962-3C85-4385-9D1D-40720B22DBD3}"/>
+              </a:ext>
+            </a:extLst>
+          </p:cNvPr>
+          <p:cNvCxnSpPr>
+            <a:cxnSpLocks/>
+            <a:stCxn id="276" idx="1"/>
+            <a:endCxn id="277" idx="1"/>
+          </p:cNvCxnSpPr>
+          <p:nvPr/>
+        </p:nvCxnSpPr>
+        <p:spPr>
+          <a:xfrm rot="10800000" flipV="1">
+            <a:off x="6200887" y="5417796"/>
+            <a:ext cx="6350" cy="259139"/>
+          </a:xfrm>
+          <a:prstGeom prst="bentConnector3">
+            <a:avLst>
+              <a:gd name="adj1" fmla="val 6775732"/>
+            </a:avLst>
+          </a:prstGeom>
+          <a:ln>
+            <a:headEnd type="none"/>
+            <a:tailEnd type="triangle"/>
+          </a:ln>
+        </p:spPr>
+        <p:style>
+          <a:lnRef idx="1">
+            <a:schemeClr val="dk1"/>
+          </a:lnRef>
+          <a:fillRef idx="0">
+            <a:schemeClr val="dk1"/>
+          </a:fillRef>
+          <a:effectRef idx="0">
+            <a:schemeClr val="dk1"/>
+          </a:effectRef>
+          <a:fontRef idx="minor">
+            <a:schemeClr val="tx1"/>
+          </a:fontRef>
+        </p:style>
+      </p:cxnSp>
+      <p:cxnSp>
+        <p:nvCxnSpPr>
+          <p:cNvPr id="240" name="연결선: 꺾임 239">
+            <a:extLst>
+              <a:ext uri="{FF2B5EF4-FFF2-40B4-BE49-F238E27FC236}">
+                <a16:creationId xmlns:a16="http://schemas.microsoft.com/office/drawing/2014/main" id="{3FA51121-9066-43F5-AAF5-97A3BCFDEDAE}"/>
+              </a:ext>
+            </a:extLst>
+          </p:cNvPr>
+          <p:cNvCxnSpPr>
+            <a:cxnSpLocks/>
+            <a:stCxn id="302" idx="1"/>
+            <a:endCxn id="303" idx="1"/>
+          </p:cNvCxnSpPr>
+          <p:nvPr/>
+        </p:nvCxnSpPr>
+        <p:spPr>
+          <a:xfrm rot="10800000" flipV="1">
+            <a:off x="4403920" y="5936361"/>
+            <a:ext cx="12700" cy="262332"/>
+          </a:xfrm>
+          <a:prstGeom prst="bentConnector3">
+            <a:avLst>
+              <a:gd name="adj1" fmla="val 2850000"/>
+            </a:avLst>
+          </a:prstGeom>
+          <a:ln>
+            <a:headEnd type="triangle"/>
+            <a:tailEnd type="triangle"/>
+          </a:ln>
+        </p:spPr>
+        <p:style>
+          <a:lnRef idx="1">
+            <a:schemeClr val="dk1"/>
+          </a:lnRef>
+          <a:fillRef idx="0">
+            <a:schemeClr val="dk1"/>
+          </a:fillRef>
+          <a:effectRef idx="0">
+            <a:schemeClr val="dk1"/>
+          </a:effectRef>
+          <a:fontRef idx="minor">
+            <a:schemeClr val="tx1"/>
+          </a:fontRef>
+        </p:style>
+      </p:cxnSp>
+      <p:cxnSp>
+        <p:nvCxnSpPr>
+          <p:cNvPr id="555" name="직선 화살표 연결선 554">
+            <a:extLst>
+              <a:ext uri="{FF2B5EF4-FFF2-40B4-BE49-F238E27FC236}">
+                <a16:creationId xmlns:a16="http://schemas.microsoft.com/office/drawing/2014/main" id="{BE6267B1-5B8D-482A-BB5F-378C6EA62291}"/>
+              </a:ext>
+            </a:extLst>
+          </p:cNvPr>
+          <p:cNvCxnSpPr>
+            <a:stCxn id="256" idx="3"/>
+            <a:endCxn id="281" idx="1"/>
+          </p:cNvCxnSpPr>
+          <p:nvPr/>
+        </p:nvCxnSpPr>
+        <p:spPr>
+          <a:xfrm flipV="1">
+            <a:off x="7173666" y="1170671"/>
+            <a:ext cx="758646" cy="4462"/>
+          </a:xfrm>
+          <a:prstGeom prst="straightConnector1">
+            <a:avLst/>
+          </a:prstGeom>
+          <a:ln>
+            <a:tailEnd type="triangle"/>
+          </a:ln>
+        </p:spPr>
+        <p:style>
+          <a:lnRef idx="1">
+            <a:schemeClr val="dk1"/>
+          </a:lnRef>
+          <a:fillRef idx="0">
+            <a:schemeClr val="dk1"/>
+          </a:fillRef>
+          <a:effectRef idx="0">
+            <a:schemeClr val="dk1"/>
+          </a:effectRef>
+          <a:fontRef idx="minor">
+            <a:schemeClr val="tx1"/>
+          </a:fontRef>
+        </p:style>
+      </p:cxnSp>
+      <p:cxnSp>
+        <p:nvCxnSpPr>
+          <p:cNvPr id="254" name="직선 화살표 연결선 253">
+            <a:extLst>
+              <a:ext uri="{FF2B5EF4-FFF2-40B4-BE49-F238E27FC236}">
+                <a16:creationId xmlns:a16="http://schemas.microsoft.com/office/drawing/2014/main" id="{79710A79-F83E-4836-B1EC-7DB760CBE359}"/>
+              </a:ext>
+            </a:extLst>
+          </p:cNvPr>
+          <p:cNvCxnSpPr>
+            <a:cxnSpLocks/>
+            <a:stCxn id="86" idx="3"/>
+            <a:endCxn id="109" idx="1"/>
+          </p:cNvCxnSpPr>
+          <p:nvPr/>
+        </p:nvCxnSpPr>
+        <p:spPr>
+          <a:xfrm>
+            <a:off x="8904312" y="2942936"/>
+            <a:ext cx="756192" cy="0"/>
+          </a:xfrm>
+          <a:prstGeom prst="straightConnector1">
+            <a:avLst/>
+          </a:prstGeom>
+          <a:ln>
+            <a:tailEnd type="triangle"/>
+          </a:ln>
+        </p:spPr>
+        <p:style>
+          <a:lnRef idx="1">
+            <a:schemeClr val="dk1"/>
+          </a:lnRef>
+          <a:fillRef idx="0">
+            <a:schemeClr val="dk1"/>
+          </a:fillRef>
+          <a:effectRef idx="0">
+            <a:schemeClr val="dk1"/>
+          </a:effectRef>
+          <a:fontRef idx="minor">
+            <a:schemeClr val="tx1"/>
+          </a:fontRef>
+        </p:style>
+      </p:cxnSp>
+      <p:cxnSp>
+        <p:nvCxnSpPr>
+          <p:cNvPr id="260" name="직선 화살표 연결선 259">
+            <a:extLst>
+              <a:ext uri="{FF2B5EF4-FFF2-40B4-BE49-F238E27FC236}">
+                <a16:creationId xmlns:a16="http://schemas.microsoft.com/office/drawing/2014/main" id="{02C2AB51-99A1-483A-9C20-ACEE73129B40}"/>
+              </a:ext>
+            </a:extLst>
+          </p:cNvPr>
+          <p:cNvCxnSpPr>
+            <a:cxnSpLocks/>
+            <a:stCxn id="103" idx="3"/>
+            <a:endCxn id="104" idx="1"/>
+          </p:cNvCxnSpPr>
+          <p:nvPr/>
+        </p:nvCxnSpPr>
+        <p:spPr>
+          <a:xfrm>
+            <a:off x="5375920" y="3255164"/>
+            <a:ext cx="825746" cy="1889"/>
+          </a:xfrm>
+          <a:prstGeom prst="straightConnector1">
+            <a:avLst/>
+          </a:prstGeom>
+          <a:ln>
+            <a:tailEnd type="triangle"/>
+          </a:ln>
+        </p:spPr>
+        <p:style>
+          <a:lnRef idx="1">
+            <a:schemeClr val="dk1"/>
+          </a:lnRef>
+          <a:fillRef idx="0">
+            <a:schemeClr val="dk1"/>
+          </a:fillRef>
+          <a:effectRef idx="0">
+            <a:schemeClr val="dk1"/>
+          </a:effectRef>
+          <a:fontRef idx="minor">
+            <a:schemeClr val="tx1"/>
+          </a:fontRef>
+        </p:style>
+      </p:cxnSp>
+      <p:cxnSp>
+        <p:nvCxnSpPr>
+          <p:cNvPr id="261" name="직선 화살표 연결선 260">
+            <a:extLst>
+              <a:ext uri="{FF2B5EF4-FFF2-40B4-BE49-F238E27FC236}">
+                <a16:creationId xmlns:a16="http://schemas.microsoft.com/office/drawing/2014/main" id="{30DA7C3D-FEA3-4F3E-8AE0-C65483739738}"/>
+              </a:ext>
+            </a:extLst>
+          </p:cNvPr>
+          <p:cNvCxnSpPr>
+            <a:cxnSpLocks/>
+            <a:stCxn id="274" idx="3"/>
+            <a:endCxn id="78" idx="1"/>
+          </p:cNvCxnSpPr>
+          <p:nvPr/>
+        </p:nvCxnSpPr>
+        <p:spPr>
+          <a:xfrm>
+            <a:off x="7172888" y="4572063"/>
+            <a:ext cx="759424" cy="0"/>
+          </a:xfrm>
+          <a:prstGeom prst="straightConnector1">
+            <a:avLst/>
+          </a:prstGeom>
+          <a:ln>
+            <a:tailEnd type="triangle"/>
+          </a:ln>
+        </p:spPr>
+        <p:style>
+          <a:lnRef idx="1">
+            <a:schemeClr val="dk1"/>
+          </a:lnRef>
+          <a:fillRef idx="0">
+            <a:schemeClr val="dk1"/>
+          </a:fillRef>
+          <a:effectRef idx="0">
+            <a:schemeClr val="dk1"/>
+          </a:effectRef>
+          <a:fontRef idx="minor">
+            <a:schemeClr val="tx1"/>
+          </a:fontRef>
+        </p:style>
+      </p:cxnSp>
+      <p:cxnSp>
+        <p:nvCxnSpPr>
+          <p:cNvPr id="311" name="연결선: 꺾임 310">
+            <a:extLst>
+              <a:ext uri="{FF2B5EF4-FFF2-40B4-BE49-F238E27FC236}">
+                <a16:creationId xmlns:a16="http://schemas.microsoft.com/office/drawing/2014/main" id="{1F2E78D2-A622-44C0-A5F6-88B024950BB4}"/>
+              </a:ext>
+            </a:extLst>
+          </p:cNvPr>
+          <p:cNvCxnSpPr>
+            <a:cxnSpLocks/>
+            <a:stCxn id="294" idx="1"/>
+            <a:endCxn id="296" idx="1"/>
+          </p:cNvCxnSpPr>
+          <p:nvPr/>
+        </p:nvCxnSpPr>
+        <p:spPr>
+          <a:xfrm rot="10800000" flipV="1">
+            <a:off x="4403920" y="4197611"/>
+            <a:ext cx="12700" cy="583690"/>
+          </a:xfrm>
+          <a:prstGeom prst="bentConnector3">
+            <a:avLst>
+              <a:gd name="adj1" fmla="val 2639992"/>
+            </a:avLst>
+          </a:prstGeom>
+          <a:ln>
+            <a:headEnd type="triangle"/>
+            <a:tailEnd type="triangle"/>
+          </a:ln>
+        </p:spPr>
+        <p:style>
+          <a:lnRef idx="1">
+            <a:schemeClr val="dk1"/>
+          </a:lnRef>
+          <a:fillRef idx="0">
+            <a:schemeClr val="dk1"/>
+          </a:fillRef>
+          <a:effectRef idx="0">
+            <a:schemeClr val="dk1"/>
+          </a:effectRef>
+          <a:fontRef idx="minor">
+            <a:schemeClr val="tx1"/>
+          </a:fontRef>
+        </p:style>
+      </p:cxnSp>
+      <p:cxnSp>
+        <p:nvCxnSpPr>
+          <p:cNvPr id="113" name="연결선: 꺾임 112">
+            <a:extLst>
+              <a:ext uri="{FF2B5EF4-FFF2-40B4-BE49-F238E27FC236}">
+                <a16:creationId xmlns:a16="http://schemas.microsoft.com/office/drawing/2014/main" id="{F35B5BAD-F0B4-4A4E-9CC1-60DCEA4BE334}"/>
+              </a:ext>
+            </a:extLst>
+          </p:cNvPr>
+          <p:cNvCxnSpPr>
+            <a:cxnSpLocks/>
+            <a:endCxn id="295" idx="1"/>
+          </p:cNvCxnSpPr>
+          <p:nvPr/>
+        </p:nvCxnSpPr>
+        <p:spPr>
+          <a:xfrm rot="16200000" flipH="1">
+            <a:off x="3923601" y="4937479"/>
+            <a:ext cx="636494" cy="324142"/>
+          </a:xfrm>
+          <a:prstGeom prst="bentConnector2">
+            <a:avLst/>
+          </a:prstGeom>
+          <a:ln>
+            <a:tailEnd type="triangle"/>
+          </a:ln>
+        </p:spPr>
+        <p:style>
+          <a:lnRef idx="1">
+            <a:schemeClr val="dk1"/>
+          </a:lnRef>
+          <a:fillRef idx="0">
+            <a:schemeClr val="dk1"/>
+          </a:fillRef>
+          <a:effectRef idx="0">
+            <a:schemeClr val="dk1"/>
+          </a:effectRef>
+          <a:fontRef idx="minor">
+            <a:schemeClr val="tx1"/>
+          </a:fontRef>
+        </p:style>
+      </p:cxnSp>
+      <p:cxnSp>
+        <p:nvCxnSpPr>
+          <p:cNvPr id="130" name="연결선: 꺾임 129">
+            <a:extLst>
+              <a:ext uri="{FF2B5EF4-FFF2-40B4-BE49-F238E27FC236}">
+                <a16:creationId xmlns:a16="http://schemas.microsoft.com/office/drawing/2014/main" id="{64B9EE01-D147-444D-BA30-08B788F19A05}"/>
+              </a:ext>
+            </a:extLst>
+          </p:cNvPr>
+          <p:cNvCxnSpPr>
+            <a:stCxn id="82" idx="3"/>
+            <a:endCxn id="259" idx="3"/>
+          </p:cNvCxnSpPr>
+          <p:nvPr/>
+        </p:nvCxnSpPr>
+        <p:spPr>
+          <a:xfrm>
+            <a:off x="3719736" y="3038524"/>
+            <a:ext cx="12700" cy="396640"/>
+          </a:xfrm>
+          <a:prstGeom prst="bentConnector3">
+            <a:avLst>
+              <a:gd name="adj1" fmla="val 2400000"/>
+            </a:avLst>
+          </a:prstGeom>
+        </p:spPr>
+        <p:style>
+          <a:lnRef idx="1">
+            <a:schemeClr val="dk1"/>
+          </a:lnRef>
+          <a:fillRef idx="0">
+            <a:schemeClr val="dk1"/>
+          </a:fillRef>
+          <a:effectRef idx="0">
+            <a:schemeClr val="dk1"/>
+          </a:effectRef>
+          <a:fontRef idx="minor">
+            <a:schemeClr val="tx1"/>
+          </a:fontRef>
+        </p:style>
+      </p:cxnSp>
+      <p:cxnSp>
+        <p:nvCxnSpPr>
+          <p:cNvPr id="332" name="직선 화살표 연결선 331">
+            <a:extLst>
+              <a:ext uri="{FF2B5EF4-FFF2-40B4-BE49-F238E27FC236}">
+                <a16:creationId xmlns:a16="http://schemas.microsoft.com/office/drawing/2014/main" id="{52440E83-28CD-480B-82DB-F0591E5949EB}"/>
+              </a:ext>
+            </a:extLst>
+          </p:cNvPr>
+          <p:cNvCxnSpPr>
+            <a:cxnSpLocks/>
+            <a:endCxn id="103" idx="1"/>
+          </p:cNvCxnSpPr>
+          <p:nvPr/>
+        </p:nvCxnSpPr>
+        <p:spPr>
+          <a:xfrm>
+            <a:off x="4022475" y="3255163"/>
+            <a:ext cx="381445" cy="1"/>
+          </a:xfrm>
+          <a:prstGeom prst="straightConnector1">
+            <a:avLst/>
+          </a:prstGeom>
+          <a:ln>
+            <a:tailEnd type="triangle"/>
+          </a:ln>
+        </p:spPr>
+        <p:style>
+          <a:lnRef idx="1">
+            <a:schemeClr val="dk1"/>
+          </a:lnRef>
+          <a:fillRef idx="0">
+            <a:schemeClr val="dk1"/>
+          </a:fillRef>
+          <a:effectRef idx="0">
+            <a:schemeClr val="dk1"/>
+          </a:effectRef>
+          <a:fontRef idx="minor">
+            <a:schemeClr val="tx1"/>
+          </a:fontRef>
+        </p:style>
+      </p:cxnSp>
+      <p:cxnSp>
+        <p:nvCxnSpPr>
+          <p:cNvPr id="136" name="직선 연결선 135">
+            <a:extLst>
+              <a:ext uri="{FF2B5EF4-FFF2-40B4-BE49-F238E27FC236}">
+                <a16:creationId xmlns:a16="http://schemas.microsoft.com/office/drawing/2014/main" id="{2431762E-C709-4A5E-88C6-FF80A75F7FAF}"/>
+              </a:ext>
+            </a:extLst>
+          </p:cNvPr>
+          <p:cNvCxnSpPr>
+            <a:stCxn id="104" idx="3"/>
+          </p:cNvCxnSpPr>
+          <p:nvPr/>
+        </p:nvCxnSpPr>
+        <p:spPr>
+          <a:xfrm flipV="1">
+            <a:off x="7173666" y="3255163"/>
+            <a:ext cx="378934" cy="1890"/>
+          </a:xfrm>
+          <a:prstGeom prst="line">
+            <a:avLst/>
+          </a:prstGeom>
+        </p:spPr>
+        <p:style>
+          <a:lnRef idx="1">
+            <a:schemeClr val="dk1"/>
+          </a:lnRef>
+          <a:fillRef idx="0">
+            <a:schemeClr val="dk1"/>
+          </a:fillRef>
+          <a:effectRef idx="0">
+            <a:schemeClr val="dk1"/>
+          </a:effectRef>
+          <a:fontRef idx="minor">
+            <a:schemeClr val="tx1"/>
+          </a:fontRef>
+        </p:style>
+      </p:cxnSp>
+      <p:cxnSp>
+        <p:nvCxnSpPr>
+          <p:cNvPr id="340" name="직선 연결선 339">
+            <a:extLst>
+              <a:ext uri="{FF2B5EF4-FFF2-40B4-BE49-F238E27FC236}">
+                <a16:creationId xmlns:a16="http://schemas.microsoft.com/office/drawing/2014/main" id="{5B3C3860-F4F0-418F-B979-ED1CC63CB64B}"/>
+              </a:ext>
+            </a:extLst>
+          </p:cNvPr>
+          <p:cNvCxnSpPr>
+            <a:cxnSpLocks/>
+            <a:stCxn id="255" idx="3"/>
+          </p:cNvCxnSpPr>
+          <p:nvPr/>
+        </p:nvCxnSpPr>
+        <p:spPr>
+          <a:xfrm flipV="1">
+            <a:off x="5375920" y="1424154"/>
+            <a:ext cx="396000" cy="1"/>
+          </a:xfrm>
+          <a:prstGeom prst="line">
+            <a:avLst/>
+          </a:prstGeom>
+        </p:spPr>
+        <p:style>
+          <a:lnRef idx="1">
+            <a:schemeClr val="dk1"/>
+          </a:lnRef>
+          <a:fillRef idx="0">
+            <a:schemeClr val="dk1"/>
+          </a:fillRef>
+          <a:effectRef idx="0">
+            <a:schemeClr val="dk1"/>
+          </a:effectRef>
+          <a:fontRef idx="minor">
+            <a:schemeClr val="tx1"/>
+          </a:fontRef>
+        </p:style>
+      </p:cxnSp>
       <p:sp>
         <p:nvSpPr>
-          <p:cNvPr id="108" name="순서도: 처리 107">
+          <p:cNvPr id="344" name="순서도: 처리 343">
             <a:extLst>
               <a:ext uri="{FF2B5EF4-FFF2-40B4-BE49-F238E27FC236}">
-                <a16:creationId xmlns:a16="http://schemas.microsoft.com/office/drawing/2014/main" id="{FDF82D4C-663E-4FB0-963A-191CB80A5303}"/>
+                <a16:creationId xmlns:a16="http://schemas.microsoft.com/office/drawing/2014/main" id="{6ADA6E93-43A7-48D1-91E5-54BB1BAA1131}"/>
               </a:ext>
             </a:extLst>
           </p:cNvPr>
@@ -28942,7 +28425,7 @@
         </p:nvSpPr>
         <p:spPr>
           <a:xfrm>
-            <a:off x="9552384" y="3157892"/>
+            <a:off x="6200887" y="1871005"/>
             <a:ext cx="972000" cy="180000"/>
           </a:xfrm>
           <a:prstGeom prst="flowChartProcess">
@@ -28992,145 +28475,30 @@
                 </a:solidFill>
                 <a:latin typeface="+mn-ea"/>
               </a:rPr>
-              <a:t>상담 종료</a:t>
-            </a:r>
-          </a:p>
-        </p:txBody>
-      </p:sp>
-      <p:sp>
-        <p:nvSpPr>
-          <p:cNvPr id="109" name="순서도: 처리 108">
-            <a:extLst>
-              <a:ext uri="{FF2B5EF4-FFF2-40B4-BE49-F238E27FC236}">
-                <a16:creationId xmlns:a16="http://schemas.microsoft.com/office/drawing/2014/main" id="{D78F8912-C7BF-484A-816E-897B28AFC83D}"/>
-              </a:ext>
-            </a:extLst>
-          </p:cNvPr>
-          <p:cNvSpPr/>
-          <p:nvPr/>
-        </p:nvSpPr>
-        <p:spPr>
-          <a:xfrm>
-            <a:off x="10776520" y="2912117"/>
-            <a:ext cx="972000" cy="180000"/>
-          </a:xfrm>
-          <a:prstGeom prst="flowChartProcess">
-            <a:avLst/>
-          </a:prstGeom>
-          <a:solidFill>
-            <a:schemeClr val="bg1"/>
-          </a:solidFill>
-          <a:ln>
-            <a:solidFill>
-              <a:schemeClr val="tx1">
-                <a:lumMod val="95000"/>
-                <a:lumOff val="5000"/>
-              </a:schemeClr>
-            </a:solidFill>
-          </a:ln>
-        </p:spPr>
-        <p:style>
-          <a:lnRef idx="2">
-            <a:schemeClr val="accent1">
-              <a:shade val="50000"/>
-            </a:schemeClr>
-          </a:lnRef>
-          <a:fillRef idx="1">
-            <a:schemeClr val="accent1"/>
-          </a:fillRef>
-          <a:effectRef idx="0">
-            <a:schemeClr val="accent1"/>
-          </a:effectRef>
-          <a:fontRef idx="minor">
-            <a:schemeClr val="lt1"/>
-          </a:fontRef>
-        </p:style>
-        <p:txBody>
-          <a:bodyPr rtlCol="0" anchor="ctr"/>
-          <a:lstStyle/>
-          <a:p>
-            <a:pPr algn="ctr">
-              <a:lnSpc>
-                <a:spcPct val="90000"/>
-              </a:lnSpc>
-            </a:pPr>
-            <a:r>
-              <a:rPr lang="ko-KR" altLang="en-US" sz="700" dirty="0">
-                <a:solidFill>
-                  <a:schemeClr val="tx1"/>
-                </a:solidFill>
-                <a:latin typeface="+mn-ea"/>
-              </a:rPr>
-              <a:t>포인트 충전</a:t>
+              <a:t>게시글 작성</a:t>
             </a:r>
           </a:p>
         </p:txBody>
       </p:sp>
       <p:cxnSp>
         <p:nvCxnSpPr>
-          <p:cNvPr id="110" name="연결선: 꺾임 109">
+          <p:cNvPr id="349" name="직선 연결선 348">
             <a:extLst>
               <a:ext uri="{FF2B5EF4-FFF2-40B4-BE49-F238E27FC236}">
-                <a16:creationId xmlns:a16="http://schemas.microsoft.com/office/drawing/2014/main" id="{C52079BC-A4D2-4314-8082-D5B70A95B1CB}"/>
+                <a16:creationId xmlns:a16="http://schemas.microsoft.com/office/drawing/2014/main" id="{A4B63772-A610-4B3C-9F15-54045C0A3344}"/>
               </a:ext>
             </a:extLst>
           </p:cNvPr>
           <p:cNvCxnSpPr>
             <a:cxnSpLocks/>
-            <a:stCxn id="100" idx="1"/>
-            <a:endCxn id="101" idx="1"/>
-          </p:cNvCxnSpPr>
-          <p:nvPr/>
-        </p:nvCxnSpPr>
-        <p:spPr>
-          <a:xfrm rot="10800000" flipV="1">
-            <a:off x="3415634" y="3005722"/>
-            <a:ext cx="12700" cy="242364"/>
-          </a:xfrm>
-          <a:prstGeom prst="bentConnector3">
-            <a:avLst>
-              <a:gd name="adj1" fmla="val 960000"/>
-            </a:avLst>
-          </a:prstGeom>
-          <a:ln>
-            <a:headEnd type="triangle"/>
-            <a:tailEnd type="triangle"/>
-          </a:ln>
-        </p:spPr>
-        <p:style>
-          <a:lnRef idx="1">
-            <a:schemeClr val="dk1"/>
-          </a:lnRef>
-          <a:fillRef idx="0">
-            <a:schemeClr val="dk1"/>
-          </a:fillRef>
-          <a:effectRef idx="0">
-            <a:schemeClr val="dk1"/>
-          </a:effectRef>
-          <a:fontRef idx="minor">
-            <a:schemeClr val="tx1"/>
-          </a:fontRef>
-        </p:style>
-      </p:cxnSp>
-      <p:cxnSp>
-        <p:nvCxnSpPr>
-          <p:cNvPr id="111" name="직선 연결선 110">
-            <a:extLst>
-              <a:ext uri="{FF2B5EF4-FFF2-40B4-BE49-F238E27FC236}">
-                <a16:creationId xmlns:a16="http://schemas.microsoft.com/office/drawing/2014/main" id="{6C73729D-CB24-4F94-B990-3BA11F0F088E}"/>
-              </a:ext>
-            </a:extLst>
-          </p:cNvPr>
-          <p:cNvCxnSpPr>
-            <a:cxnSpLocks/>
-            <a:stCxn id="99" idx="3"/>
+            <a:stCxn id="252" idx="3"/>
           </p:cNvCxnSpPr>
           <p:nvPr/>
         </p:nvCxnSpPr>
         <p:spPr>
           <a:xfrm>
-            <a:off x="3235506" y="3114912"/>
-            <a:ext cx="72000" cy="0"/>
+            <a:off x="3719736" y="2119122"/>
+            <a:ext cx="302739" cy="7681"/>
           </a:xfrm>
           <a:prstGeom prst="line">
             <a:avLst/>
@@ -29153,24 +28521,63 @@
       </p:cxnSp>
       <p:cxnSp>
         <p:nvCxnSpPr>
-          <p:cNvPr id="112" name="직선 화살표 연결선 111">
+          <p:cNvPr id="352" name="직선 연결선 351">
             <a:extLst>
               <a:ext uri="{FF2B5EF4-FFF2-40B4-BE49-F238E27FC236}">
-                <a16:creationId xmlns:a16="http://schemas.microsoft.com/office/drawing/2014/main" id="{A4A906E3-0270-4766-8D6A-9909ADFB57EE}"/>
+                <a16:creationId xmlns:a16="http://schemas.microsoft.com/office/drawing/2014/main" id="{550A2DED-BA7B-40AB-B9EF-E5667B4CD191}"/>
               </a:ext>
             </a:extLst>
           </p:cNvPr>
           <p:cNvCxnSpPr>
             <a:cxnSpLocks/>
-            <a:stCxn id="101" idx="3"/>
-            <a:endCxn id="102" idx="1"/>
+            <a:stCxn id="263" idx="3"/>
           </p:cNvCxnSpPr>
           <p:nvPr/>
         </p:nvCxnSpPr>
         <p:spPr>
           <a:xfrm>
-            <a:off x="4387634" y="3248086"/>
-            <a:ext cx="236758" cy="0"/>
+            <a:off x="5375920" y="2682228"/>
+            <a:ext cx="396000" cy="764"/>
+          </a:xfrm>
+          <a:prstGeom prst="line">
+            <a:avLst/>
+          </a:prstGeom>
+        </p:spPr>
+        <p:style>
+          <a:lnRef idx="1">
+            <a:schemeClr val="dk1"/>
+          </a:lnRef>
+          <a:fillRef idx="0">
+            <a:schemeClr val="dk1"/>
+          </a:fillRef>
+          <a:effectRef idx="0">
+            <a:schemeClr val="dk1"/>
+          </a:effectRef>
+          <a:fontRef idx="minor">
+            <a:schemeClr val="tx1"/>
+          </a:fontRef>
+        </p:style>
+      </p:cxnSp>
+      <p:cxnSp>
+        <p:nvCxnSpPr>
+          <p:cNvPr id="355" name="직선 화살표 연결선 354">
+            <a:extLst>
+              <a:ext uri="{FF2B5EF4-FFF2-40B4-BE49-F238E27FC236}">
+                <a16:creationId xmlns:a16="http://schemas.microsoft.com/office/drawing/2014/main" id="{CC4B34AF-0A9E-47C8-8154-3D11F5A7FB37}"/>
+              </a:ext>
+            </a:extLst>
+          </p:cNvPr>
+          <p:cNvCxnSpPr>
+            <a:cxnSpLocks/>
+            <a:stCxn id="100" idx="3"/>
+            <a:endCxn id="344" idx="1"/>
+          </p:cNvCxnSpPr>
+          <p:nvPr/>
+        </p:nvCxnSpPr>
+        <p:spPr>
+          <a:xfrm>
+            <a:off x="5375920" y="1958142"/>
+            <a:ext cx="824967" cy="2863"/>
           </a:xfrm>
           <a:prstGeom prst="straightConnector1">
             <a:avLst/>
@@ -29196,24 +28603,218 @@
       </p:cxnSp>
       <p:cxnSp>
         <p:nvCxnSpPr>
-          <p:cNvPr id="113" name="직선 화살표 연결선 112">
+          <p:cNvPr id="358" name="직선 연결선 357">
             <a:extLst>
               <a:ext uri="{FF2B5EF4-FFF2-40B4-BE49-F238E27FC236}">
-                <a16:creationId xmlns:a16="http://schemas.microsoft.com/office/drawing/2014/main" id="{7C27B2B9-024A-4AF0-BF6C-960040FBCF89}"/>
+                <a16:creationId xmlns:a16="http://schemas.microsoft.com/office/drawing/2014/main" id="{55EF9096-D0C7-4308-8773-DD8AD83A64C3}"/>
               </a:ext>
             </a:extLst>
           </p:cNvPr>
           <p:cNvCxnSpPr>
             <a:cxnSpLocks/>
-            <a:stCxn id="102" idx="3"/>
-            <a:endCxn id="103" idx="1"/>
+            <a:stCxn id="294" idx="3"/>
+          </p:cNvCxnSpPr>
+          <p:nvPr/>
+        </p:nvCxnSpPr>
+        <p:spPr>
+          <a:xfrm>
+            <a:off x="5375920" y="4197611"/>
+            <a:ext cx="412483" cy="0"/>
+          </a:xfrm>
+          <a:prstGeom prst="line">
+            <a:avLst/>
+          </a:prstGeom>
+        </p:spPr>
+        <p:style>
+          <a:lnRef idx="1">
+            <a:schemeClr val="dk1"/>
+          </a:lnRef>
+          <a:fillRef idx="0">
+            <a:schemeClr val="dk1"/>
+          </a:fillRef>
+          <a:effectRef idx="0">
+            <a:schemeClr val="dk1"/>
+          </a:effectRef>
+          <a:fontRef idx="minor">
+            <a:schemeClr val="tx1"/>
+          </a:fontRef>
+        </p:style>
+      </p:cxnSp>
+      <p:cxnSp>
+        <p:nvCxnSpPr>
+          <p:cNvPr id="361" name="직선 연결선 360">
+            <a:extLst>
+              <a:ext uri="{FF2B5EF4-FFF2-40B4-BE49-F238E27FC236}">
+                <a16:creationId xmlns:a16="http://schemas.microsoft.com/office/drawing/2014/main" id="{1131834F-CE10-4B1E-88A3-6D616A7F1F69}"/>
+              </a:ext>
+            </a:extLst>
+          </p:cNvPr>
+          <p:cNvCxnSpPr>
+            <a:cxnSpLocks/>
+            <a:stCxn id="295" idx="3"/>
+          </p:cNvCxnSpPr>
+          <p:nvPr/>
+        </p:nvCxnSpPr>
+        <p:spPr>
+          <a:xfrm>
+            <a:off x="5375919" y="5417797"/>
+            <a:ext cx="412484" cy="0"/>
+          </a:xfrm>
+          <a:prstGeom prst="line">
+            <a:avLst/>
+          </a:prstGeom>
+        </p:spPr>
+        <p:style>
+          <a:lnRef idx="1">
+            <a:schemeClr val="dk1"/>
+          </a:lnRef>
+          <a:fillRef idx="0">
+            <a:schemeClr val="dk1"/>
+          </a:fillRef>
+          <a:effectRef idx="0">
+            <a:schemeClr val="dk1"/>
+          </a:effectRef>
+          <a:fontRef idx="minor">
+            <a:schemeClr val="tx1"/>
+          </a:fontRef>
+        </p:style>
+      </p:cxnSp>
+      <p:cxnSp>
+        <p:nvCxnSpPr>
+          <p:cNvPr id="364" name="직선 연결선 363">
+            <a:extLst>
+              <a:ext uri="{FF2B5EF4-FFF2-40B4-BE49-F238E27FC236}">
+                <a16:creationId xmlns:a16="http://schemas.microsoft.com/office/drawing/2014/main" id="{81715104-1092-40C9-B5F3-A4E3445A6F65}"/>
+              </a:ext>
+            </a:extLst>
+          </p:cNvPr>
+          <p:cNvCxnSpPr>
+            <a:cxnSpLocks/>
+            <a:stCxn id="300" idx="3"/>
+          </p:cNvCxnSpPr>
+          <p:nvPr/>
+        </p:nvCxnSpPr>
+        <p:spPr>
+          <a:xfrm>
+            <a:off x="3719736" y="6043938"/>
+            <a:ext cx="324000" cy="0"/>
+          </a:xfrm>
+          <a:prstGeom prst="line">
+            <a:avLst/>
+          </a:prstGeom>
+        </p:spPr>
+        <p:style>
+          <a:lnRef idx="1">
+            <a:schemeClr val="dk1"/>
+          </a:lnRef>
+          <a:fillRef idx="0">
+            <a:schemeClr val="dk1"/>
+          </a:fillRef>
+          <a:effectRef idx="0">
+            <a:schemeClr val="dk1"/>
+          </a:effectRef>
+          <a:fontRef idx="minor">
+            <a:schemeClr val="tx1"/>
+          </a:fontRef>
+        </p:style>
+      </p:cxnSp>
+      <p:cxnSp>
+        <p:nvCxnSpPr>
+          <p:cNvPr id="367" name="직선 연결선 366">
+            <a:extLst>
+              <a:ext uri="{FF2B5EF4-FFF2-40B4-BE49-F238E27FC236}">
+                <a16:creationId xmlns:a16="http://schemas.microsoft.com/office/drawing/2014/main" id="{252CFF02-528F-4836-A09D-928D50971D79}"/>
+              </a:ext>
+            </a:extLst>
+          </p:cNvPr>
+          <p:cNvCxnSpPr>
+            <a:cxnSpLocks/>
+            <a:stCxn id="297" idx="3"/>
           </p:cNvCxnSpPr>
           <p:nvPr/>
         </p:nvCxnSpPr>
         <p:spPr>
           <a:xfrm flipV="1">
-            <a:off x="5596392" y="3247762"/>
-            <a:ext cx="236757" cy="324"/>
+            <a:off x="3719736" y="4781301"/>
+            <a:ext cx="360040" cy="168"/>
+          </a:xfrm>
+          <a:prstGeom prst="line">
+            <a:avLst/>
+          </a:prstGeom>
+        </p:spPr>
+        <p:style>
+          <a:lnRef idx="1">
+            <a:schemeClr val="dk1"/>
+          </a:lnRef>
+          <a:fillRef idx="0">
+            <a:schemeClr val="dk1"/>
+          </a:fillRef>
+          <a:effectRef idx="0">
+            <a:schemeClr val="dk1"/>
+          </a:effectRef>
+          <a:fontRef idx="minor">
+            <a:schemeClr val="tx1"/>
+          </a:fontRef>
+        </p:style>
+      </p:cxnSp>
+      <p:cxnSp>
+        <p:nvCxnSpPr>
+          <p:cNvPr id="370" name="직선 연결선 369">
+            <a:extLst>
+              <a:ext uri="{FF2B5EF4-FFF2-40B4-BE49-F238E27FC236}">
+                <a16:creationId xmlns:a16="http://schemas.microsoft.com/office/drawing/2014/main" id="{BA8E860A-BF63-4AAB-BC57-1BC3089ACFC3}"/>
+              </a:ext>
+            </a:extLst>
+          </p:cNvPr>
+          <p:cNvCxnSpPr>
+            <a:cxnSpLocks/>
+            <a:stCxn id="305" idx="6"/>
+          </p:cNvCxnSpPr>
+          <p:nvPr/>
+        </p:nvCxnSpPr>
+        <p:spPr>
+          <a:xfrm>
+            <a:off x="1694787" y="3430046"/>
+            <a:ext cx="507171" cy="0"/>
+          </a:xfrm>
+          <a:prstGeom prst="line">
+            <a:avLst/>
+          </a:prstGeom>
+        </p:spPr>
+        <p:style>
+          <a:lnRef idx="1">
+            <a:schemeClr val="dk1"/>
+          </a:lnRef>
+          <a:fillRef idx="0">
+            <a:schemeClr val="dk1"/>
+          </a:fillRef>
+          <a:effectRef idx="0">
+            <a:schemeClr val="dk1"/>
+          </a:effectRef>
+          <a:fontRef idx="minor">
+            <a:schemeClr val="tx1"/>
+          </a:fontRef>
+        </p:style>
+      </p:cxnSp>
+      <p:cxnSp>
+        <p:nvCxnSpPr>
+          <p:cNvPr id="171" name="직선 화살표 연결선 170">
+            <a:extLst>
+              <a:ext uri="{FF2B5EF4-FFF2-40B4-BE49-F238E27FC236}">
+                <a16:creationId xmlns:a16="http://schemas.microsoft.com/office/drawing/2014/main" id="{511AD2EC-D7E4-4233-9A87-CBC7281BEAE7}"/>
+              </a:ext>
+            </a:extLst>
+          </p:cNvPr>
+          <p:cNvCxnSpPr>
+            <a:stCxn id="263" idx="0"/>
+            <a:endCxn id="269" idx="2"/>
+          </p:cNvCxnSpPr>
+          <p:nvPr/>
+        </p:nvCxnSpPr>
+        <p:spPr>
+          <a:xfrm flipV="1">
+            <a:off x="4889920" y="2379292"/>
+            <a:ext cx="0" cy="212936"/>
           </a:xfrm>
           <a:prstGeom prst="straightConnector1">
             <a:avLst/>
@@ -29239,582 +28840,27 @@
       </p:cxnSp>
       <p:cxnSp>
         <p:nvCxnSpPr>
-          <p:cNvPr id="114" name="직선 화살표 연결선 113">
+          <p:cNvPr id="375" name="직선 화살표 연결선 374">
             <a:extLst>
               <a:ext uri="{FF2B5EF4-FFF2-40B4-BE49-F238E27FC236}">
-                <a16:creationId xmlns:a16="http://schemas.microsoft.com/office/drawing/2014/main" id="{52158213-B9CA-4488-874D-0A6C3A69C75E}"/>
+                <a16:creationId xmlns:a16="http://schemas.microsoft.com/office/drawing/2014/main" id="{1DD6A836-F387-41D2-BC6D-99F304B00D6E}"/>
               </a:ext>
             </a:extLst>
           </p:cNvPr>
           <p:cNvCxnSpPr>
             <a:cxnSpLocks/>
-            <a:stCxn id="103" idx="3"/>
-            <a:endCxn id="104" idx="1"/>
-          </p:cNvCxnSpPr>
-          <p:nvPr/>
-        </p:nvCxnSpPr>
-        <p:spPr>
-          <a:xfrm>
-            <a:off x="6805149" y="3247762"/>
-            <a:ext cx="198443" cy="0"/>
-          </a:xfrm>
-          <a:prstGeom prst="straightConnector1">
-            <a:avLst/>
-          </a:prstGeom>
-          <a:ln>
-            <a:tailEnd type="triangle"/>
-          </a:ln>
-        </p:spPr>
-        <p:style>
-          <a:lnRef idx="1">
-            <a:schemeClr val="dk1"/>
-          </a:lnRef>
-          <a:fillRef idx="0">
-            <a:schemeClr val="dk1"/>
-          </a:fillRef>
-          <a:effectRef idx="0">
-            <a:schemeClr val="dk1"/>
-          </a:effectRef>
-          <a:fontRef idx="minor">
-            <a:schemeClr val="tx1"/>
-          </a:fontRef>
-        </p:style>
-      </p:cxnSp>
-      <p:cxnSp>
-        <p:nvCxnSpPr>
-          <p:cNvPr id="115" name="연결선: 꺾임 114">
-            <a:extLst>
-              <a:ext uri="{FF2B5EF4-FFF2-40B4-BE49-F238E27FC236}">
-                <a16:creationId xmlns:a16="http://schemas.microsoft.com/office/drawing/2014/main" id="{B71329A3-97A0-457A-9468-36F146F6A4B9}"/>
-              </a:ext>
-            </a:extLst>
-          </p:cNvPr>
-          <p:cNvCxnSpPr>
-            <a:cxnSpLocks/>
-            <a:stCxn id="105" idx="1"/>
-            <a:endCxn id="106" idx="1"/>
-          </p:cNvCxnSpPr>
-          <p:nvPr/>
-        </p:nvCxnSpPr>
-        <p:spPr>
-          <a:xfrm rot="10800000">
-            <a:off x="8328248" y="3133606"/>
-            <a:ext cx="12700" cy="239134"/>
-          </a:xfrm>
-          <a:prstGeom prst="bentConnector3">
-            <a:avLst>
-              <a:gd name="adj1" fmla="val 1800000"/>
-            </a:avLst>
-          </a:prstGeom>
-          <a:ln>
-            <a:headEnd type="triangle"/>
-            <a:tailEnd type="triangle"/>
-          </a:ln>
-        </p:spPr>
-        <p:style>
-          <a:lnRef idx="1">
-            <a:schemeClr val="dk1"/>
-          </a:lnRef>
-          <a:fillRef idx="0">
-            <a:schemeClr val="dk1"/>
-          </a:fillRef>
-          <a:effectRef idx="0">
-            <a:schemeClr val="dk1"/>
-          </a:effectRef>
-          <a:fontRef idx="minor">
-            <a:schemeClr val="tx1"/>
-          </a:fontRef>
-        </p:style>
-      </p:cxnSp>
-      <p:cxnSp>
-        <p:nvCxnSpPr>
-          <p:cNvPr id="116" name="연결선: 꺾임 115">
-            <a:extLst>
-              <a:ext uri="{FF2B5EF4-FFF2-40B4-BE49-F238E27FC236}">
-                <a16:creationId xmlns:a16="http://schemas.microsoft.com/office/drawing/2014/main" id="{DFA2A253-3E5E-4F50-A0B8-F2FC48E440AB}"/>
-              </a:ext>
-            </a:extLst>
-          </p:cNvPr>
-          <p:cNvCxnSpPr>
-            <a:cxnSpLocks/>
-            <a:stCxn id="107" idx="1"/>
-            <a:endCxn id="108" idx="1"/>
-          </p:cNvCxnSpPr>
-          <p:nvPr/>
-        </p:nvCxnSpPr>
-        <p:spPr>
-          <a:xfrm rot="10800000" flipV="1">
-            <a:off x="9552384" y="3002118"/>
-            <a:ext cx="12700" cy="245773"/>
-          </a:xfrm>
-          <a:prstGeom prst="bentConnector3">
-            <a:avLst>
-              <a:gd name="adj1" fmla="val 961165"/>
-            </a:avLst>
-          </a:prstGeom>
-          <a:ln>
-            <a:headEnd type="triangle"/>
-            <a:tailEnd type="triangle"/>
-          </a:ln>
-        </p:spPr>
-        <p:style>
-          <a:lnRef idx="1">
-            <a:schemeClr val="dk1"/>
-          </a:lnRef>
-          <a:fillRef idx="0">
-            <a:schemeClr val="dk1"/>
-          </a:fillRef>
-          <a:effectRef idx="0">
-            <a:schemeClr val="dk1"/>
-          </a:effectRef>
-          <a:fontRef idx="minor">
-            <a:schemeClr val="tx1"/>
-          </a:fontRef>
-        </p:style>
-      </p:cxnSp>
-      <p:cxnSp>
-        <p:nvCxnSpPr>
-          <p:cNvPr id="117" name="직선 화살표 연결선 116">
-            <a:extLst>
-              <a:ext uri="{FF2B5EF4-FFF2-40B4-BE49-F238E27FC236}">
-                <a16:creationId xmlns:a16="http://schemas.microsoft.com/office/drawing/2014/main" id="{6A48E4CA-A8D2-43BF-A52D-F8E5CC11B0AE}"/>
-              </a:ext>
-            </a:extLst>
-          </p:cNvPr>
-          <p:cNvCxnSpPr>
-            <a:cxnSpLocks/>
-            <a:stCxn id="107" idx="3"/>
-            <a:endCxn id="109" idx="1"/>
+            <a:stCxn id="295" idx="0"/>
+            <a:endCxn id="296" idx="2"/>
           </p:cNvCxnSpPr>
           <p:nvPr/>
         </p:nvCxnSpPr>
         <p:spPr>
           <a:xfrm flipV="1">
-            <a:off x="10524384" y="3002117"/>
-            <a:ext cx="252136" cy="2"/>
+            <a:off x="4889919" y="4871301"/>
+            <a:ext cx="1" cy="456496"/>
           </a:xfrm>
           <a:prstGeom prst="straightConnector1">
             <a:avLst/>
-          </a:prstGeom>
-          <a:ln>
-            <a:tailEnd type="triangle"/>
-          </a:ln>
-        </p:spPr>
-        <p:style>
-          <a:lnRef idx="1">
-            <a:schemeClr val="dk1"/>
-          </a:lnRef>
-          <a:fillRef idx="0">
-            <a:schemeClr val="dk1"/>
-          </a:fillRef>
-          <a:effectRef idx="0">
-            <a:schemeClr val="dk1"/>
-          </a:effectRef>
-          <a:fontRef idx="minor">
-            <a:schemeClr val="tx1"/>
-          </a:fontRef>
-        </p:style>
-      </p:cxnSp>
-      <p:cxnSp>
-        <p:nvCxnSpPr>
-          <p:cNvPr id="118" name="직선 연결선 117">
-            <a:extLst>
-              <a:ext uri="{FF2B5EF4-FFF2-40B4-BE49-F238E27FC236}">
-                <a16:creationId xmlns:a16="http://schemas.microsoft.com/office/drawing/2014/main" id="{7E9EB3C4-2BE2-423B-854E-12B525FC5EEB}"/>
-              </a:ext>
-            </a:extLst>
-          </p:cNvPr>
-          <p:cNvCxnSpPr>
-            <a:cxnSpLocks/>
-            <a:stCxn id="104" idx="3"/>
-          </p:cNvCxnSpPr>
-          <p:nvPr/>
-        </p:nvCxnSpPr>
-        <p:spPr>
-          <a:xfrm>
-            <a:off x="7975592" y="3247762"/>
-            <a:ext cx="136632" cy="0"/>
-          </a:xfrm>
-          <a:prstGeom prst="line">
-            <a:avLst/>
-          </a:prstGeom>
-        </p:spPr>
-        <p:style>
-          <a:lnRef idx="1">
-            <a:schemeClr val="dk1"/>
-          </a:lnRef>
-          <a:fillRef idx="0">
-            <a:schemeClr val="dk1"/>
-          </a:fillRef>
-          <a:effectRef idx="0">
-            <a:schemeClr val="dk1"/>
-          </a:effectRef>
-          <a:fontRef idx="minor">
-            <a:schemeClr val="tx1"/>
-          </a:fontRef>
-        </p:style>
-      </p:cxnSp>
-      <p:cxnSp>
-        <p:nvCxnSpPr>
-          <p:cNvPr id="119" name="직선 연결선 118">
-            <a:extLst>
-              <a:ext uri="{FF2B5EF4-FFF2-40B4-BE49-F238E27FC236}">
-                <a16:creationId xmlns:a16="http://schemas.microsoft.com/office/drawing/2014/main" id="{16CE06CB-54F6-4D5F-ADE3-0A55755436A5}"/>
-              </a:ext>
-            </a:extLst>
-          </p:cNvPr>
-          <p:cNvCxnSpPr>
-            <a:cxnSpLocks/>
-            <a:stCxn id="106" idx="3"/>
-          </p:cNvCxnSpPr>
-          <p:nvPr/>
-        </p:nvCxnSpPr>
-        <p:spPr>
-          <a:xfrm>
-            <a:off x="9300248" y="3133606"/>
-            <a:ext cx="144016" cy="0"/>
-          </a:xfrm>
-          <a:prstGeom prst="line">
-            <a:avLst/>
-          </a:prstGeom>
-        </p:spPr>
-        <p:style>
-          <a:lnRef idx="1">
-            <a:schemeClr val="dk1"/>
-          </a:lnRef>
-          <a:fillRef idx="0">
-            <a:schemeClr val="dk1"/>
-          </a:fillRef>
-          <a:effectRef idx="0">
-            <a:schemeClr val="dk1"/>
-          </a:effectRef>
-          <a:fontRef idx="minor">
-            <a:schemeClr val="tx1"/>
-          </a:fontRef>
-        </p:style>
-      </p:cxnSp>
-      <p:cxnSp>
-        <p:nvCxnSpPr>
-          <p:cNvPr id="9" name="연결선: 꺾임 8">
-            <a:extLst>
-              <a:ext uri="{FF2B5EF4-FFF2-40B4-BE49-F238E27FC236}">
-                <a16:creationId xmlns:a16="http://schemas.microsoft.com/office/drawing/2014/main" id="{39B65BE4-E688-4575-8D48-71427F9CA0CB}"/>
-              </a:ext>
-            </a:extLst>
-          </p:cNvPr>
-          <p:cNvCxnSpPr>
-            <a:stCxn id="99" idx="1"/>
-            <a:endCxn id="259" idx="1"/>
-          </p:cNvCxnSpPr>
-          <p:nvPr/>
-        </p:nvCxnSpPr>
-        <p:spPr>
-          <a:xfrm rot="10800000" flipV="1">
-            <a:off x="2263506" y="3114912"/>
-            <a:ext cx="12700" cy="512120"/>
-          </a:xfrm>
-          <a:prstGeom prst="bentConnector3">
-            <a:avLst>
-              <a:gd name="adj1" fmla="val 1800000"/>
-            </a:avLst>
-          </a:prstGeom>
-          <a:ln>
-            <a:headEnd type="triangle"/>
-            <a:tailEnd type="triangle"/>
-          </a:ln>
-        </p:spPr>
-        <p:style>
-          <a:lnRef idx="1">
-            <a:schemeClr val="dk1"/>
-          </a:lnRef>
-          <a:fillRef idx="0">
-            <a:schemeClr val="dk1"/>
-          </a:fillRef>
-          <a:effectRef idx="0">
-            <a:schemeClr val="dk1"/>
-          </a:effectRef>
-          <a:fontRef idx="minor">
-            <a:schemeClr val="tx1"/>
-          </a:fontRef>
-        </p:style>
-      </p:cxnSp>
-      <p:cxnSp>
-        <p:nvCxnSpPr>
-          <p:cNvPr id="126" name="연결선: 꺾임 125">
-            <a:extLst>
-              <a:ext uri="{FF2B5EF4-FFF2-40B4-BE49-F238E27FC236}">
-                <a16:creationId xmlns:a16="http://schemas.microsoft.com/office/drawing/2014/main" id="{C7E2C3CC-0DF2-4FD2-BDE7-F0586A545001}"/>
-              </a:ext>
-            </a:extLst>
-          </p:cNvPr>
-          <p:cNvCxnSpPr>
-            <a:cxnSpLocks/>
-            <a:stCxn id="263" idx="1"/>
-            <a:endCxn id="269" idx="1"/>
-          </p:cNvCxnSpPr>
-          <p:nvPr/>
-        </p:nvCxnSpPr>
-        <p:spPr>
-          <a:xfrm rot="10800000" flipV="1">
-            <a:off x="3631658" y="1479242"/>
-            <a:ext cx="1" cy="527629"/>
-          </a:xfrm>
-          <a:prstGeom prst="bentConnector3">
-            <a:avLst>
-              <a:gd name="adj1" fmla="val 22860100000"/>
-            </a:avLst>
-          </a:prstGeom>
-          <a:ln>
-            <a:headEnd type="triangle"/>
-            <a:tailEnd type="triangle"/>
-          </a:ln>
-        </p:spPr>
-        <p:style>
-          <a:lnRef idx="1">
-            <a:schemeClr val="dk1"/>
-          </a:lnRef>
-          <a:fillRef idx="0">
-            <a:schemeClr val="dk1"/>
-          </a:fillRef>
-          <a:effectRef idx="0">
-            <a:schemeClr val="dk1"/>
-          </a:effectRef>
-          <a:fontRef idx="minor">
-            <a:schemeClr val="tx1"/>
-          </a:fontRef>
-        </p:style>
-      </p:cxnSp>
-      <p:cxnSp>
-        <p:nvCxnSpPr>
-          <p:cNvPr id="13" name="연결선: 꺾임 12">
-            <a:extLst>
-              <a:ext uri="{FF2B5EF4-FFF2-40B4-BE49-F238E27FC236}">
-                <a16:creationId xmlns:a16="http://schemas.microsoft.com/office/drawing/2014/main" id="{02B8C8C1-C8EF-4B97-ADAD-DDE524324DBB}"/>
-              </a:ext>
-            </a:extLst>
-          </p:cNvPr>
-          <p:cNvCxnSpPr>
-            <a:stCxn id="269" idx="1"/>
-            <a:endCxn id="255" idx="1"/>
-          </p:cNvCxnSpPr>
-          <p:nvPr/>
-        </p:nvCxnSpPr>
-        <p:spPr>
-          <a:xfrm rot="10800000" flipH="1" flipV="1">
-            <a:off x="3631656" y="2006872"/>
-            <a:ext cx="37949" cy="505978"/>
-          </a:xfrm>
-          <a:prstGeom prst="bentConnector3">
-            <a:avLst>
-              <a:gd name="adj1" fmla="val -602387"/>
-            </a:avLst>
-          </a:prstGeom>
-          <a:ln>
-            <a:tailEnd type="triangle"/>
-          </a:ln>
-        </p:spPr>
-        <p:style>
-          <a:lnRef idx="1">
-            <a:schemeClr val="dk1"/>
-          </a:lnRef>
-          <a:fillRef idx="0">
-            <a:schemeClr val="dk1"/>
-          </a:fillRef>
-          <a:effectRef idx="0">
-            <a:schemeClr val="dk1"/>
-          </a:effectRef>
-          <a:fontRef idx="minor">
-            <a:schemeClr val="tx1"/>
-          </a:fontRef>
-        </p:style>
-      </p:cxnSp>
-      <p:cxnSp>
-        <p:nvCxnSpPr>
-          <p:cNvPr id="15" name="직선 연결선 14">
-            <a:extLst>
-              <a:ext uri="{FF2B5EF4-FFF2-40B4-BE49-F238E27FC236}">
-                <a16:creationId xmlns:a16="http://schemas.microsoft.com/office/drawing/2014/main" id="{BAFA961D-0C8F-4E70-BE15-624AC4326B2D}"/>
-              </a:ext>
-            </a:extLst>
-          </p:cNvPr>
-          <p:cNvCxnSpPr>
-            <a:stCxn id="252" idx="3"/>
-          </p:cNvCxnSpPr>
-          <p:nvPr/>
-        </p:nvCxnSpPr>
-        <p:spPr>
-          <a:xfrm flipV="1">
-            <a:off x="3235506" y="2006871"/>
-            <a:ext cx="192828" cy="1"/>
-          </a:xfrm>
-          <a:prstGeom prst="line">
-            <a:avLst/>
-          </a:prstGeom>
-        </p:spPr>
-        <p:style>
-          <a:lnRef idx="1">
-            <a:schemeClr val="dk1"/>
-          </a:lnRef>
-          <a:fillRef idx="0">
-            <a:schemeClr val="dk1"/>
-          </a:fillRef>
-          <a:effectRef idx="0">
-            <a:schemeClr val="dk1"/>
-          </a:effectRef>
-          <a:fontRef idx="minor">
-            <a:schemeClr val="tx1"/>
-          </a:fontRef>
-        </p:style>
-      </p:cxnSp>
-      <p:cxnSp>
-        <p:nvCxnSpPr>
-          <p:cNvPr id="17" name="직선 연결선 16">
-            <a:extLst>
-              <a:ext uri="{FF2B5EF4-FFF2-40B4-BE49-F238E27FC236}">
-                <a16:creationId xmlns:a16="http://schemas.microsoft.com/office/drawing/2014/main" id="{9F6E43A3-355F-47FF-8139-83D2D32D46C5}"/>
-              </a:ext>
-            </a:extLst>
-          </p:cNvPr>
-          <p:cNvCxnSpPr>
-            <a:cxnSpLocks/>
-            <a:stCxn id="305" idx="6"/>
-          </p:cNvCxnSpPr>
-          <p:nvPr/>
-        </p:nvCxnSpPr>
-        <p:spPr>
-          <a:xfrm>
-            <a:off x="1667400" y="3951835"/>
-            <a:ext cx="378000" cy="0"/>
-          </a:xfrm>
-          <a:prstGeom prst="line">
-            <a:avLst/>
-          </a:prstGeom>
-        </p:spPr>
-        <p:style>
-          <a:lnRef idx="1">
-            <a:schemeClr val="dk1"/>
-          </a:lnRef>
-          <a:fillRef idx="0">
-            <a:schemeClr val="dk1"/>
-          </a:fillRef>
-          <a:effectRef idx="0">
-            <a:schemeClr val="dk1"/>
-          </a:effectRef>
-          <a:fontRef idx="minor">
-            <a:schemeClr val="tx1"/>
-          </a:fontRef>
-        </p:style>
-      </p:cxnSp>
-      <p:cxnSp>
-        <p:nvCxnSpPr>
-          <p:cNvPr id="22" name="연결선: 꺾임 21">
-            <a:extLst>
-              <a:ext uri="{FF2B5EF4-FFF2-40B4-BE49-F238E27FC236}">
-                <a16:creationId xmlns:a16="http://schemas.microsoft.com/office/drawing/2014/main" id="{F7D0D1E4-83A7-4F00-ACBC-0277E860B394}"/>
-              </a:ext>
-            </a:extLst>
-          </p:cNvPr>
-          <p:cNvCxnSpPr>
-            <a:stCxn id="281" idx="3"/>
-            <a:endCxn id="104" idx="0"/>
-          </p:cNvCxnSpPr>
-          <p:nvPr/>
-        </p:nvCxnSpPr>
-        <p:spPr>
-          <a:xfrm>
-            <a:off x="6944026" y="2268804"/>
-            <a:ext cx="545566" cy="888958"/>
-          </a:xfrm>
-          <a:prstGeom prst="bentConnector2">
-            <a:avLst/>
-          </a:prstGeom>
-          <a:ln>
-            <a:tailEnd type="triangle"/>
-          </a:ln>
-        </p:spPr>
-        <p:style>
-          <a:lnRef idx="1">
-            <a:schemeClr val="dk1"/>
-          </a:lnRef>
-          <a:fillRef idx="0">
-            <a:schemeClr val="dk1"/>
-          </a:fillRef>
-          <a:effectRef idx="0">
-            <a:schemeClr val="dk1"/>
-          </a:effectRef>
-          <a:fontRef idx="minor">
-            <a:schemeClr val="tx1"/>
-          </a:fontRef>
-        </p:style>
-      </p:cxnSp>
-      <p:cxnSp>
-        <p:nvCxnSpPr>
-          <p:cNvPr id="140" name="연결선: 꺾임 139">
-            <a:extLst>
-              <a:ext uri="{FF2B5EF4-FFF2-40B4-BE49-F238E27FC236}">
-                <a16:creationId xmlns:a16="http://schemas.microsoft.com/office/drawing/2014/main" id="{DA682D46-4D92-4D78-AC08-DD5B506DE927}"/>
-              </a:ext>
-            </a:extLst>
-          </p:cNvPr>
-          <p:cNvCxnSpPr>
-            <a:cxnSpLocks/>
-            <a:stCxn id="259" idx="3"/>
-            <a:endCxn id="103" idx="2"/>
-          </p:cNvCxnSpPr>
-          <p:nvPr/>
-        </p:nvCxnSpPr>
-        <p:spPr>
-          <a:xfrm flipV="1">
-            <a:off x="3235506" y="3337762"/>
-            <a:ext cx="3083643" cy="289270"/>
-          </a:xfrm>
-          <a:prstGeom prst="bentConnector2">
-            <a:avLst/>
-          </a:prstGeom>
-          <a:ln>
-            <a:tailEnd type="triangle"/>
-          </a:ln>
-        </p:spPr>
-        <p:style>
-          <a:lnRef idx="1">
-            <a:schemeClr val="dk1"/>
-          </a:lnRef>
-          <a:fillRef idx="0">
-            <a:schemeClr val="dk1"/>
-          </a:fillRef>
-          <a:effectRef idx="0">
-            <a:schemeClr val="dk1"/>
-          </a:effectRef>
-          <a:fontRef idx="minor">
-            <a:schemeClr val="tx1"/>
-          </a:fontRef>
-        </p:style>
-      </p:cxnSp>
-      <p:cxnSp>
-        <p:nvCxnSpPr>
-          <p:cNvPr id="148" name="연결선: 꺾임 147">
-            <a:extLst>
-              <a:ext uri="{FF2B5EF4-FFF2-40B4-BE49-F238E27FC236}">
-                <a16:creationId xmlns:a16="http://schemas.microsoft.com/office/drawing/2014/main" id="{080BBA76-E6B0-4A52-BE2B-7A34B39A6D67}"/>
-              </a:ext>
-            </a:extLst>
-          </p:cNvPr>
-          <p:cNvCxnSpPr>
-            <a:cxnSpLocks/>
-            <a:stCxn id="106" idx="0"/>
-            <a:endCxn id="263" idx="0"/>
-          </p:cNvCxnSpPr>
-          <p:nvPr/>
-        </p:nvCxnSpPr>
-        <p:spPr>
-          <a:xfrm rot="16200000" flipV="1">
-            <a:off x="5638772" y="-131870"/>
-            <a:ext cx="1654363" cy="4696590"/>
-          </a:xfrm>
-          <a:prstGeom prst="bentConnector3">
-            <a:avLst>
-              <a:gd name="adj1" fmla="val 120917"/>
-            </a:avLst>
           </a:prstGeom>
           <a:ln>
             <a:tailEnd type="triangle"/>

--- a/teamProject/득근득근_포트폴리오.pptx
+++ b/teamProject/득근득근_포트폴리오.pptx
@@ -364,7 +364,7 @@
           <a:p>
             <a:fld id="{98FBB39A-9110-43FD-8DF2-684D1523A0BC}" type="datetime1">
               <a:rPr lang="ko-KR" altLang="en-US" smtClean="0"/>
-              <a:t>2021-04-03</a:t>
+              <a:t>2021-04-21</a:t>
             </a:fld>
             <a:endParaRPr lang="ko-KR" altLang="en-US"/>
           </a:p>
@@ -1384,7 +1384,7 @@
           </a:ln>
           <a:extLst>
             <a:ext uri="{C572A759-6A51-4108-AA02-DFA0A04FC94B}">
-              <ma14:wrappingTextBoxFlag xmlns="" xmlns:m="http://schemas.openxmlformats.org/officeDocument/2006/math" xmlns:a14="http://schemas.microsoft.com/office/drawing/2010/main" xmlns:ma14="http://schemas.microsoft.com/office/mac/drawingml/2011/main" val="1"/>
+              <ma14:wrappingTextBoxFlag xmlns:ma14="http://schemas.microsoft.com/office/mac/drawingml/2011/main" xmlns:a14="http://schemas.microsoft.com/office/drawing/2010/main" xmlns:m="http://schemas.openxmlformats.org/officeDocument/2006/math" xmlns="" val="1"/>
             </a:ext>
           </a:extLst>
         </p:spPr>
@@ -1487,7 +1487,7 @@
           </a:ln>
           <a:extLst>
             <a:ext uri="{C572A759-6A51-4108-AA02-DFA0A04FC94B}">
-              <ma14:wrappingTextBoxFlag xmlns="" xmlns:m="http://schemas.openxmlformats.org/officeDocument/2006/math" xmlns:a14="http://schemas.microsoft.com/office/drawing/2010/main" xmlns:ma14="http://schemas.microsoft.com/office/mac/drawingml/2011/main" val="1"/>
+              <ma14:wrappingTextBoxFlag xmlns:ma14="http://schemas.microsoft.com/office/mac/drawingml/2011/main" xmlns:a14="http://schemas.microsoft.com/office/drawing/2010/main" xmlns:m="http://schemas.openxmlformats.org/officeDocument/2006/math" xmlns="" val="1"/>
             </a:ext>
           </a:extLst>
         </p:spPr>
@@ -24429,10 +24429,10 @@
       </p:sp>
       <p:pic>
         <p:nvPicPr>
-          <p:cNvPr id="5" name="그림 4">
+          <p:cNvPr id="4" name="그림 3">
             <a:extLst>
               <a:ext uri="{FF2B5EF4-FFF2-40B4-BE49-F238E27FC236}">
-                <a16:creationId xmlns:a16="http://schemas.microsoft.com/office/drawing/2014/main" id="{0BF7F643-EB76-4D1F-8557-AC4E1696D58E}"/>
+                <a16:creationId xmlns:a16="http://schemas.microsoft.com/office/drawing/2014/main" id="{F067972C-2EEC-406E-AF89-7FD550057D61}"/>
               </a:ext>
             </a:extLst>
           </p:cNvPr>
@@ -24455,8 +24455,8 @@
         </p:blipFill>
         <p:spPr>
           <a:xfrm>
-            <a:off x="1415480" y="1124744"/>
-            <a:ext cx="9594610" cy="5623732"/>
+            <a:off x="911424" y="1484784"/>
+            <a:ext cx="10091732" cy="4639619"/>
           </a:xfrm>
           <a:prstGeom prst="rect">
             <a:avLst/>
